--- a/Blood4Life/4 Semestre/Sprint 1/Documentação/PPT/Apresentacao4ADSA_Sprint1_Blood4life.pptx
+++ b/Blood4Life/4 Semestre/Sprint 1/Documentação/PPT/Apresentacao4ADSA_Sprint1_Blood4life.pptx
@@ -6,10 +6,10 @@
     <p:sldMasterId id="2147483665" r:id="rId5"/>
   </p:sldMasterIdLst>
   <p:notesMasterIdLst>
-    <p:notesMasterId r:id="rId21"/>
+    <p:notesMasterId r:id="rId22"/>
   </p:notesMasterIdLst>
   <p:handoutMasterIdLst>
-    <p:handoutMasterId r:id="rId22"/>
+    <p:handoutMasterId r:id="rId23"/>
   </p:handoutMasterIdLst>
   <p:sldIdLst>
     <p:sldId id="607" r:id="rId6"/>
@@ -17,16 +17,17 @@
     <p:sldId id="623" r:id="rId8"/>
     <p:sldId id="620" r:id="rId9"/>
     <p:sldId id="634" r:id="rId10"/>
-    <p:sldId id="617" r:id="rId11"/>
-    <p:sldId id="618" r:id="rId12"/>
+    <p:sldId id="618" r:id="rId11"/>
+    <p:sldId id="600" r:id="rId12"/>
     <p:sldId id="635" r:id="rId13"/>
-    <p:sldId id="636" r:id="rId14"/>
-    <p:sldId id="638" r:id="rId15"/>
-    <p:sldId id="640" r:id="rId16"/>
-    <p:sldId id="641" r:id="rId17"/>
-    <p:sldId id="637" r:id="rId18"/>
-    <p:sldId id="642" r:id="rId19"/>
-    <p:sldId id="628" r:id="rId20"/>
+    <p:sldId id="644" r:id="rId14"/>
+    <p:sldId id="636" r:id="rId15"/>
+    <p:sldId id="638" r:id="rId16"/>
+    <p:sldId id="640" r:id="rId17"/>
+    <p:sldId id="641" r:id="rId18"/>
+    <p:sldId id="637" r:id="rId19"/>
+    <p:sldId id="645" r:id="rId20"/>
+    <p:sldId id="628" r:id="rId21"/>
   </p:sldIdLst>
   <p:sldSz cx="13442950" cy="7561263"/>
   <p:notesSz cx="6858000" cy="9144000"/>
@@ -230,7 +231,7 @@
             <a:fld id="{C3CD65D1-5C11-455D-9F9A-0E035F00A0DA}" type="datetimeFigureOut">
               <a:rPr lang="pt-BR" smtClean="0"/>
               <a:pPr/>
-              <a:t>08/03/2021</a:t>
+              <a:t>09/03/2021</a:t>
             </a:fld>
             <a:endParaRPr lang="pt-BR"/>
           </a:p>
@@ -398,7 +399,7 @@
             <a:fld id="{A05DA3EF-18EA-43DE-B1BB-402A3C558822}" type="datetimeFigureOut">
               <a:rPr lang="pt-BR" smtClean="0"/>
               <a:pPr/>
-              <a:t>08/03/2021</a:t>
+              <a:t>09/03/2021</a:t>
             </a:fld>
             <a:endParaRPr lang="pt-BR"/>
           </a:p>
@@ -878,45 +879,6 @@
           <a:bodyPr/>
           <a:lstStyle/>
           <a:p>
-            <a:pPr marL="0" marR="0" lvl="0" indent="0" algn="l" defTabSz="1043056" rtl="0" eaLnBrk="1" fontAlgn="auto" latinLnBrk="0" hangingPunct="1">
-              <a:lnSpc>
-                <a:spcPct val="100000"/>
-              </a:lnSpc>
-              <a:spcBef>
-                <a:spcPts val="0"/>
-              </a:spcBef>
-              <a:spcAft>
-                <a:spcPts val="0"/>
-              </a:spcAft>
-              <a:buClrTx/>
-              <a:buSzTx/>
-              <a:buFontTx/>
-              <a:buNone/>
-              <a:tabLst/>
-              <a:defRPr/>
-            </a:pPr>
-            <a:r>
-              <a:rPr lang="pt-BR" dirty="0"/>
-              <a:t>[Inserir link do </a:t>
-            </a:r>
-            <a:r>
-              <a:rPr lang="pt-BR" dirty="0" err="1"/>
-              <a:t>prototype</a:t>
-            </a:r>
-            <a:r>
-              <a:rPr lang="pt-BR" dirty="0"/>
-              <a:t> do </a:t>
-            </a:r>
-            <a:r>
-              <a:rPr lang="pt-BR" dirty="0" err="1"/>
-              <a:t>figma</a:t>
-            </a:r>
-            <a:r>
-              <a:rPr lang="pt-BR" dirty="0"/>
-              <a:t>]</a:t>
-            </a:r>
-          </a:p>
-          <a:p>
             <a:endParaRPr lang="pt-BR" dirty="0"/>
           </a:p>
         </p:txBody>
@@ -939,7 +901,7 @@
             <a:fld id="{75B3645A-D0AE-4F6E-A17E-E0036A9041AF}" type="slidenum">
               <a:rPr lang="pt-BR" smtClean="0"/>
               <a:pPr/>
-              <a:t>13</a:t>
+              <a:t>7</a:t>
             </a:fld>
             <a:endParaRPr lang="pt-BR"/>
           </a:p>
@@ -948,7 +910,7 @@
     </p:spTree>
     <p:extLst>
       <p:ext uri="{BB962C8B-B14F-4D97-AF65-F5344CB8AC3E}">
-        <p14:creationId xmlns:p14="http://schemas.microsoft.com/office/powerpoint/2010/main" val="2687801171"/>
+        <p14:creationId xmlns:p14="http://schemas.microsoft.com/office/powerpoint/2010/main" val="822775736"/>
       </p:ext>
     </p:extLst>
   </p:cSld>
@@ -1002,6 +964,215 @@
           <a:bodyPr/>
           <a:lstStyle/>
           <a:p>
+            <a:endParaRPr lang="pt-BR" dirty="0"/>
+          </a:p>
+        </p:txBody>
+      </p:sp>
+      <p:sp>
+        <p:nvSpPr>
+          <p:cNvPr id="4" name="Espaço Reservado para Número de Slide 3"/>
+          <p:cNvSpPr>
+            <a:spLocks noGrp="1"/>
+          </p:cNvSpPr>
+          <p:nvPr>
+            <p:ph type="sldNum" sz="quarter" idx="5"/>
+          </p:nvPr>
+        </p:nvSpPr>
+        <p:spPr/>
+        <p:txBody>
+          <a:bodyPr/>
+          <a:lstStyle/>
+          <a:p>
+            <a:fld id="{75B3645A-D0AE-4F6E-A17E-E0036A9041AF}" type="slidenum">
+              <a:rPr lang="pt-BR" smtClean="0"/>
+              <a:pPr/>
+              <a:t>9</a:t>
+            </a:fld>
+            <a:endParaRPr lang="pt-BR"/>
+          </a:p>
+        </p:txBody>
+      </p:sp>
+    </p:spTree>
+    <p:extLst>
+      <p:ext uri="{BB962C8B-B14F-4D97-AF65-F5344CB8AC3E}">
+        <p14:creationId xmlns:p14="http://schemas.microsoft.com/office/powerpoint/2010/main" val="2800355775"/>
+      </p:ext>
+    </p:extLst>
+  </p:cSld>
+  <p:clrMapOvr>
+    <a:masterClrMapping/>
+  </p:clrMapOvr>
+</p:notes>
+</file>
+
+<file path=ppt/notesSlides/notesSlide5.xml><?xml version="1.0" encoding="utf-8"?>
+<p:notes xmlns:a="http://schemas.openxmlformats.org/drawingml/2006/main" xmlns:r="http://schemas.openxmlformats.org/officeDocument/2006/relationships" xmlns:p="http://schemas.openxmlformats.org/presentationml/2006/main">
+  <p:cSld>
+    <p:spTree>
+      <p:nvGrpSpPr>
+        <p:cNvPr id="1" name=""/>
+        <p:cNvGrpSpPr/>
+        <p:nvPr/>
+      </p:nvGrpSpPr>
+      <p:grpSpPr>
+        <a:xfrm>
+          <a:off x="0" y="0"/>
+          <a:ext cx="0" cy="0"/>
+          <a:chOff x="0" y="0"/>
+          <a:chExt cx="0" cy="0"/>
+        </a:xfrm>
+      </p:grpSpPr>
+      <p:sp>
+        <p:nvSpPr>
+          <p:cNvPr id="2" name="Espaço Reservado para Imagem de Slide 1"/>
+          <p:cNvSpPr>
+            <a:spLocks noGrp="1" noRot="1" noChangeAspect="1"/>
+          </p:cNvSpPr>
+          <p:nvPr>
+            <p:ph type="sldImg"/>
+          </p:nvPr>
+        </p:nvSpPr>
+        <p:spPr/>
+      </p:sp>
+      <p:sp>
+        <p:nvSpPr>
+          <p:cNvPr id="3" name="Espaço Reservado para Anotações 2"/>
+          <p:cNvSpPr>
+            <a:spLocks noGrp="1"/>
+          </p:cNvSpPr>
+          <p:nvPr>
+            <p:ph type="body" idx="1"/>
+          </p:nvPr>
+        </p:nvSpPr>
+        <p:spPr/>
+        <p:txBody>
+          <a:bodyPr/>
+          <a:lstStyle/>
+          <a:p>
+            <a:pPr marL="0" marR="0" lvl="0" indent="0" algn="l" defTabSz="1043056" rtl="0" eaLnBrk="1" fontAlgn="auto" latinLnBrk="0" hangingPunct="1">
+              <a:lnSpc>
+                <a:spcPct val="100000"/>
+              </a:lnSpc>
+              <a:spcBef>
+                <a:spcPts val="0"/>
+              </a:spcBef>
+              <a:spcAft>
+                <a:spcPts val="0"/>
+              </a:spcAft>
+              <a:buClrTx/>
+              <a:buSzTx/>
+              <a:buFontTx/>
+              <a:buNone/>
+              <a:tabLst/>
+              <a:defRPr/>
+            </a:pPr>
+            <a:r>
+              <a:rPr lang="pt-BR" dirty="0"/>
+              <a:t>[Inserir link do </a:t>
+            </a:r>
+            <a:r>
+              <a:rPr lang="pt-BR" dirty="0" err="1"/>
+              <a:t>prototype</a:t>
+            </a:r>
+            <a:r>
+              <a:rPr lang="pt-BR" dirty="0"/>
+              <a:t> do </a:t>
+            </a:r>
+            <a:r>
+              <a:rPr lang="pt-BR" dirty="0" err="1"/>
+              <a:t>figma</a:t>
+            </a:r>
+            <a:r>
+              <a:rPr lang="pt-BR" dirty="0"/>
+              <a:t>]</a:t>
+            </a:r>
+          </a:p>
+          <a:p>
+            <a:endParaRPr lang="pt-BR" dirty="0"/>
+          </a:p>
+        </p:txBody>
+      </p:sp>
+      <p:sp>
+        <p:nvSpPr>
+          <p:cNvPr id="4" name="Espaço Reservado para Número de Slide 3"/>
+          <p:cNvSpPr>
+            <a:spLocks noGrp="1"/>
+          </p:cNvSpPr>
+          <p:nvPr>
+            <p:ph type="sldNum" sz="quarter" idx="5"/>
+          </p:nvPr>
+        </p:nvSpPr>
+        <p:spPr/>
+        <p:txBody>
+          <a:bodyPr/>
+          <a:lstStyle/>
+          <a:p>
+            <a:fld id="{75B3645A-D0AE-4F6E-A17E-E0036A9041AF}" type="slidenum">
+              <a:rPr lang="pt-BR" smtClean="0"/>
+              <a:pPr/>
+              <a:t>14</a:t>
+            </a:fld>
+            <a:endParaRPr lang="pt-BR"/>
+          </a:p>
+        </p:txBody>
+      </p:sp>
+    </p:spTree>
+    <p:extLst>
+      <p:ext uri="{BB962C8B-B14F-4D97-AF65-F5344CB8AC3E}">
+        <p14:creationId xmlns:p14="http://schemas.microsoft.com/office/powerpoint/2010/main" val="2687801171"/>
+      </p:ext>
+    </p:extLst>
+  </p:cSld>
+  <p:clrMapOvr>
+    <a:masterClrMapping/>
+  </p:clrMapOvr>
+</p:notes>
+</file>
+
+<file path=ppt/notesSlides/notesSlide6.xml><?xml version="1.0" encoding="utf-8"?>
+<p:notes xmlns:a="http://schemas.openxmlformats.org/drawingml/2006/main" xmlns:r="http://schemas.openxmlformats.org/officeDocument/2006/relationships" xmlns:p="http://schemas.openxmlformats.org/presentationml/2006/main">
+  <p:cSld>
+    <p:spTree>
+      <p:nvGrpSpPr>
+        <p:cNvPr id="1" name=""/>
+        <p:cNvGrpSpPr/>
+        <p:nvPr/>
+      </p:nvGrpSpPr>
+      <p:grpSpPr>
+        <a:xfrm>
+          <a:off x="0" y="0"/>
+          <a:ext cx="0" cy="0"/>
+          <a:chOff x="0" y="0"/>
+          <a:chExt cx="0" cy="0"/>
+        </a:xfrm>
+      </p:grpSpPr>
+      <p:sp>
+        <p:nvSpPr>
+          <p:cNvPr id="2" name="Espaço Reservado para Imagem de Slide 1"/>
+          <p:cNvSpPr>
+            <a:spLocks noGrp="1" noRot="1" noChangeAspect="1"/>
+          </p:cNvSpPr>
+          <p:nvPr>
+            <p:ph type="sldImg"/>
+          </p:nvPr>
+        </p:nvSpPr>
+        <p:spPr/>
+      </p:sp>
+      <p:sp>
+        <p:nvSpPr>
+          <p:cNvPr id="3" name="Espaço Reservado para Anotações 2"/>
+          <p:cNvSpPr>
+            <a:spLocks noGrp="1"/>
+          </p:cNvSpPr>
+          <p:nvPr>
+            <p:ph type="body" idx="1"/>
+          </p:nvPr>
+        </p:nvSpPr>
+        <p:spPr/>
+        <p:txBody>
+          <a:bodyPr/>
+          <a:lstStyle/>
+          <a:p>
             <a:pPr marL="0" marR="0" lvl="0" indent="0" algn="l" defTabSz="1043056" rtl="0" eaLnBrk="1" fontAlgn="auto" latinLnBrk="0" hangingPunct="1">
               <a:lnSpc>
                 <a:spcPct val="100000"/>
@@ -1063,7 +1234,7 @@
             <a:fld id="{75B3645A-D0AE-4F6E-A17E-E0036A9041AF}" type="slidenum">
               <a:rPr lang="pt-BR" smtClean="0"/>
               <a:pPr/>
-              <a:t>14</a:t>
+              <a:t>15</a:t>
             </a:fld>
             <a:endParaRPr lang="pt-BR"/>
           </a:p>
@@ -1072,7 +1243,7 @@
     </p:spTree>
     <p:extLst>
       <p:ext uri="{BB962C8B-B14F-4D97-AF65-F5344CB8AC3E}">
-        <p14:creationId xmlns:p14="http://schemas.microsoft.com/office/powerpoint/2010/main" val="2126266291"/>
+        <p14:creationId xmlns:p14="http://schemas.microsoft.com/office/powerpoint/2010/main" val="1674335874"/>
       </p:ext>
     </p:extLst>
   </p:cSld>
@@ -9903,8 +10074,13 @@
           <a:p>
             <a:r>
               <a:rPr lang="pt-BR" dirty="0"/>
-              <a:t>9. Matriz de Concorrência</a:t>
+              <a:t>7. </a:t>
             </a:r>
+            <a:r>
+              <a:rPr lang="pt-BR" noProof="1"/>
+              <a:t>PM Canvas</a:t>
+            </a:r>
+            <a:endParaRPr lang="pt-BR" dirty="0"/>
           </a:p>
         </p:txBody>
       </p:sp>
@@ -9946,10 +10122,10 @@
       </p:pic>
       <p:pic>
         <p:nvPicPr>
-          <p:cNvPr id="8" name="Imagem 7" descr="Uma imagem contendo Linha do tempo&#10;&#10;Descrição gerada automaticamente">
+          <p:cNvPr id="6" name="Imagem 5" descr="Calendário&#10;&#10;Descrição gerada automaticamente">
             <a:extLst>
               <a:ext uri="{FF2B5EF4-FFF2-40B4-BE49-F238E27FC236}">
-                <a16:creationId xmlns:a16="http://schemas.microsoft.com/office/drawing/2014/main" id="{C002EC35-2C59-4FDE-9532-17EFFD8A4460}"/>
+                <a16:creationId xmlns:a16="http://schemas.microsoft.com/office/drawing/2014/main" id="{C097042D-C927-44AC-A565-839E27146816}"/>
               </a:ext>
             </a:extLst>
           </p:cNvPr>
@@ -9972,8 +10148,8 @@
         </p:blipFill>
         <p:spPr>
           <a:xfrm>
-            <a:off x="1918419" y="772483"/>
-            <a:ext cx="9154086" cy="6678822"/>
+            <a:off x="2184972" y="700650"/>
+            <a:ext cx="9403252" cy="6860613"/>
           </a:xfrm>
           <a:prstGeom prst="rect">
             <a:avLst/>
@@ -9983,7 +10159,7 @@
     </p:spTree>
     <p:extLst>
       <p:ext uri="{BB962C8B-B14F-4D97-AF65-F5344CB8AC3E}">
-        <p14:creationId xmlns:p14="http://schemas.microsoft.com/office/powerpoint/2010/main" val="441231147"/>
+        <p14:creationId xmlns:p14="http://schemas.microsoft.com/office/powerpoint/2010/main" val="4161354521"/>
       </p:ext>
     </p:extLst>
   </p:cSld>
@@ -10056,7 +10232,7 @@
           <a:p>
             <a:r>
               <a:rPr lang="pt-BR" dirty="0"/>
-              <a:t>10. Modelagem de Dados</a:t>
+              <a:t>8. Matriz de Concorrência</a:t>
             </a:r>
           </a:p>
         </p:txBody>
@@ -10099,10 +10275,10 @@
       </p:pic>
       <p:pic>
         <p:nvPicPr>
-          <p:cNvPr id="8" name="Imagem 7">
+          <p:cNvPr id="8" name="Imagem 7" descr="Uma imagem contendo Linha do tempo&#10;&#10;Descrição gerada automaticamente">
             <a:extLst>
               <a:ext uri="{FF2B5EF4-FFF2-40B4-BE49-F238E27FC236}">
-                <a16:creationId xmlns:a16="http://schemas.microsoft.com/office/drawing/2014/main" id="{53DEA13A-BF55-4FCF-BF7C-E00C0B1D7A8F}"/>
+                <a16:creationId xmlns:a16="http://schemas.microsoft.com/office/drawing/2014/main" id="{C002EC35-2C59-4FDE-9532-17EFFD8A4460}"/>
               </a:ext>
             </a:extLst>
           </p:cNvPr>
@@ -10112,7 +10288,7 @@
           <p:nvPr/>
         </p:nvPicPr>
         <p:blipFill>
-          <a:blip r:embed="rId3">
+          <a:blip r:embed="rId3" cstate="print">
             <a:extLst>
               <a:ext uri="{28A0092B-C50C-407E-A947-70E740481C1C}">
                 <a14:useLocalDpi xmlns:a14="http://schemas.microsoft.com/office/drawing/2010/main" val="0"/>
@@ -10125,8 +10301,8 @@
         </p:blipFill>
         <p:spPr>
           <a:xfrm>
-            <a:off x="1688713" y="1067863"/>
-            <a:ext cx="9498096" cy="6169152"/>
+            <a:off x="1918419" y="772483"/>
+            <a:ext cx="9154086" cy="6678822"/>
           </a:xfrm>
           <a:prstGeom prst="rect">
             <a:avLst/>
@@ -10136,7 +10312,7 @@
     </p:spTree>
     <p:extLst>
       <p:ext uri="{BB962C8B-B14F-4D97-AF65-F5344CB8AC3E}">
-        <p14:creationId xmlns:p14="http://schemas.microsoft.com/office/powerpoint/2010/main" val="1674088965"/>
+        <p14:creationId xmlns:p14="http://schemas.microsoft.com/office/powerpoint/2010/main" val="441231147"/>
       </p:ext>
     </p:extLst>
   </p:cSld>
@@ -10209,7 +10385,7 @@
           <a:p>
             <a:r>
               <a:rPr lang="pt-BR" dirty="0"/>
-              <a:t>11. Arquitetura da Solução</a:t>
+              <a:t>10. Modelagem de Dados</a:t>
             </a:r>
           </a:p>
         </p:txBody>
@@ -10250,10 +10426,46 @@
           </a:prstGeom>
         </p:spPr>
       </p:pic>
+      <p:pic>
+        <p:nvPicPr>
+          <p:cNvPr id="5" name="Imagem 4" descr="Diagrama&#10;&#10;Descrição gerada automaticamente">
+            <a:extLst>
+              <a:ext uri="{FF2B5EF4-FFF2-40B4-BE49-F238E27FC236}">
+                <a16:creationId xmlns:a16="http://schemas.microsoft.com/office/drawing/2014/main" id="{FA0F511A-64EC-4197-BF0D-316F1C78F38E}"/>
+              </a:ext>
+            </a:extLst>
+          </p:cNvPr>
+          <p:cNvPicPr>
+            <a:picLocks noChangeAspect="1"/>
+          </p:cNvPicPr>
+          <p:nvPr/>
+        </p:nvPicPr>
+        <p:blipFill>
+          <a:blip r:embed="rId3">
+            <a:extLst>
+              <a:ext uri="{28A0092B-C50C-407E-A947-70E740481C1C}">
+                <a14:useLocalDpi xmlns:a14="http://schemas.microsoft.com/office/drawing/2010/main" val="0"/>
+              </a:ext>
+            </a:extLst>
+          </a:blip>
+          <a:stretch>
+            <a:fillRect/>
+          </a:stretch>
+        </p:blipFill>
+        <p:spPr>
+          <a:xfrm>
+            <a:off x="3626636" y="963048"/>
+            <a:ext cx="6038850" cy="6200775"/>
+          </a:xfrm>
+          <a:prstGeom prst="rect">
+            <a:avLst/>
+          </a:prstGeom>
+        </p:spPr>
+      </p:pic>
     </p:spTree>
     <p:extLst>
       <p:ext uri="{BB962C8B-B14F-4D97-AF65-F5344CB8AC3E}">
-        <p14:creationId xmlns:p14="http://schemas.microsoft.com/office/powerpoint/2010/main" val="4073677507"/>
+        <p14:creationId xmlns:p14="http://schemas.microsoft.com/office/powerpoint/2010/main" val="1674088965"/>
       </p:ext>
     </p:extLst>
   </p:cSld>
@@ -10326,7 +10538,7 @@
           <a:p>
             <a:r>
               <a:rPr lang="pt-BR" dirty="0"/>
-              <a:t>12. Sketches de tela</a:t>
+              <a:t>11. Arquitetura da Solução</a:t>
             </a:r>
           </a:p>
         </p:txBody>
@@ -10346,7 +10558,7 @@
           <p:nvPr/>
         </p:nvPicPr>
         <p:blipFill>
-          <a:blip r:embed="rId3" cstate="print">
+          <a:blip r:embed="rId2" cstate="print">
             <a:extLst>
               <a:ext uri="{28A0092B-C50C-407E-A947-70E740481C1C}">
                 <a14:useLocalDpi xmlns:a14="http://schemas.microsoft.com/office/drawing/2010/main" val="0"/>
@@ -10367,55 +10579,1155 @@
           </a:prstGeom>
         </p:spPr>
       </p:pic>
-      <p:pic>
-        <p:nvPicPr>
-          <p:cNvPr id="1026" name="Picture 2" descr="Figma fundo png &amp; imagem png - Figma Logotipo da Ação E do Brinquedo de  Figuras figura Modelo Max Factory - outros png transparente grátis">
+      <p:sp>
+        <p:nvSpPr>
+          <p:cNvPr id="38" name="Retângulo 37">
             <a:extLst>
               <a:ext uri="{FF2B5EF4-FFF2-40B4-BE49-F238E27FC236}">
-                <a16:creationId xmlns:a16="http://schemas.microsoft.com/office/drawing/2014/main" id="{6E2CB523-312F-4381-90DE-7227554ACB9D}"/>
+                <a16:creationId xmlns:a16="http://schemas.microsoft.com/office/drawing/2014/main" id="{539B5F4A-7D29-421C-9216-06654185D3E9}"/>
               </a:ext>
             </a:extLst>
           </p:cNvPr>
-          <p:cNvPicPr>
-            <a:picLocks noChangeAspect="1" noChangeArrowheads="1"/>
-          </p:cNvPicPr>
+          <p:cNvSpPr/>
           <p:nvPr/>
-        </p:nvPicPr>
-        <p:blipFill rotWithShape="1">
-          <a:blip r:embed="rId4">
+        </p:nvSpPr>
+        <p:spPr>
+          <a:xfrm>
+            <a:off x="10493680" y="4854854"/>
+            <a:ext cx="2473891" cy="2139381"/>
+          </a:xfrm>
+          <a:prstGeom prst="rect">
+            <a:avLst/>
+          </a:prstGeom>
+          <a:solidFill>
+            <a:srgbClr val="5580CB"/>
+          </a:solidFill>
+          <a:ln>
+            <a:solidFill>
+              <a:schemeClr val="tx1"/>
+            </a:solidFill>
+          </a:ln>
+        </p:spPr>
+        <p:style>
+          <a:lnRef idx="2">
+            <a:schemeClr val="accent6"/>
+          </a:lnRef>
+          <a:fillRef idx="1">
+            <a:schemeClr val="lt1"/>
+          </a:fillRef>
+          <a:effectRef idx="0">
+            <a:schemeClr val="accent6"/>
+          </a:effectRef>
+          <a:fontRef idx="minor">
+            <a:schemeClr val="dk1"/>
+          </a:fontRef>
+        </p:style>
+        <p:txBody>
+          <a:bodyPr lIns="100817" tIns="50408" rIns="100817" bIns="50408" rtlCol="0" anchor="ctr"/>
+          <a:lstStyle/>
+          <a:p>
+            <a:pPr algn="ctr">
+              <a:defRPr/>
+            </a:pPr>
+            <a:r>
+              <a:rPr lang="pt-BR" sz="2315" b="1" dirty="0">
+                <a:solidFill>
+                  <a:schemeClr val="bg1"/>
+                </a:solidFill>
+              </a:rPr>
+              <a:t>API Leaflet</a:t>
+            </a:r>
+            <a:endParaRPr lang="pt-BR" sz="2315" b="1" dirty="0">
+              <a:solidFill>
+                <a:schemeClr val="bg1"/>
+              </a:solidFill>
+              <a:cs typeface="Calibri"/>
+            </a:endParaRPr>
+          </a:p>
+          <a:p>
+            <a:pPr algn="ctr">
+              <a:defRPr/>
+            </a:pPr>
+            <a:r>
+              <a:rPr lang="pt-BR" sz="1544" dirty="0">
+                <a:solidFill>
+                  <a:schemeClr val="bg1"/>
+                </a:solidFill>
+              </a:rPr>
+              <a:t>[Container: API Leaflet]</a:t>
+            </a:r>
+            <a:endParaRPr lang="pt-BR" sz="1544" dirty="0">
+              <a:solidFill>
+                <a:schemeClr val="bg1"/>
+              </a:solidFill>
+              <a:cs typeface="Calibri"/>
+            </a:endParaRPr>
+          </a:p>
+          <a:p>
+            <a:pPr algn="ctr">
+              <a:defRPr/>
+            </a:pPr>
+            <a:endParaRPr lang="pt-BR" sz="1544" dirty="0">
+              <a:solidFill>
+                <a:schemeClr val="bg1"/>
+              </a:solidFill>
+              <a:cs typeface="Calibri"/>
+            </a:endParaRPr>
+          </a:p>
+          <a:p>
+            <a:pPr algn="ctr">
+              <a:defRPr/>
+            </a:pPr>
+            <a:r>
+              <a:rPr lang="pt-BR" sz="1544" dirty="0">
+                <a:solidFill>
+                  <a:schemeClr val="bg1"/>
+                </a:solidFill>
+                <a:cs typeface="Calibri"/>
+              </a:rPr>
+              <a:t>API para mostrar a localização dos Hospitais</a:t>
+            </a:r>
+          </a:p>
+        </p:txBody>
+      </p:sp>
+      <p:sp>
+        <p:nvSpPr>
+          <p:cNvPr id="39" name="Retângulo 38">
             <a:extLst>
-              <a:ext uri="{28A0092B-C50C-407E-A947-70E740481C1C}">
-                <a14:useLocalDpi xmlns:a14="http://schemas.microsoft.com/office/drawing/2010/main" val="0"/>
+              <a:ext uri="{FF2B5EF4-FFF2-40B4-BE49-F238E27FC236}">
+                <a16:creationId xmlns:a16="http://schemas.microsoft.com/office/drawing/2014/main" id="{A42EE6EF-DD98-40A7-AF27-7355C8F99038}"/>
               </a:ext>
             </a:extLst>
-          </a:blip>
-          <a:srcRect l="7732" t="6640" r="7204" b="9736"/>
-          <a:stretch/>
-        </p:blipFill>
-        <p:spPr bwMode="auto">
+          </p:cNvPr>
+          <p:cNvSpPr/>
+          <p:nvPr/>
+        </p:nvSpPr>
+        <p:spPr>
           <a:xfrm>
-            <a:off x="5174166" y="1873405"/>
-            <a:ext cx="2631688" cy="2587110"/>
+            <a:off x="4254169" y="1370998"/>
+            <a:ext cx="2467041" cy="2141647"/>
+          </a:xfrm>
+          <a:prstGeom prst="rect">
+            <a:avLst/>
+          </a:prstGeom>
+          <a:solidFill>
+            <a:srgbClr val="5580CB"/>
+          </a:solidFill>
+          <a:ln>
+            <a:solidFill>
+              <a:schemeClr val="tx1"/>
+            </a:solidFill>
+          </a:ln>
+        </p:spPr>
+        <p:style>
+          <a:lnRef idx="2">
+            <a:schemeClr val="accent6"/>
+          </a:lnRef>
+          <a:fillRef idx="1">
+            <a:schemeClr val="lt1"/>
+          </a:fillRef>
+          <a:effectRef idx="0">
+            <a:schemeClr val="accent6"/>
+          </a:effectRef>
+          <a:fontRef idx="minor">
+            <a:schemeClr val="dk1"/>
+          </a:fontRef>
+        </p:style>
+        <p:txBody>
+          <a:bodyPr lIns="100817" tIns="50408" rIns="100817" bIns="50408" rtlCol="0" anchor="ctr"/>
+          <a:lstStyle/>
+          <a:p>
+            <a:pPr algn="ctr">
+              <a:defRPr/>
+            </a:pPr>
+            <a:r>
+              <a:rPr lang="pt-BR" sz="2315" b="1" dirty="0">
+                <a:solidFill>
+                  <a:schemeClr val="bg1"/>
+                </a:solidFill>
+              </a:rPr>
+              <a:t>API BLOOD4LIFE </a:t>
+            </a:r>
+            <a:endParaRPr lang="pt-BR" sz="2315" b="1" dirty="0">
+              <a:solidFill>
+                <a:schemeClr val="bg1"/>
+              </a:solidFill>
+              <a:cs typeface="Calibri"/>
+            </a:endParaRPr>
+          </a:p>
+          <a:p>
+            <a:pPr algn="ctr">
+              <a:defRPr/>
+            </a:pPr>
+            <a:r>
+              <a:rPr lang="pt-BR" sz="1544" dirty="0">
+                <a:solidFill>
+                  <a:schemeClr val="bg1"/>
+                </a:solidFill>
+              </a:rPr>
+              <a:t>[Container: Spring Boot]</a:t>
+            </a:r>
+            <a:endParaRPr lang="pt-BR" sz="1544" dirty="0">
+              <a:solidFill>
+                <a:schemeClr val="bg1"/>
+              </a:solidFill>
+              <a:cs typeface="Calibri"/>
+            </a:endParaRPr>
+          </a:p>
+          <a:p>
+            <a:pPr algn="ctr">
+              <a:defRPr/>
+            </a:pPr>
+            <a:endParaRPr lang="pt-BR" sz="1544" dirty="0">
+              <a:solidFill>
+                <a:schemeClr val="bg1"/>
+              </a:solidFill>
+              <a:cs typeface="Calibri"/>
+            </a:endParaRPr>
+          </a:p>
+          <a:p>
+            <a:pPr algn="ctr">
+              <a:defRPr/>
+            </a:pPr>
+            <a:r>
+              <a:rPr lang="pt-BR" sz="1544" dirty="0">
+                <a:solidFill>
+                  <a:schemeClr val="bg1"/>
+                </a:solidFill>
+                <a:cs typeface="Calibri"/>
+              </a:rPr>
+              <a:t>Back-End da solução</a:t>
+            </a:r>
+          </a:p>
+        </p:txBody>
+      </p:sp>
+      <p:sp>
+        <p:nvSpPr>
+          <p:cNvPr id="40" name="Retângulo 39">
+            <a:extLst>
+              <a:ext uri="{FF2B5EF4-FFF2-40B4-BE49-F238E27FC236}">
+                <a16:creationId xmlns:a16="http://schemas.microsoft.com/office/drawing/2014/main" id="{1DF9747C-AF82-46D7-A018-5A8F0D94BD3D}"/>
+              </a:ext>
+            </a:extLst>
+          </p:cNvPr>
+          <p:cNvSpPr/>
+          <p:nvPr/>
+        </p:nvSpPr>
+        <p:spPr>
+          <a:xfrm>
+            <a:off x="9549174" y="1372066"/>
+            <a:ext cx="2473891" cy="2139509"/>
+          </a:xfrm>
+          <a:prstGeom prst="rect">
+            <a:avLst/>
+          </a:prstGeom>
+          <a:solidFill>
+            <a:srgbClr val="5580CB"/>
+          </a:solidFill>
+          <a:ln>
+            <a:solidFill>
+              <a:schemeClr val="tx1"/>
+            </a:solidFill>
+          </a:ln>
+        </p:spPr>
+        <p:style>
+          <a:lnRef idx="2">
+            <a:schemeClr val="accent6"/>
+          </a:lnRef>
+          <a:fillRef idx="1">
+            <a:schemeClr val="lt1"/>
+          </a:fillRef>
+          <a:effectRef idx="0">
+            <a:schemeClr val="accent6"/>
+          </a:effectRef>
+          <a:fontRef idx="minor">
+            <a:schemeClr val="dk1"/>
+          </a:fontRef>
+        </p:style>
+        <p:txBody>
+          <a:bodyPr lIns="100817" tIns="50408" rIns="100817" bIns="50408" rtlCol="0" anchor="ctr"/>
+          <a:lstStyle/>
+          <a:p>
+            <a:pPr algn="ctr">
+              <a:defRPr/>
+            </a:pPr>
+            <a:r>
+              <a:rPr lang="pt-BR" sz="2315" b="1" dirty="0">
+                <a:solidFill>
+                  <a:srgbClr val="FFFFFF"/>
+                </a:solidFill>
+              </a:rPr>
+              <a:t>Client-Side</a:t>
+            </a:r>
+            <a:r>
+              <a:rPr lang="pt-BR" sz="2315" b="1" u="sng" dirty="0">
+                <a:solidFill>
+                  <a:srgbClr val="FFFFFF"/>
+                </a:solidFill>
+              </a:rPr>
+              <a:t> </a:t>
+            </a:r>
+            <a:r>
+              <a:rPr lang="pt-BR" sz="2315" b="1" dirty="0">
+                <a:solidFill>
+                  <a:srgbClr val="FFFFFF"/>
+                </a:solidFill>
+              </a:rPr>
+              <a:t>Web</a:t>
+            </a:r>
+            <a:r>
+              <a:rPr lang="pt-BR" sz="2315" b="1" u="sng" dirty="0">
+                <a:solidFill>
+                  <a:srgbClr val="FFFFFF"/>
+                </a:solidFill>
+              </a:rPr>
+              <a:t> </a:t>
+            </a:r>
+            <a:r>
+              <a:rPr lang="pt-BR" sz="2315" b="1" dirty="0">
+                <a:solidFill>
+                  <a:srgbClr val="FFFFFF"/>
+                </a:solidFill>
+              </a:rPr>
+              <a:t>Application</a:t>
+            </a:r>
+          </a:p>
+          <a:p>
+            <a:pPr algn="ctr">
+              <a:defRPr/>
+            </a:pPr>
+            <a:r>
+              <a:rPr lang="pt-BR" sz="1544" dirty="0">
+                <a:solidFill>
+                  <a:srgbClr val="FFFFFF"/>
+                </a:solidFill>
+              </a:rPr>
+              <a:t>[Container: ReactJS + Chart.js] </a:t>
+            </a:r>
+          </a:p>
+          <a:p>
+            <a:pPr algn="ctr">
+              <a:defRPr/>
+            </a:pPr>
+            <a:endParaRPr lang="pt-BR" sz="1544" u="sng" dirty="0">
+              <a:solidFill>
+                <a:srgbClr val="FFFFFF"/>
+              </a:solidFill>
+              <a:cs typeface="Calibri"/>
+            </a:endParaRPr>
+          </a:p>
+          <a:p>
+            <a:pPr algn="ctr">
+              <a:defRPr/>
+            </a:pPr>
+            <a:r>
+              <a:rPr lang="pt-BR" sz="1544" dirty="0">
+                <a:solidFill>
+                  <a:srgbClr val="FFFFFF"/>
+                </a:solidFill>
+                <a:cs typeface="Calibri"/>
+              </a:rPr>
+              <a:t>Aplicação de cadastros e visualização das dashboards dos Hospitais</a:t>
+            </a:r>
+          </a:p>
+        </p:txBody>
+      </p:sp>
+      <p:cxnSp>
+        <p:nvCxnSpPr>
+          <p:cNvPr id="41" name="Conector de Seta Reta 40">
+            <a:extLst>
+              <a:ext uri="{FF2B5EF4-FFF2-40B4-BE49-F238E27FC236}">
+                <a16:creationId xmlns:a16="http://schemas.microsoft.com/office/drawing/2014/main" id="{08830C2E-1994-4DF1-94E4-C66D9989D644}"/>
+              </a:ext>
+            </a:extLst>
+          </p:cNvPr>
+          <p:cNvCxnSpPr>
+            <a:cxnSpLocks/>
+            <a:stCxn id="40" idx="1"/>
+            <a:endCxn id="39" idx="3"/>
+          </p:cNvCxnSpPr>
+          <p:nvPr/>
+        </p:nvCxnSpPr>
+        <p:spPr>
+          <a:xfrm flipH="1">
+            <a:off x="6721209" y="2441821"/>
+            <a:ext cx="2827965" cy="1"/>
+          </a:xfrm>
+          <a:prstGeom prst="straightConnector1">
+            <a:avLst/>
+          </a:prstGeom>
+          <a:ln>
+            <a:tailEnd type="triangle"/>
+          </a:ln>
+        </p:spPr>
+        <p:style>
+          <a:lnRef idx="1">
+            <a:schemeClr val="dk1"/>
+          </a:lnRef>
+          <a:fillRef idx="0">
+            <a:schemeClr val="dk1"/>
+          </a:fillRef>
+          <a:effectRef idx="0">
+            <a:schemeClr val="dk1"/>
+          </a:effectRef>
+          <a:fontRef idx="minor">
+            <a:schemeClr val="tx1"/>
+          </a:fontRef>
+        </p:style>
+      </p:cxnSp>
+      <p:cxnSp>
+        <p:nvCxnSpPr>
+          <p:cNvPr id="42" name="Conector de Seta Reta 41">
+            <a:extLst>
+              <a:ext uri="{FF2B5EF4-FFF2-40B4-BE49-F238E27FC236}">
+                <a16:creationId xmlns:a16="http://schemas.microsoft.com/office/drawing/2014/main" id="{4E74A57A-675C-404C-9061-1DE9A3D003E5}"/>
+              </a:ext>
+            </a:extLst>
+          </p:cNvPr>
+          <p:cNvCxnSpPr>
+            <a:cxnSpLocks/>
+            <a:stCxn id="39" idx="1"/>
+            <a:endCxn id="48" idx="4"/>
+          </p:cNvCxnSpPr>
+          <p:nvPr/>
+        </p:nvCxnSpPr>
+        <p:spPr>
+          <a:xfrm flipH="1">
+            <a:off x="2875043" y="2441822"/>
+            <a:ext cx="1379126" cy="0"/>
+          </a:xfrm>
+          <a:prstGeom prst="straightConnector1">
+            <a:avLst/>
+          </a:prstGeom>
+          <a:ln>
+            <a:tailEnd type="triangle"/>
+          </a:ln>
+        </p:spPr>
+        <p:style>
+          <a:lnRef idx="1">
+            <a:schemeClr val="dk1"/>
+          </a:lnRef>
+          <a:fillRef idx="0">
+            <a:schemeClr val="dk1"/>
+          </a:fillRef>
+          <a:effectRef idx="0">
+            <a:schemeClr val="dk1"/>
+          </a:effectRef>
+          <a:fontRef idx="minor">
+            <a:schemeClr val="tx1"/>
+          </a:fontRef>
+        </p:style>
+      </p:cxnSp>
+      <p:cxnSp>
+        <p:nvCxnSpPr>
+          <p:cNvPr id="43" name="Conector de Seta Reta 42">
+            <a:extLst>
+              <a:ext uri="{FF2B5EF4-FFF2-40B4-BE49-F238E27FC236}">
+                <a16:creationId xmlns:a16="http://schemas.microsoft.com/office/drawing/2014/main" id="{54B5C880-042C-42E6-8C73-5A7ABE7F3B7F}"/>
+              </a:ext>
+            </a:extLst>
+          </p:cNvPr>
+          <p:cNvCxnSpPr>
+            <a:cxnSpLocks/>
+            <a:stCxn id="40" idx="2"/>
+            <a:endCxn id="38" idx="0"/>
+          </p:cNvCxnSpPr>
+          <p:nvPr/>
+        </p:nvCxnSpPr>
+        <p:spPr>
+          <a:xfrm>
+            <a:off x="10786120" y="3511575"/>
+            <a:ext cx="944506" cy="1343278"/>
+          </a:xfrm>
+          <a:prstGeom prst="straightConnector1">
+            <a:avLst/>
+          </a:prstGeom>
+          <a:ln>
+            <a:tailEnd type="triangle"/>
+          </a:ln>
+        </p:spPr>
+        <p:style>
+          <a:lnRef idx="1">
+            <a:schemeClr val="dk1"/>
+          </a:lnRef>
+          <a:fillRef idx="0">
+            <a:schemeClr val="dk1"/>
+          </a:fillRef>
+          <a:effectRef idx="0">
+            <a:schemeClr val="dk1"/>
+          </a:effectRef>
+          <a:fontRef idx="minor">
+            <a:schemeClr val="tx1"/>
+          </a:fontRef>
+        </p:style>
+      </p:cxnSp>
+      <p:sp>
+        <p:nvSpPr>
+          <p:cNvPr id="44" name="Retângulo 43">
+            <a:extLst>
+              <a:ext uri="{FF2B5EF4-FFF2-40B4-BE49-F238E27FC236}">
+                <a16:creationId xmlns:a16="http://schemas.microsoft.com/office/drawing/2014/main" id="{B2C5D211-DEC5-41F9-850D-54C935503B27}"/>
+              </a:ext>
+            </a:extLst>
+          </p:cNvPr>
+          <p:cNvSpPr/>
+          <p:nvPr/>
+        </p:nvSpPr>
+        <p:spPr>
+          <a:xfrm>
+            <a:off x="1901703" y="4883567"/>
+            <a:ext cx="2464994" cy="2139381"/>
+          </a:xfrm>
+          <a:prstGeom prst="rect">
+            <a:avLst/>
+          </a:prstGeom>
+          <a:solidFill>
+            <a:srgbClr val="5580CB"/>
+          </a:solidFill>
+          <a:ln>
+            <a:solidFill>
+              <a:schemeClr val="tx1"/>
+            </a:solidFill>
+          </a:ln>
+        </p:spPr>
+        <p:style>
+          <a:lnRef idx="2">
+            <a:schemeClr val="accent6"/>
+          </a:lnRef>
+          <a:fillRef idx="1">
+            <a:schemeClr val="lt1"/>
+          </a:fillRef>
+          <a:effectRef idx="0">
+            <a:schemeClr val="accent6"/>
+          </a:effectRef>
+          <a:fontRef idx="minor">
+            <a:schemeClr val="dk1"/>
+          </a:fontRef>
+        </p:style>
+        <p:txBody>
+          <a:bodyPr lIns="100817" tIns="50408" rIns="100817" bIns="50408" rtlCol="0" anchor="ctr"/>
+          <a:lstStyle/>
+          <a:p>
+            <a:pPr lvl="0" algn="ctr">
+              <a:defRPr/>
+            </a:pPr>
+            <a:r>
+              <a:rPr lang="pt-BR" sz="2315" b="1" dirty="0">
+                <a:solidFill>
+                  <a:srgbClr val="FFFFFF"/>
+                </a:solidFill>
+              </a:rPr>
+              <a:t>MobileApp</a:t>
+            </a:r>
+            <a:endParaRPr lang="pt-BR" sz="2315" b="1" dirty="0">
+              <a:solidFill>
+                <a:srgbClr val="FFFFFF"/>
+              </a:solidFill>
+              <a:cs typeface="Calibri"/>
+            </a:endParaRPr>
+          </a:p>
+          <a:p>
+            <a:pPr algn="ctr">
+              <a:defRPr/>
+            </a:pPr>
+            <a:r>
+              <a:rPr lang="pt-BR" sz="1544" dirty="0">
+                <a:solidFill>
+                  <a:srgbClr val="FFFFFF"/>
+                </a:solidFill>
+              </a:rPr>
+              <a:t>[Container: Kotlin ] </a:t>
+            </a:r>
+            <a:endParaRPr lang="pt-BR" sz="1544" dirty="0">
+              <a:solidFill>
+                <a:srgbClr val="FFFFFF"/>
+              </a:solidFill>
+              <a:cs typeface="Calibri"/>
+            </a:endParaRPr>
+          </a:p>
+          <a:p>
+            <a:pPr algn="ctr">
+              <a:defRPr/>
+            </a:pPr>
+            <a:endParaRPr lang="pt-BR" sz="1544" dirty="0">
+              <a:solidFill>
+                <a:srgbClr val="FFFFFF"/>
+              </a:solidFill>
+              <a:cs typeface="Calibri"/>
+            </a:endParaRPr>
+          </a:p>
+          <a:p>
+            <a:pPr algn="ctr">
+              <a:defRPr/>
+            </a:pPr>
+            <a:r>
+              <a:rPr lang="pt-BR" sz="1544" dirty="0">
+                <a:solidFill>
+                  <a:srgbClr val="FFFFFF"/>
+                </a:solidFill>
+                <a:cs typeface="Calibri"/>
+              </a:rPr>
+              <a:t>Aplicativo de visualização de dashboards</a:t>
+            </a:r>
+          </a:p>
+        </p:txBody>
+      </p:sp>
+      <p:cxnSp>
+        <p:nvCxnSpPr>
+          <p:cNvPr id="45" name="Conector de Seta Reta 44">
+            <a:extLst>
+              <a:ext uri="{FF2B5EF4-FFF2-40B4-BE49-F238E27FC236}">
+                <a16:creationId xmlns:a16="http://schemas.microsoft.com/office/drawing/2014/main" id="{53A8B2B2-6049-477A-AE6F-B56E75B7F663}"/>
+              </a:ext>
+            </a:extLst>
+          </p:cNvPr>
+          <p:cNvCxnSpPr>
+            <a:cxnSpLocks/>
+          </p:cNvCxnSpPr>
+          <p:nvPr/>
+        </p:nvCxnSpPr>
+        <p:spPr>
+          <a:xfrm flipV="1">
+            <a:off x="2648110" y="3521249"/>
+            <a:ext cx="2353489" cy="1370923"/>
+          </a:xfrm>
+          <a:prstGeom prst="straightConnector1">
+            <a:avLst/>
+          </a:prstGeom>
+          <a:ln>
+            <a:tailEnd type="triangle"/>
+          </a:ln>
+        </p:spPr>
+        <p:style>
+          <a:lnRef idx="1">
+            <a:schemeClr val="dk1"/>
+          </a:lnRef>
+          <a:fillRef idx="0">
+            <a:schemeClr val="dk1"/>
+          </a:fillRef>
+          <a:effectRef idx="0">
+            <a:schemeClr val="dk1"/>
+          </a:effectRef>
+          <a:fontRef idx="minor">
+            <a:schemeClr val="tx1"/>
+          </a:fontRef>
+        </p:style>
+      </p:cxnSp>
+      <p:sp>
+        <p:nvSpPr>
+          <p:cNvPr id="46" name="Retângulo 45">
+            <a:extLst>
+              <a:ext uri="{FF2B5EF4-FFF2-40B4-BE49-F238E27FC236}">
+                <a16:creationId xmlns:a16="http://schemas.microsoft.com/office/drawing/2014/main" id="{1C135A93-7642-42BD-9AA4-F7029332EDC4}"/>
+              </a:ext>
+            </a:extLst>
+          </p:cNvPr>
+          <p:cNvSpPr/>
+          <p:nvPr/>
+        </p:nvSpPr>
+        <p:spPr>
+          <a:xfrm>
+            <a:off x="4867504" y="4883567"/>
+            <a:ext cx="2473891" cy="2130594"/>
+          </a:xfrm>
+          <a:prstGeom prst="rect">
+            <a:avLst/>
+          </a:prstGeom>
+          <a:solidFill>
+            <a:srgbClr val="5580CB"/>
+          </a:solidFill>
+          <a:ln>
+            <a:solidFill>
+              <a:schemeClr val="tx1"/>
+            </a:solidFill>
+          </a:ln>
+        </p:spPr>
+        <p:style>
+          <a:lnRef idx="2">
+            <a:schemeClr val="accent6"/>
+          </a:lnRef>
+          <a:fillRef idx="1">
+            <a:schemeClr val="lt1"/>
+          </a:fillRef>
+          <a:effectRef idx="0">
+            <a:schemeClr val="accent6"/>
+          </a:effectRef>
+          <a:fontRef idx="minor">
+            <a:schemeClr val="dk1"/>
+          </a:fontRef>
+        </p:style>
+        <p:txBody>
+          <a:bodyPr lIns="100817" tIns="50408" rIns="100817" bIns="50408" rtlCol="0" anchor="ctr"/>
+          <a:lstStyle/>
+          <a:p>
+            <a:pPr algn="ctr">
+              <a:defRPr/>
+            </a:pPr>
+            <a:r>
+              <a:rPr lang="pt-BR" sz="2315" b="1" dirty="0">
+                <a:solidFill>
+                  <a:srgbClr val="FFFFFF"/>
+                </a:solidFill>
+              </a:rPr>
+              <a:t>API E-mail</a:t>
+            </a:r>
+            <a:endParaRPr lang="pt-BR" sz="2315" b="1" dirty="0">
+              <a:solidFill>
+                <a:srgbClr val="FFFFFF"/>
+              </a:solidFill>
+              <a:cs typeface="Calibri"/>
+            </a:endParaRPr>
+          </a:p>
+          <a:p>
+            <a:pPr algn="ctr">
+              <a:defRPr/>
+            </a:pPr>
+            <a:r>
+              <a:rPr lang="pt-BR" sz="1544" dirty="0">
+                <a:solidFill>
+                  <a:srgbClr val="FFFFFF"/>
+                </a:solidFill>
+              </a:rPr>
+              <a:t>[Container: JavaMail ] </a:t>
+            </a:r>
+          </a:p>
+          <a:p>
+            <a:pPr algn="ctr">
+              <a:defRPr/>
+            </a:pPr>
+            <a:endParaRPr lang="pt-BR" sz="1544" dirty="0">
+              <a:solidFill>
+                <a:srgbClr val="FFFFFF"/>
+              </a:solidFill>
+              <a:cs typeface="Calibri"/>
+            </a:endParaRPr>
+          </a:p>
+          <a:p>
+            <a:pPr algn="ctr">
+              <a:defRPr/>
+            </a:pPr>
+            <a:r>
+              <a:rPr lang="pt-BR" sz="1544" dirty="0">
+                <a:solidFill>
+                  <a:srgbClr val="FFFFFF"/>
+                </a:solidFill>
+                <a:cs typeface="Calibri"/>
+              </a:rPr>
+              <a:t>API para envio de e-mails</a:t>
+            </a:r>
+          </a:p>
+        </p:txBody>
+      </p:sp>
+      <p:cxnSp>
+        <p:nvCxnSpPr>
+          <p:cNvPr id="47" name="Conector de Seta Reta 46">
+            <a:extLst>
+              <a:ext uri="{FF2B5EF4-FFF2-40B4-BE49-F238E27FC236}">
+                <a16:creationId xmlns:a16="http://schemas.microsoft.com/office/drawing/2014/main" id="{A3ED1C2B-A014-4E12-92AA-13733FBE31D8}"/>
+              </a:ext>
+            </a:extLst>
+          </p:cNvPr>
+          <p:cNvCxnSpPr>
+            <a:cxnSpLocks/>
+          </p:cNvCxnSpPr>
+          <p:nvPr/>
+        </p:nvCxnSpPr>
+        <p:spPr>
+          <a:xfrm>
+            <a:off x="5811873" y="3483931"/>
+            <a:ext cx="616760" cy="1370923"/>
+          </a:xfrm>
+          <a:prstGeom prst="straightConnector1">
+            <a:avLst/>
+          </a:prstGeom>
+          <a:ln>
+            <a:tailEnd type="triangle"/>
+          </a:ln>
+        </p:spPr>
+        <p:style>
+          <a:lnRef idx="1">
+            <a:schemeClr val="dk1"/>
+          </a:lnRef>
+          <a:fillRef idx="0">
+            <a:schemeClr val="dk1"/>
+          </a:fillRef>
+          <a:effectRef idx="0">
+            <a:schemeClr val="dk1"/>
+          </a:effectRef>
+          <a:fontRef idx="minor">
+            <a:schemeClr val="tx1"/>
+          </a:fontRef>
+        </p:style>
+      </p:cxnSp>
+      <p:sp>
+        <p:nvSpPr>
+          <p:cNvPr id="48" name="Cilindro 47">
+            <a:extLst>
+              <a:ext uri="{FF2B5EF4-FFF2-40B4-BE49-F238E27FC236}">
+                <a16:creationId xmlns:a16="http://schemas.microsoft.com/office/drawing/2014/main" id="{26064CB7-51F1-4417-96FB-487F18AF6A2E}"/>
+              </a:ext>
+            </a:extLst>
+          </p:cNvPr>
+          <p:cNvSpPr/>
+          <p:nvPr/>
+        </p:nvSpPr>
+        <p:spPr>
+          <a:xfrm>
+            <a:off x="376518" y="1103012"/>
+            <a:ext cx="2498525" cy="2677619"/>
+          </a:xfrm>
+          <a:prstGeom prst="can">
+            <a:avLst/>
+          </a:prstGeom>
+          <a:ln>
+            <a:solidFill>
+              <a:schemeClr val="tx1"/>
+            </a:solidFill>
+          </a:ln>
+        </p:spPr>
+        <p:style>
+          <a:lnRef idx="2">
+            <a:schemeClr val="accent5">
+              <a:shade val="50000"/>
+            </a:schemeClr>
+          </a:lnRef>
+          <a:fillRef idx="1">
+            <a:schemeClr val="accent5"/>
+          </a:fillRef>
+          <a:effectRef idx="0">
+            <a:schemeClr val="accent5"/>
+          </a:effectRef>
+          <a:fontRef idx="minor">
+            <a:schemeClr val="lt1"/>
+          </a:fontRef>
+        </p:style>
+        <p:txBody>
+          <a:bodyPr lIns="100817" tIns="50408" rIns="100817" bIns="50408" rtlCol="0" anchor="ctr"/>
+          <a:lstStyle/>
+          <a:p>
+            <a:pPr algn="r"/>
+            <a:endParaRPr lang="pt-BR" sz="2315" dirty="0">
+              <a:cs typeface="Calibri"/>
+            </a:endParaRPr>
+          </a:p>
+          <a:p>
+            <a:pPr algn="r"/>
+            <a:endParaRPr lang="pt-BR" sz="2315" dirty="0">
+              <a:cs typeface="Calibri"/>
+            </a:endParaRPr>
+          </a:p>
+        </p:txBody>
+      </p:sp>
+      <p:sp>
+        <p:nvSpPr>
+          <p:cNvPr id="49" name="CaixaDeTexto 48">
+            <a:extLst>
+              <a:ext uri="{FF2B5EF4-FFF2-40B4-BE49-F238E27FC236}">
+                <a16:creationId xmlns:a16="http://schemas.microsoft.com/office/drawing/2014/main" id="{A25B4869-15A9-4AA9-BD92-7208F8507281}"/>
+              </a:ext>
+            </a:extLst>
+          </p:cNvPr>
+          <p:cNvSpPr txBox="1"/>
+          <p:nvPr/>
+        </p:nvSpPr>
+        <p:spPr>
+          <a:xfrm>
+            <a:off x="489838" y="1797079"/>
+            <a:ext cx="2362913" cy="1883827"/>
           </a:xfrm>
           <a:prstGeom prst="rect">
             <a:avLst/>
           </a:prstGeom>
           <a:noFill/>
-          <a:extLst>
-            <a:ext uri="{909E8E84-426E-40DD-AFC4-6F175D3DCCD1}">
-              <a14:hiddenFill xmlns:a14="http://schemas.microsoft.com/office/drawing/2010/main">
+        </p:spPr>
+        <p:txBody>
+          <a:bodyPr wrap="square" lIns="100817" tIns="50408" rIns="100817" bIns="50408" rtlCol="0" anchor="t">
+            <a:spAutoFit/>
+          </a:bodyPr>
+          <a:lstStyle/>
+          <a:p>
+            <a:r>
+              <a:rPr lang="pt-BR" sz="2315" b="1" dirty="0">
+                <a:solidFill>
+                  <a:schemeClr val="bg1"/>
+                </a:solidFill>
+              </a:rPr>
+              <a:t>Database</a:t>
+            </a:r>
+            <a:r>
+              <a:rPr lang="pt-BR" sz="1544" dirty="0">
+                <a:solidFill>
+                  <a:schemeClr val="bg1"/>
+                </a:solidFill>
+              </a:rPr>
+              <a:t> </a:t>
+            </a:r>
+          </a:p>
+          <a:p>
+            <a:r>
+              <a:rPr lang="pt-BR" sz="1544" dirty="0">
+                <a:solidFill>
+                  <a:schemeClr val="bg1"/>
+                </a:solidFill>
+              </a:rPr>
+              <a:t>[Container: SQL Server ]</a:t>
+            </a:r>
+            <a:endParaRPr lang="pt-BR" sz="1544" dirty="0">
+              <a:solidFill>
+                <a:schemeClr val="bg1"/>
+              </a:solidFill>
+              <a:cs typeface="Calibri"/>
+            </a:endParaRPr>
+          </a:p>
+          <a:p>
+            <a:endParaRPr lang="pt-BR" sz="1544" dirty="0">
+              <a:solidFill>
+                <a:schemeClr val="bg1"/>
+              </a:solidFill>
+            </a:endParaRPr>
+          </a:p>
+          <a:p>
+            <a:pPr algn="ctr"/>
+            <a:r>
+              <a:rPr lang="pt-BR" sz="1544" dirty="0">
+                <a:solidFill>
+                  <a:schemeClr val="bg1"/>
+                </a:solidFill>
+              </a:rPr>
+              <a:t>Armazena os dados do banco de sangue juntamente com seus doadores</a:t>
+            </a:r>
+            <a:endParaRPr lang="pt-BR" sz="1544" dirty="0">
+              <a:solidFill>
+                <a:schemeClr val="bg1"/>
+              </a:solidFill>
+              <a:cs typeface="Calibri" panose="020F0502020204030204"/>
+            </a:endParaRPr>
+          </a:p>
+        </p:txBody>
+      </p:sp>
+      <p:sp>
+        <p:nvSpPr>
+          <p:cNvPr id="50" name="Retângulo 49">
+            <a:extLst>
+              <a:ext uri="{FF2B5EF4-FFF2-40B4-BE49-F238E27FC236}">
+                <a16:creationId xmlns:a16="http://schemas.microsoft.com/office/drawing/2014/main" id="{F801465B-2541-4E2A-89E5-30A30852619B}"/>
+              </a:ext>
+            </a:extLst>
+          </p:cNvPr>
+          <p:cNvSpPr/>
+          <p:nvPr/>
+        </p:nvSpPr>
+        <p:spPr>
+          <a:xfrm>
+            <a:off x="7695469" y="4883567"/>
+            <a:ext cx="2473891" cy="2130594"/>
+          </a:xfrm>
+          <a:prstGeom prst="rect">
+            <a:avLst/>
+          </a:prstGeom>
+          <a:solidFill>
+            <a:srgbClr val="5580CB"/>
+          </a:solidFill>
+          <a:ln>
+            <a:solidFill>
+              <a:schemeClr val="tx1"/>
+            </a:solidFill>
+          </a:ln>
+        </p:spPr>
+        <p:style>
+          <a:lnRef idx="2">
+            <a:schemeClr val="accent6"/>
+          </a:lnRef>
+          <a:fillRef idx="1">
+            <a:schemeClr val="lt1"/>
+          </a:fillRef>
+          <a:effectRef idx="0">
+            <a:schemeClr val="accent6"/>
+          </a:effectRef>
+          <a:fontRef idx="minor">
+            <a:schemeClr val="dk1"/>
+          </a:fontRef>
+        </p:style>
+        <p:txBody>
+          <a:bodyPr lIns="100817" tIns="50408" rIns="100817" bIns="50408" rtlCol="0" anchor="ctr"/>
+          <a:lstStyle/>
+          <a:p>
+            <a:pPr algn="ctr">
+              <a:defRPr/>
+            </a:pPr>
+            <a:r>
+              <a:rPr lang="pt-BR" sz="2315" b="1" dirty="0">
                 <a:solidFill>
                   <a:srgbClr val="FFFFFF"/>
                 </a:solidFill>
-              </a14:hiddenFill>
-            </a:ext>
-          </a:extLst>
+              </a:rPr>
+              <a:t>API ViaCep</a:t>
+            </a:r>
+            <a:endParaRPr lang="pt-BR" sz="2315" b="1" dirty="0">
+              <a:solidFill>
+                <a:srgbClr val="FFFFFF"/>
+              </a:solidFill>
+              <a:cs typeface="Calibri"/>
+            </a:endParaRPr>
+          </a:p>
+          <a:p>
+            <a:pPr algn="ctr">
+              <a:defRPr/>
+            </a:pPr>
+            <a:r>
+              <a:rPr lang="pt-BR" sz="1544" dirty="0">
+                <a:solidFill>
+                  <a:srgbClr val="FFFFFF"/>
+                </a:solidFill>
+              </a:rPr>
+              <a:t>[Container: API ViaCep ] </a:t>
+            </a:r>
+          </a:p>
+          <a:p>
+            <a:pPr algn="ctr">
+              <a:defRPr/>
+            </a:pPr>
+            <a:endParaRPr lang="pt-BR" sz="1544" dirty="0">
+              <a:solidFill>
+                <a:srgbClr val="FFFFFF"/>
+              </a:solidFill>
+              <a:cs typeface="Calibri"/>
+            </a:endParaRPr>
+          </a:p>
+          <a:p>
+            <a:pPr algn="ctr">
+              <a:defRPr/>
+            </a:pPr>
+            <a:r>
+              <a:rPr lang="pt-BR" sz="1544" dirty="0">
+                <a:solidFill>
+                  <a:srgbClr val="FFFFFF"/>
+                </a:solidFill>
+                <a:cs typeface="Calibri"/>
+              </a:rPr>
+              <a:t>API para descobrir os endereços dos usuários através do cep</a:t>
+            </a:r>
+          </a:p>
+        </p:txBody>
+      </p:sp>
+      <p:cxnSp>
+        <p:nvCxnSpPr>
+          <p:cNvPr id="51" name="Conector de Seta Reta 50">
+            <a:extLst>
+              <a:ext uri="{FF2B5EF4-FFF2-40B4-BE49-F238E27FC236}">
+                <a16:creationId xmlns:a16="http://schemas.microsoft.com/office/drawing/2014/main" id="{76CBBCEF-06E6-4965-8AB0-35049843F7BA}"/>
+              </a:ext>
+            </a:extLst>
+          </p:cNvPr>
+          <p:cNvCxnSpPr>
+            <a:cxnSpLocks/>
+            <a:endCxn id="50" idx="0"/>
+          </p:cNvCxnSpPr>
+          <p:nvPr/>
+        </p:nvCxnSpPr>
+        <p:spPr>
+          <a:xfrm flipH="1">
+            <a:off x="8932415" y="3511576"/>
+            <a:ext cx="1345811" cy="1371992"/>
+          </a:xfrm>
+          <a:prstGeom prst="straightConnector1">
+            <a:avLst/>
+          </a:prstGeom>
+          <a:ln>
+            <a:tailEnd type="triangle"/>
+          </a:ln>
+        </p:spPr>
+        <p:style>
+          <a:lnRef idx="1">
+            <a:schemeClr val="dk1"/>
+          </a:lnRef>
+          <a:fillRef idx="0">
+            <a:schemeClr val="dk1"/>
+          </a:fillRef>
+          <a:effectRef idx="0">
+            <a:schemeClr val="dk1"/>
+          </a:effectRef>
+          <a:fontRef idx="minor">
+            <a:schemeClr val="tx1"/>
+          </a:fontRef>
+        </p:style>
+      </p:cxnSp>
+      <p:pic>
+        <p:nvPicPr>
+          <p:cNvPr id="52" name="Imagem 51">
+            <a:extLst>
+              <a:ext uri="{FF2B5EF4-FFF2-40B4-BE49-F238E27FC236}">
+                <a16:creationId xmlns:a16="http://schemas.microsoft.com/office/drawing/2014/main" id="{36B8C827-B761-49CA-B2C1-5E1138B38C47}"/>
+              </a:ext>
+            </a:extLst>
+          </p:cNvPr>
+          <p:cNvPicPr>
+            <a:picLocks noChangeAspect="1"/>
+          </p:cNvPicPr>
+          <p:nvPr/>
+        </p:nvPicPr>
+        <p:blipFill>
+          <a:blip r:embed="rId3" cstate="print">
+            <a:extLst>
+              <a:ext uri="{28A0092B-C50C-407E-A947-70E740481C1C}">
+                <a14:useLocalDpi xmlns:a14="http://schemas.microsoft.com/office/drawing/2010/main" val="0"/>
+              </a:ext>
+            </a:extLst>
+          </a:blip>
+          <a:stretch>
+            <a:fillRect/>
+          </a:stretch>
+        </p:blipFill>
+        <p:spPr>
+          <a:xfrm>
+            <a:off x="3895256" y="1082682"/>
+            <a:ext cx="1022637" cy="633156"/>
+          </a:xfrm>
+          <a:prstGeom prst="rect">
+            <a:avLst/>
+          </a:prstGeom>
+        </p:spPr>
+      </p:pic>
+      <p:pic>
+        <p:nvPicPr>
+          <p:cNvPr id="53" name="Imagem 52">
+            <a:extLst>
+              <a:ext uri="{FF2B5EF4-FFF2-40B4-BE49-F238E27FC236}">
+                <a16:creationId xmlns:a16="http://schemas.microsoft.com/office/drawing/2014/main" id="{76219F10-FD58-425C-935A-521216743AD5}"/>
+              </a:ext>
+            </a:extLst>
+          </p:cNvPr>
+          <p:cNvPicPr>
+            <a:picLocks noChangeAspect="1"/>
+          </p:cNvPicPr>
+          <p:nvPr/>
+        </p:nvPicPr>
+        <p:blipFill>
+          <a:blip r:embed="rId3" cstate="print">
+            <a:extLst>
+              <a:ext uri="{28A0092B-C50C-407E-A947-70E740481C1C}">
+                <a14:useLocalDpi xmlns:a14="http://schemas.microsoft.com/office/drawing/2010/main" val="0"/>
+              </a:ext>
+            </a:extLst>
+          </a:blip>
+          <a:stretch>
+            <a:fillRect/>
+          </a:stretch>
+        </p:blipFill>
+        <p:spPr>
+          <a:xfrm>
+            <a:off x="8932415" y="1149219"/>
+            <a:ext cx="1022637" cy="633156"/>
+          </a:xfrm>
+          <a:prstGeom prst="rect">
+            <a:avLst/>
+          </a:prstGeom>
         </p:spPr>
       </p:pic>
     </p:spTree>
     <p:extLst>
       <p:ext uri="{BB962C8B-B14F-4D97-AF65-F5344CB8AC3E}">
-        <p14:creationId xmlns:p14="http://schemas.microsoft.com/office/powerpoint/2010/main" val="1405223462"/>
+        <p14:creationId xmlns:p14="http://schemas.microsoft.com/office/powerpoint/2010/main" val="4073677507"/>
       </p:ext>
     </p:extLst>
   </p:cSld>
@@ -10488,6 +11800,169 @@
           <a:p>
             <a:r>
               <a:rPr lang="pt-BR" dirty="0"/>
+              <a:t>12. Sketches de tela</a:t>
+            </a:r>
+          </a:p>
+        </p:txBody>
+      </p:sp>
+      <p:pic>
+        <p:nvPicPr>
+          <p:cNvPr id="7" name="Imagem 6" descr="Logotipo&#10;&#10;Descrição gerada automaticamente">
+            <a:extLst>
+              <a:ext uri="{FF2B5EF4-FFF2-40B4-BE49-F238E27FC236}">
+                <a16:creationId xmlns:a16="http://schemas.microsoft.com/office/drawing/2014/main" id="{68014229-FA21-4D93-8CEB-1C05B66B2FA1}"/>
+              </a:ext>
+            </a:extLst>
+          </p:cNvPr>
+          <p:cNvPicPr>
+            <a:picLocks noChangeAspect="1"/>
+          </p:cNvPicPr>
+          <p:nvPr/>
+        </p:nvPicPr>
+        <p:blipFill>
+          <a:blip r:embed="rId3" cstate="print">
+            <a:extLst>
+              <a:ext uri="{28A0092B-C50C-407E-A947-70E740481C1C}">
+                <a14:useLocalDpi xmlns:a14="http://schemas.microsoft.com/office/drawing/2010/main" val="0"/>
+              </a:ext>
+            </a:extLst>
+          </a:blip>
+          <a:stretch>
+            <a:fillRect/>
+          </a:stretch>
+        </p:blipFill>
+        <p:spPr>
+          <a:xfrm>
+            <a:off x="12440520" y="132773"/>
+            <a:ext cx="793604" cy="943445"/>
+          </a:xfrm>
+          <a:prstGeom prst="rect">
+            <a:avLst/>
+          </a:prstGeom>
+        </p:spPr>
+      </p:pic>
+      <p:pic>
+        <p:nvPicPr>
+          <p:cNvPr id="1026" name="Picture 2" descr="Figma fundo png &amp; imagem png - Figma Logotipo da Ação E do Brinquedo de  Figuras figura Modelo Max Factory - outros png transparente grátis">
+            <a:hlinkClick r:id="rId4"/>
+            <a:extLst>
+              <a:ext uri="{FF2B5EF4-FFF2-40B4-BE49-F238E27FC236}">
+                <a16:creationId xmlns:a16="http://schemas.microsoft.com/office/drawing/2014/main" id="{6E2CB523-312F-4381-90DE-7227554ACB9D}"/>
+              </a:ext>
+            </a:extLst>
+          </p:cNvPr>
+          <p:cNvPicPr>
+            <a:picLocks noChangeAspect="1" noChangeArrowheads="1"/>
+          </p:cNvPicPr>
+          <p:nvPr/>
+        </p:nvPicPr>
+        <p:blipFill rotWithShape="1">
+          <a:blip r:embed="rId5">
+            <a:extLst>
+              <a:ext uri="{28A0092B-C50C-407E-A947-70E740481C1C}">
+                <a14:useLocalDpi xmlns:a14="http://schemas.microsoft.com/office/drawing/2010/main" val="0"/>
+              </a:ext>
+            </a:extLst>
+          </a:blip>
+          <a:srcRect l="7732" t="6640" r="7204" b="9736"/>
+          <a:stretch/>
+        </p:blipFill>
+        <p:spPr bwMode="auto">
+          <a:xfrm>
+            <a:off x="5174166" y="1873405"/>
+            <a:ext cx="2631688" cy="2587110"/>
+          </a:xfrm>
+          <a:prstGeom prst="rect">
+            <a:avLst/>
+          </a:prstGeom>
+          <a:noFill/>
+          <a:extLst>
+            <a:ext uri="{909E8E84-426E-40DD-AFC4-6F175D3DCCD1}">
+              <a14:hiddenFill xmlns:a14="http://schemas.microsoft.com/office/drawing/2010/main">
+                <a:solidFill>
+                  <a:srgbClr val="FFFFFF"/>
+                </a:solidFill>
+              </a14:hiddenFill>
+            </a:ext>
+          </a:extLst>
+        </p:spPr>
+      </p:pic>
+    </p:spTree>
+    <p:extLst>
+      <p:ext uri="{BB962C8B-B14F-4D97-AF65-F5344CB8AC3E}">
+        <p14:creationId xmlns:p14="http://schemas.microsoft.com/office/powerpoint/2010/main" val="1405223462"/>
+      </p:ext>
+    </p:extLst>
+  </p:cSld>
+  <p:clrMapOvr>
+    <a:masterClrMapping/>
+  </p:clrMapOvr>
+</p:sld>
+</file>
+
+<file path=ppt/slides/slide15.xml><?xml version="1.0" encoding="utf-8"?>
+<p:sld xmlns:a="http://schemas.openxmlformats.org/drawingml/2006/main" xmlns:r="http://schemas.openxmlformats.org/officeDocument/2006/relationships" xmlns:p="http://schemas.openxmlformats.org/presentationml/2006/main">
+  <p:cSld>
+    <p:spTree>
+      <p:nvGrpSpPr>
+        <p:cNvPr id="1" name=""/>
+        <p:cNvGrpSpPr/>
+        <p:nvPr/>
+      </p:nvGrpSpPr>
+      <p:grpSpPr>
+        <a:xfrm>
+          <a:off x="0" y="0"/>
+          <a:ext cx="0" cy="0"/>
+          <a:chOff x="0" y="0"/>
+          <a:chExt cx="0" cy="0"/>
+        </a:xfrm>
+      </p:grpSpPr>
+      <p:sp>
+        <p:nvSpPr>
+          <p:cNvPr id="3" name="Espaço Reservado para Número de Slide 2"/>
+          <p:cNvSpPr>
+            <a:spLocks noGrp="1"/>
+          </p:cNvSpPr>
+          <p:nvPr>
+            <p:ph type="sldNum" sz="quarter" idx="4"/>
+          </p:nvPr>
+        </p:nvSpPr>
+        <p:spPr/>
+        <p:txBody>
+          <a:bodyPr/>
+          <a:lstStyle/>
+          <a:p>
+            <a:pPr>
+              <a:defRPr/>
+            </a:pPr>
+            <a:fld id="{B66251D2-9488-44CD-87B4-F793A73C4A01}" type="slidenum">
+              <a:rPr lang="pt-BR" smtClean="0"/>
+              <a:pPr>
+                <a:defRPr/>
+              </a:pPr>
+              <a:t>15</a:t>
+            </a:fld>
+            <a:endParaRPr lang="pt-BR" sz="880" dirty="0"/>
+          </a:p>
+        </p:txBody>
+      </p:sp>
+      <p:sp>
+        <p:nvSpPr>
+          <p:cNvPr id="4" name="Espaço Reservado para Texto 3"/>
+          <p:cNvSpPr>
+            <a:spLocks noGrp="1"/>
+          </p:cNvSpPr>
+          <p:nvPr>
+            <p:ph type="body" sz="quarter" idx="13"/>
+          </p:nvPr>
+        </p:nvSpPr>
+        <p:spPr/>
+        <p:txBody>
+          <a:bodyPr/>
+          <a:lstStyle/>
+          <a:p>
+            <a:r>
+              <a:rPr lang="pt-BR" dirty="0"/>
               <a:t>13. Demonstração AWS</a:t>
             </a:r>
           </a:p>
@@ -10532,6 +12007,7 @@
       <p:pic>
         <p:nvPicPr>
           <p:cNvPr id="2050" name="Picture 2">
+            <a:hlinkClick r:id="rId4"/>
             <a:extLst>
               <a:ext uri="{FF2B5EF4-FFF2-40B4-BE49-F238E27FC236}">
                 <a16:creationId xmlns:a16="http://schemas.microsoft.com/office/drawing/2014/main" id="{5199D3AA-449D-416C-A56C-69036BE028E0}"/>
@@ -10544,7 +12020,7 @@
           <p:nvPr/>
         </p:nvPicPr>
         <p:blipFill>
-          <a:blip r:embed="rId4">
+          <a:blip r:embed="rId5">
             <a:extLst>
               <a:ext uri="{28A0092B-C50C-407E-A947-70E740481C1C}">
                 <a14:useLocalDpi xmlns:a14="http://schemas.microsoft.com/office/drawing/2010/main" val="0"/>
@@ -10579,7 +12055,7 @@
     </p:spTree>
     <p:extLst>
       <p:ext uri="{BB962C8B-B14F-4D97-AF65-F5344CB8AC3E}">
-        <p14:creationId xmlns:p14="http://schemas.microsoft.com/office/powerpoint/2010/main" val="1620083544"/>
+        <p14:creationId xmlns:p14="http://schemas.microsoft.com/office/powerpoint/2010/main" val="2718359472"/>
       </p:ext>
     </p:extLst>
   </p:cSld>
@@ -10589,7 +12065,7 @@
 </p:sld>
 </file>
 
-<file path=ppt/slides/slide15.xml><?xml version="1.0" encoding="utf-8"?>
+<file path=ppt/slides/slide16.xml><?xml version="1.0" encoding="utf-8"?>
 <p:sld xmlns:a="http://schemas.openxmlformats.org/drawingml/2006/main" xmlns:r="http://schemas.openxmlformats.org/officeDocument/2006/relationships" xmlns:p="http://schemas.openxmlformats.org/presentationml/2006/main">
   <p:cSld>
     <p:spTree>
@@ -11368,45 +12844,6 @@
       </p:sp>
       <p:pic>
         <p:nvPicPr>
-          <p:cNvPr id="6" name="Imagem 5">
-            <a:extLst>
-              <a:ext uri="{FF2B5EF4-FFF2-40B4-BE49-F238E27FC236}">
-                <a16:creationId xmlns:a16="http://schemas.microsoft.com/office/drawing/2014/main" id="{363EDEBF-4D12-4CA6-AE31-B8C46C7F5ABA}"/>
-              </a:ext>
-            </a:extLst>
-          </p:cNvPr>
-          <p:cNvPicPr/>
-          <p:nvPr/>
-        </p:nvPicPr>
-        <p:blipFill>
-          <a:blip r:embed="rId2" cstate="print">
-            <a:extLst>
-              <a:ext uri="{28A0092B-C50C-407E-A947-70E740481C1C}">
-                <a14:useLocalDpi xmlns:a14="http://schemas.microsoft.com/office/drawing/2010/main" val="0"/>
-              </a:ext>
-            </a:extLst>
-          </a:blip>
-          <a:srcRect/>
-          <a:stretch>
-            <a:fillRect/>
-          </a:stretch>
-        </p:blipFill>
-        <p:spPr bwMode="auto">
-          <a:xfrm>
-            <a:off x="12399667" y="139401"/>
-            <a:ext cx="865630" cy="739863"/>
-          </a:xfrm>
-          <a:prstGeom prst="rect">
-            <a:avLst/>
-          </a:prstGeom>
-          <a:noFill/>
-          <a:ln>
-            <a:noFill/>
-          </a:ln>
-        </p:spPr>
-      </p:pic>
-      <p:pic>
-        <p:nvPicPr>
           <p:cNvPr id="5" name="Imagem 4" descr="Diagrama&#10;&#10;Descrição gerada automaticamente">
             <a:extLst>
               <a:ext uri="{FF2B5EF4-FFF2-40B4-BE49-F238E27FC236}">
@@ -11420,7 +12857,7 @@
           <p:nvPr/>
         </p:nvPicPr>
         <p:blipFill>
-          <a:blip r:embed="rId3">
+          <a:blip r:embed="rId2">
             <a:extLst>
               <a:ext uri="{28A0092B-C50C-407E-A947-70E740481C1C}">
                 <a14:useLocalDpi xmlns:a14="http://schemas.microsoft.com/office/drawing/2010/main" val="0"/>
@@ -11435,6 +12872,42 @@
           <a:xfrm>
             <a:off x="2851607" y="890928"/>
             <a:ext cx="7988082" cy="6346087"/>
+          </a:xfrm>
+          <a:prstGeom prst="rect">
+            <a:avLst/>
+          </a:prstGeom>
+        </p:spPr>
+      </p:pic>
+      <p:pic>
+        <p:nvPicPr>
+          <p:cNvPr id="7" name="Imagem 6" descr="Logotipo&#10;&#10;Descrição gerada automaticamente">
+            <a:extLst>
+              <a:ext uri="{FF2B5EF4-FFF2-40B4-BE49-F238E27FC236}">
+                <a16:creationId xmlns:a16="http://schemas.microsoft.com/office/drawing/2014/main" id="{20AA0C6C-3E5E-4AC8-958F-9A9BA3A22118}"/>
+              </a:ext>
+            </a:extLst>
+          </p:cNvPr>
+          <p:cNvPicPr>
+            <a:picLocks noChangeAspect="1"/>
+          </p:cNvPicPr>
+          <p:nvPr/>
+        </p:nvPicPr>
+        <p:blipFill>
+          <a:blip r:embed="rId3" cstate="print">
+            <a:extLst>
+              <a:ext uri="{28A0092B-C50C-407E-A947-70E740481C1C}">
+                <a14:useLocalDpi xmlns:a14="http://schemas.microsoft.com/office/drawing/2010/main" val="0"/>
+              </a:ext>
+            </a:extLst>
+          </a:blip>
+          <a:stretch>
+            <a:fillRect/>
+          </a:stretch>
+        </p:blipFill>
+        <p:spPr>
+          <a:xfrm>
+            <a:off x="12440520" y="179907"/>
+            <a:ext cx="793604" cy="943445"/>
           </a:xfrm>
           <a:prstGeom prst="rect">
             <a:avLst/>
@@ -11621,7 +13094,7 @@
         </p:blipFill>
         <p:spPr bwMode="auto">
           <a:xfrm>
-            <a:off x="10089583" y="2735665"/>
+            <a:off x="10450378" y="2792425"/>
             <a:ext cx="1757446" cy="1757446"/>
           </a:xfrm>
           <a:prstGeom prst="rect">
@@ -11796,7 +13269,7 @@
         </p:blipFill>
         <p:spPr bwMode="auto">
           <a:xfrm>
-            <a:off x="8570068" y="4511681"/>
+            <a:off x="8875647" y="4859881"/>
             <a:ext cx="1653702" cy="1489126"/>
           </a:xfrm>
           <a:prstGeom prst="rect">
@@ -11846,61 +13319,6 @@
       </p:grpSpPr>
       <p:sp>
         <p:nvSpPr>
-          <p:cNvPr id="2" name="Espaço Reservado para Texto 1"/>
-          <p:cNvSpPr>
-            <a:spLocks noGrp="1"/>
-          </p:cNvSpPr>
-          <p:nvPr>
-            <p:ph type="body" sz="quarter" idx="11"/>
-          </p:nvPr>
-        </p:nvSpPr>
-        <p:spPr>
-          <a:xfrm>
-            <a:off x="610094" y="1278570"/>
-            <a:ext cx="5894057" cy="4182429"/>
-          </a:xfrm>
-        </p:spPr>
-        <p:txBody>
-          <a:bodyPr/>
-          <a:lstStyle/>
-          <a:p>
-            <a:endParaRPr lang="pt-BR" sz="2400" dirty="0">
-              <a:solidFill>
-                <a:srgbClr val="253746"/>
-              </a:solidFill>
-            </a:endParaRPr>
-          </a:p>
-          <a:p>
-            <a:pPr marL="0" indent="0">
-              <a:buNone/>
-            </a:pPr>
-            <a:endParaRPr lang="pt-BR" sz="2400" dirty="0">
-              <a:solidFill>
-                <a:srgbClr val="253746"/>
-              </a:solidFill>
-            </a:endParaRPr>
-          </a:p>
-          <a:p>
-            <a:endParaRPr lang="pt-BR" sz="2400" dirty="0">
-              <a:solidFill>
-                <a:srgbClr val="253746"/>
-              </a:solidFill>
-            </a:endParaRPr>
-          </a:p>
-          <a:p>
-            <a:endParaRPr lang="pt-BR" sz="2400" dirty="0">
-              <a:solidFill>
-                <a:srgbClr val="253746"/>
-              </a:solidFill>
-            </a:endParaRPr>
-          </a:p>
-          <a:p>
-            <a:endParaRPr lang="pt-BR" dirty="0"/>
-          </a:p>
-        </p:txBody>
-      </p:sp>
-      <p:sp>
-        <p:nvSpPr>
           <p:cNvPr id="3" name="Espaço Reservado para Número de Slide 2"/>
           <p:cNvSpPr>
             <a:spLocks noGrp="1"/>
@@ -11980,6 +13398,37 @@
           <a:xfrm>
             <a:off x="12440520" y="132773"/>
             <a:ext cx="793604" cy="943445"/>
+          </a:xfrm>
+          <a:prstGeom prst="rect">
+            <a:avLst/>
+          </a:prstGeom>
+        </p:spPr>
+      </p:pic>
+      <p:pic>
+        <p:nvPicPr>
+          <p:cNvPr id="7" name="Imagem 6">
+            <a:hlinkClick r:id="rId4" action="ppaction://hlinkfile"/>
+            <a:extLst>
+              <a:ext uri="{FF2B5EF4-FFF2-40B4-BE49-F238E27FC236}">
+                <a16:creationId xmlns:a16="http://schemas.microsoft.com/office/drawing/2014/main" id="{250AFDE4-03E6-40AD-8B32-5080CED211CF}"/>
+              </a:ext>
+            </a:extLst>
+          </p:cNvPr>
+          <p:cNvPicPr>
+            <a:picLocks noChangeAspect="1"/>
+          </p:cNvPicPr>
+          <p:nvPr/>
+        </p:nvPicPr>
+        <p:blipFill>
+          <a:blip r:embed="rId5"/>
+          <a:stretch>
+            <a:fillRect/>
+          </a:stretch>
+        </p:blipFill>
+        <p:spPr>
+          <a:xfrm>
+            <a:off x="3262590" y="1076218"/>
+            <a:ext cx="5766683" cy="5493056"/>
           </a:xfrm>
           <a:prstGeom prst="rect">
             <a:avLst/>
@@ -12066,7 +13515,7 @@
             </a:r>
             <a:r>
               <a:rPr lang="pt-BR" noProof="1"/>
-              <a:t>Jornada do usuário</a:t>
+              <a:t>Mapa de persona – Doador </a:t>
             </a:r>
             <a:endParaRPr lang="pt-BR" dirty="0"/>
           </a:p>
@@ -12074,10 +13523,10 @@
       </p:sp>
       <p:pic>
         <p:nvPicPr>
-          <p:cNvPr id="11" name="Imagem 10" descr="Logotipo&#10;&#10;Descrição gerada automaticamente">
+          <p:cNvPr id="7" name="Imagem 6" descr="Logotipo&#10;&#10;Descrição gerada automaticamente">
             <a:extLst>
               <a:ext uri="{FF2B5EF4-FFF2-40B4-BE49-F238E27FC236}">
-                <a16:creationId xmlns:a16="http://schemas.microsoft.com/office/drawing/2014/main" id="{D0DA4614-173C-44A8-99AD-3CD9F56A5359}"/>
+                <a16:creationId xmlns:a16="http://schemas.microsoft.com/office/drawing/2014/main" id="{68014229-FA21-4D93-8CEB-1C05B66B2FA1}"/>
               </a:ext>
             </a:extLst>
           </p:cNvPr>
@@ -12108,10 +13557,46 @@
           </a:prstGeom>
         </p:spPr>
       </p:pic>
+      <p:pic>
+        <p:nvPicPr>
+          <p:cNvPr id="9" name="Imagem 8" descr="Interface gráfica do usuário, Aplicativo, Word&#10;&#10;Descrição gerada automaticamente">
+            <a:extLst>
+              <a:ext uri="{FF2B5EF4-FFF2-40B4-BE49-F238E27FC236}">
+                <a16:creationId xmlns:a16="http://schemas.microsoft.com/office/drawing/2014/main" id="{107EAFC2-629B-4E76-BB48-671074787A37}"/>
+              </a:ext>
+            </a:extLst>
+          </p:cNvPr>
+          <p:cNvPicPr>
+            <a:picLocks noChangeAspect="1"/>
+          </p:cNvPicPr>
+          <p:nvPr/>
+        </p:nvPicPr>
+        <p:blipFill>
+          <a:blip r:embed="rId3" cstate="print">
+            <a:extLst>
+              <a:ext uri="{28A0092B-C50C-407E-A947-70E740481C1C}">
+                <a14:useLocalDpi xmlns:a14="http://schemas.microsoft.com/office/drawing/2010/main" val="0"/>
+              </a:ext>
+            </a:extLst>
+          </a:blip>
+          <a:stretch>
+            <a:fillRect/>
+          </a:stretch>
+        </p:blipFill>
+        <p:spPr>
+          <a:xfrm>
+            <a:off x="1659708" y="872536"/>
+            <a:ext cx="9722182" cy="6578769"/>
+          </a:xfrm>
+          <a:prstGeom prst="rect">
+            <a:avLst/>
+          </a:prstGeom>
+        </p:spPr>
+      </p:pic>
     </p:spTree>
     <p:extLst>
       <p:ext uri="{BB962C8B-B14F-4D97-AF65-F5344CB8AC3E}">
-        <p14:creationId xmlns:p14="http://schemas.microsoft.com/office/powerpoint/2010/main" val="926133865"/>
+        <p14:creationId xmlns:p14="http://schemas.microsoft.com/office/powerpoint/2010/main" val="1887618719"/>
       </p:ext>
     </p:extLst>
   </p:cSld>
@@ -12177,29 +13662,485 @@
             <p:ph type="body" sz="quarter" idx="13"/>
           </p:nvPr>
         </p:nvSpPr>
-        <p:spPr/>
+        <p:spPr>
+          <a:xfrm>
+            <a:off x="2143104" y="399397"/>
+            <a:ext cx="10782599" cy="765639"/>
+          </a:xfrm>
+        </p:spPr>
         <p:txBody>
-          <a:bodyPr/>
+          <a:bodyPr lIns="91440" tIns="45720" rIns="91440" bIns="45720" anchor="t"/>
           <a:lstStyle/>
           <a:p>
+            <a:pPr marL="430530" indent="-430530"/>
+            <a:r>
+              <a:rPr lang="pt-BR" sz="3750" dirty="0">
+                <a:latin typeface="Exo 2"/>
+              </a:rPr>
+              <a:t>5.1 Jornada do Usuário (Doador)</a:t>
+            </a:r>
+            <a:endParaRPr lang="pt-BR" dirty="0"/>
+          </a:p>
+        </p:txBody>
+      </p:sp>
+      <p:sp>
+        <p:nvSpPr>
+          <p:cNvPr id="7" name="Seta: Pentágono 6">
+            <a:extLst>
+              <a:ext uri="{FF2B5EF4-FFF2-40B4-BE49-F238E27FC236}">
+                <a16:creationId xmlns:a16="http://schemas.microsoft.com/office/drawing/2014/main" id="{FFD3DC5B-CCF8-4D95-A962-9E9AD67FABBC}"/>
+              </a:ext>
+            </a:extLst>
+          </p:cNvPr>
+          <p:cNvSpPr/>
+          <p:nvPr/>
+        </p:nvSpPr>
+        <p:spPr>
+          <a:xfrm>
+            <a:off x="4554697" y="1350520"/>
+            <a:ext cx="1869566" cy="625642"/>
+          </a:xfrm>
+          <a:prstGeom prst="homePlate">
+            <a:avLst/>
+          </a:prstGeom>
+          <a:solidFill>
+            <a:srgbClr val="32B9CD"/>
+          </a:solidFill>
+          <a:ln>
+            <a:noFill/>
+          </a:ln>
+        </p:spPr>
+        <p:style>
+          <a:lnRef idx="2">
+            <a:schemeClr val="accent1">
+              <a:shade val="50000"/>
+            </a:schemeClr>
+          </a:lnRef>
+          <a:fillRef idx="1">
+            <a:schemeClr val="accent1"/>
+          </a:fillRef>
+          <a:effectRef idx="0">
+            <a:schemeClr val="accent1"/>
+          </a:effectRef>
+          <a:fontRef idx="minor">
+            <a:schemeClr val="lt1"/>
+          </a:fontRef>
+        </p:style>
+        <p:txBody>
+          <a:bodyPr rtlCol="0" anchor="ctr"/>
+          <a:lstStyle/>
+          <a:p>
+            <a:pPr algn="ctr"/>
             <a:r>
               <a:rPr lang="pt-BR" dirty="0"/>
-              <a:t>6. </a:t>
+              <a:t>CADASTRO</a:t>
+            </a:r>
+          </a:p>
+        </p:txBody>
+      </p:sp>
+      <p:sp>
+        <p:nvSpPr>
+          <p:cNvPr id="8" name="Seta: Pentágono 7">
+            <a:extLst>
+              <a:ext uri="{FF2B5EF4-FFF2-40B4-BE49-F238E27FC236}">
+                <a16:creationId xmlns:a16="http://schemas.microsoft.com/office/drawing/2014/main" id="{1246D602-D2E6-4673-951D-352CAEA74EC5}"/>
+              </a:ext>
+            </a:extLst>
+          </p:cNvPr>
+          <p:cNvSpPr/>
+          <p:nvPr/>
+        </p:nvSpPr>
+        <p:spPr>
+          <a:xfrm>
+            <a:off x="6713986" y="1351671"/>
+            <a:ext cx="1990574" cy="625642"/>
+          </a:xfrm>
+          <a:prstGeom prst="homePlate">
+            <a:avLst/>
+          </a:prstGeom>
+          <a:solidFill>
+            <a:srgbClr val="32B9CD"/>
+          </a:solidFill>
+          <a:ln>
+            <a:noFill/>
+          </a:ln>
+        </p:spPr>
+        <p:style>
+          <a:lnRef idx="2">
+            <a:schemeClr val="accent1">
+              <a:shade val="50000"/>
+            </a:schemeClr>
+          </a:lnRef>
+          <a:fillRef idx="1">
+            <a:schemeClr val="accent1"/>
+          </a:fillRef>
+          <a:effectRef idx="0">
+            <a:schemeClr val="accent1"/>
+          </a:effectRef>
+          <a:fontRef idx="minor">
+            <a:schemeClr val="lt1"/>
+          </a:fontRef>
+        </p:style>
+        <p:txBody>
+          <a:bodyPr rtlCol="0" anchor="ctr"/>
+          <a:lstStyle/>
+          <a:p>
+            <a:pPr algn="ctr"/>
+            <a:r>
+              <a:rPr lang="pt-BR" dirty="0"/>
+              <a:t>EFETUAR LOGIN</a:t>
+            </a:r>
+          </a:p>
+        </p:txBody>
+      </p:sp>
+      <p:sp>
+        <p:nvSpPr>
+          <p:cNvPr id="9" name="Seta: Pentágono 8">
+            <a:extLst>
+              <a:ext uri="{FF2B5EF4-FFF2-40B4-BE49-F238E27FC236}">
+                <a16:creationId xmlns:a16="http://schemas.microsoft.com/office/drawing/2014/main" id="{A8CAF408-7AEF-46A5-BE2C-9BE73369B7E1}"/>
+              </a:ext>
+            </a:extLst>
+          </p:cNvPr>
+          <p:cNvSpPr/>
+          <p:nvPr/>
+        </p:nvSpPr>
+        <p:spPr>
+          <a:xfrm>
+            <a:off x="8996195" y="1351671"/>
+            <a:ext cx="1990574" cy="625642"/>
+          </a:xfrm>
+          <a:prstGeom prst="homePlate">
+            <a:avLst/>
+          </a:prstGeom>
+          <a:solidFill>
+            <a:srgbClr val="32B9CD"/>
+          </a:solidFill>
+          <a:ln>
+            <a:noFill/>
+          </a:ln>
+        </p:spPr>
+        <p:style>
+          <a:lnRef idx="2">
+            <a:schemeClr val="accent1">
+              <a:shade val="50000"/>
+            </a:schemeClr>
+          </a:lnRef>
+          <a:fillRef idx="1">
+            <a:schemeClr val="accent1"/>
+          </a:fillRef>
+          <a:effectRef idx="0">
+            <a:schemeClr val="accent1"/>
+          </a:effectRef>
+          <a:fontRef idx="minor">
+            <a:schemeClr val="lt1"/>
+          </a:fontRef>
+        </p:style>
+        <p:txBody>
+          <a:bodyPr rtlCol="0" anchor="ctr"/>
+          <a:lstStyle/>
+          <a:p>
+            <a:pPr algn="ctr"/>
+            <a:r>
+              <a:rPr lang="pt-BR" dirty="0"/>
+              <a:t>ENCONTRAR HOSPITAIS</a:t>
+            </a:r>
+          </a:p>
+        </p:txBody>
+      </p:sp>
+      <p:sp>
+        <p:nvSpPr>
+          <p:cNvPr id="10" name="Seta: Pentágono 9">
+            <a:extLst>
+              <a:ext uri="{FF2B5EF4-FFF2-40B4-BE49-F238E27FC236}">
+                <a16:creationId xmlns:a16="http://schemas.microsoft.com/office/drawing/2014/main" id="{2E5D830F-E594-4A4E-865A-ED3EF8AED2C7}"/>
+              </a:ext>
+            </a:extLst>
+          </p:cNvPr>
+          <p:cNvSpPr/>
+          <p:nvPr/>
+        </p:nvSpPr>
+        <p:spPr>
+          <a:xfrm>
+            <a:off x="11283201" y="1355536"/>
+            <a:ext cx="1990575" cy="625642"/>
+          </a:xfrm>
+          <a:prstGeom prst="homePlate">
+            <a:avLst/>
+          </a:prstGeom>
+          <a:solidFill>
+            <a:srgbClr val="32B9CD"/>
+          </a:solidFill>
+          <a:ln>
+            <a:noFill/>
+          </a:ln>
+        </p:spPr>
+        <p:style>
+          <a:lnRef idx="2">
+            <a:schemeClr val="accent1">
+              <a:shade val="50000"/>
+            </a:schemeClr>
+          </a:lnRef>
+          <a:fillRef idx="1">
+            <a:schemeClr val="accent1"/>
+          </a:fillRef>
+          <a:effectRef idx="0">
+            <a:schemeClr val="accent1"/>
+          </a:effectRef>
+          <a:fontRef idx="minor">
+            <a:schemeClr val="lt1"/>
+          </a:fontRef>
+        </p:style>
+        <p:txBody>
+          <a:bodyPr rtlCol="0" anchor="ctr"/>
+          <a:lstStyle/>
+          <a:p>
+            <a:pPr algn="ctr"/>
+            <a:r>
+              <a:rPr lang="pt-BR" dirty="0"/>
+              <a:t>DEFINIR ONDE DOAR</a:t>
+            </a:r>
+          </a:p>
+        </p:txBody>
+      </p:sp>
+      <p:cxnSp>
+        <p:nvCxnSpPr>
+          <p:cNvPr id="13" name="Conector reto 12">
+            <a:extLst>
+              <a:ext uri="{FF2B5EF4-FFF2-40B4-BE49-F238E27FC236}">
+                <a16:creationId xmlns:a16="http://schemas.microsoft.com/office/drawing/2014/main" id="{230C587B-167A-4046-8193-FE5D0F2BD5AD}"/>
+              </a:ext>
+            </a:extLst>
+          </p:cNvPr>
+          <p:cNvCxnSpPr/>
+          <p:nvPr/>
+        </p:nvCxnSpPr>
+        <p:spPr>
+          <a:xfrm>
+            <a:off x="248653" y="2106706"/>
+            <a:ext cx="12744000" cy="0"/>
+          </a:xfrm>
+          <a:prstGeom prst="line">
+            <a:avLst/>
+          </a:prstGeom>
+          <a:ln>
+            <a:solidFill>
+              <a:srgbClr val="32B9CD"/>
+            </a:solidFill>
+          </a:ln>
+        </p:spPr>
+        <p:style>
+          <a:lnRef idx="1">
+            <a:schemeClr val="accent1"/>
+          </a:lnRef>
+          <a:fillRef idx="0">
+            <a:schemeClr val="accent1"/>
+          </a:fillRef>
+          <a:effectRef idx="0">
+            <a:schemeClr val="accent1"/>
+          </a:effectRef>
+          <a:fontRef idx="minor">
+            <a:schemeClr val="tx1"/>
+          </a:fontRef>
+        </p:style>
+      </p:cxnSp>
+      <p:sp>
+        <p:nvSpPr>
+          <p:cNvPr id="14" name="Retângulo 13">
+            <a:extLst>
+              <a:ext uri="{FF2B5EF4-FFF2-40B4-BE49-F238E27FC236}">
+                <a16:creationId xmlns:a16="http://schemas.microsoft.com/office/drawing/2014/main" id="{C76ED18D-BAB8-4623-9F47-429CD0C89156}"/>
+              </a:ext>
+            </a:extLst>
+          </p:cNvPr>
+          <p:cNvSpPr/>
+          <p:nvPr/>
+        </p:nvSpPr>
+        <p:spPr>
+          <a:xfrm>
+            <a:off x="4554697" y="2285186"/>
+            <a:ext cx="1792560" cy="692497"/>
+          </a:xfrm>
+          <a:prstGeom prst="rect">
+            <a:avLst/>
+          </a:prstGeom>
+        </p:spPr>
+        <p:txBody>
+          <a:bodyPr wrap="square" lIns="91440" tIns="45720" rIns="91440" bIns="45720" anchor="t">
+            <a:spAutoFit/>
+          </a:bodyPr>
+          <a:lstStyle/>
+          <a:p>
+            <a:pPr marL="342900" indent="-342900">
+              <a:buFont typeface="Arial" panose="020B0604020202020204" pitchFamily="34" charset="0"/>
+              <a:buChar char="•"/>
+            </a:pPr>
+            <a:r>
+              <a:rPr lang="pt-BR" sz="1300" dirty="0">
+                <a:latin typeface="Exo 2"/>
+              </a:rPr>
+              <a:t>Preencher dados</a:t>
+            </a:r>
+          </a:p>
+          <a:p>
+            <a:pPr marL="342900" indent="-342900">
+              <a:buFont typeface="Arial" panose="020B0604020202020204" pitchFamily="34" charset="0"/>
+              <a:buChar char="•"/>
+            </a:pPr>
+            <a:r>
+              <a:rPr lang="pt-BR" sz="1300" dirty="0">
+                <a:latin typeface="Exo 2"/>
+              </a:rPr>
+              <a:t>Responder questionário</a:t>
+            </a:r>
+          </a:p>
+        </p:txBody>
+      </p:sp>
+      <p:cxnSp>
+        <p:nvCxnSpPr>
+          <p:cNvPr id="15" name="Conector reto 14">
+            <a:extLst>
+              <a:ext uri="{FF2B5EF4-FFF2-40B4-BE49-F238E27FC236}">
+                <a16:creationId xmlns:a16="http://schemas.microsoft.com/office/drawing/2014/main" id="{E8282CFB-9587-4BFA-A168-54B336E1D1FD}"/>
+              </a:ext>
+            </a:extLst>
+          </p:cNvPr>
+          <p:cNvCxnSpPr/>
+          <p:nvPr/>
+        </p:nvCxnSpPr>
+        <p:spPr>
+          <a:xfrm>
+            <a:off x="248653" y="3205592"/>
+            <a:ext cx="12744000" cy="0"/>
+          </a:xfrm>
+          <a:prstGeom prst="line">
+            <a:avLst/>
+          </a:prstGeom>
+          <a:ln>
+            <a:solidFill>
+              <a:srgbClr val="32B9CD"/>
+            </a:solidFill>
+          </a:ln>
+        </p:spPr>
+        <p:style>
+          <a:lnRef idx="1">
+            <a:schemeClr val="accent1"/>
+          </a:lnRef>
+          <a:fillRef idx="0">
+            <a:schemeClr val="accent1"/>
+          </a:fillRef>
+          <a:effectRef idx="0">
+            <a:schemeClr val="accent1"/>
+          </a:effectRef>
+          <a:fontRef idx="minor">
+            <a:schemeClr val="tx1"/>
+          </a:fontRef>
+        </p:style>
+      </p:cxnSp>
+      <p:sp>
+        <p:nvSpPr>
+          <p:cNvPr id="17" name="Retângulo 16">
+            <a:extLst>
+              <a:ext uri="{FF2B5EF4-FFF2-40B4-BE49-F238E27FC236}">
+                <a16:creationId xmlns:a16="http://schemas.microsoft.com/office/drawing/2014/main" id="{E924F593-86B6-43D8-BBC2-C83416E7E647}"/>
+              </a:ext>
+            </a:extLst>
+          </p:cNvPr>
+          <p:cNvSpPr/>
+          <p:nvPr/>
+        </p:nvSpPr>
+        <p:spPr>
+          <a:xfrm>
+            <a:off x="248653" y="1283364"/>
+            <a:ext cx="2184972" cy="769441"/>
+          </a:xfrm>
+          <a:prstGeom prst="rect">
+            <a:avLst/>
+          </a:prstGeom>
+        </p:spPr>
+        <p:txBody>
+          <a:bodyPr wrap="square">
+            <a:spAutoFit/>
+          </a:bodyPr>
+          <a:lstStyle/>
+          <a:p>
+            <a:r>
+              <a:rPr lang="pt-BR" sz="2800" b="1" dirty="0">
+                <a:solidFill>
+                  <a:srgbClr val="E6005A"/>
+                </a:solidFill>
+                <a:latin typeface="Exo 2" panose="00000500000000000000" pitchFamily="50" charset="0"/>
+              </a:rPr>
+              <a:t>Fases </a:t>
             </a:r>
             <a:r>
-              <a:rPr lang="pt-BR" noProof="1"/>
-              <a:t>Mapa de persona – Doador </a:t>
+              <a:rPr lang="pt-BR" sz="1600" b="1" dirty="0">
+                <a:solidFill>
+                  <a:srgbClr val="E6005A"/>
+                </a:solidFill>
+                <a:latin typeface="Exo 2" panose="00000500000000000000" pitchFamily="50" charset="0"/>
+              </a:rPr>
+              <a:t>(utilizador)</a:t>
             </a:r>
-            <a:endParaRPr lang="pt-BR" dirty="0"/>
+          </a:p>
+        </p:txBody>
+      </p:sp>
+      <p:sp>
+        <p:nvSpPr>
+          <p:cNvPr id="18" name="Retângulo 17">
+            <a:extLst>
+              <a:ext uri="{FF2B5EF4-FFF2-40B4-BE49-F238E27FC236}">
+                <a16:creationId xmlns:a16="http://schemas.microsoft.com/office/drawing/2014/main" id="{56D4EF9F-24DA-4535-8158-6E054700D6C9}"/>
+              </a:ext>
+            </a:extLst>
+          </p:cNvPr>
+          <p:cNvSpPr/>
+          <p:nvPr/>
+        </p:nvSpPr>
+        <p:spPr>
+          <a:xfrm>
+            <a:off x="248653" y="2163934"/>
+            <a:ext cx="2184972" cy="800219"/>
+          </a:xfrm>
+          <a:prstGeom prst="rect">
+            <a:avLst/>
+          </a:prstGeom>
+        </p:spPr>
+        <p:txBody>
+          <a:bodyPr wrap="square">
+            <a:spAutoFit/>
+          </a:bodyPr>
+          <a:lstStyle/>
+          <a:p>
+            <a:r>
+              <a:rPr lang="pt-BR" sz="2800" b="1" dirty="0">
+                <a:solidFill>
+                  <a:srgbClr val="E6005A"/>
+                </a:solidFill>
+                <a:latin typeface="Exo 2" panose="00000500000000000000" pitchFamily="50" charset="0"/>
+              </a:rPr>
+              <a:t>Faz</a:t>
+            </a:r>
+          </a:p>
+          <a:p>
+            <a:r>
+              <a:rPr lang="pt-BR" sz="1800" b="1" dirty="0">
+                <a:solidFill>
+                  <a:srgbClr val="E6005A"/>
+                </a:solidFill>
+                <a:latin typeface="Exo 2" panose="00000500000000000000" pitchFamily="50" charset="0"/>
+              </a:rPr>
+              <a:t>(ações do usuário) </a:t>
+            </a:r>
           </a:p>
         </p:txBody>
       </p:sp>
       <p:pic>
         <p:nvPicPr>
-          <p:cNvPr id="7" name="Imagem 6" descr="Logotipo&#10;&#10;Descrição gerada automaticamente">
+          <p:cNvPr id="26" name="Gráfico 25" descr="Rosto sorrindo sem preenchimento ">
             <a:extLst>
               <a:ext uri="{FF2B5EF4-FFF2-40B4-BE49-F238E27FC236}">
-                <a16:creationId xmlns:a16="http://schemas.microsoft.com/office/drawing/2014/main" id="{68014229-FA21-4D93-8CEB-1C05B66B2FA1}"/>
+                <a16:creationId xmlns:a16="http://schemas.microsoft.com/office/drawing/2014/main" id="{A5F4DB79-35CD-4BA7-B77B-3031D31D50BC}"/>
               </a:ext>
             </a:extLst>
           </p:cNvPr>
@@ -12209,7 +14150,1391 @@
           <p:nvPr/>
         </p:nvPicPr>
         <p:blipFill>
-          <a:blip r:embed="rId2" cstate="print">
+          <a:blip r:embed="rId3">
+            <a:extLst>
+              <a:ext uri="{28A0092B-C50C-407E-A947-70E740481C1C}">
+                <a14:useLocalDpi xmlns:a14="http://schemas.microsoft.com/office/drawing/2010/main" val="0"/>
+              </a:ext>
+              <a:ext uri="{96DAC541-7B7A-43D3-8B79-37D633B846F1}">
+                <asvg:svgBlip xmlns:asvg="http://schemas.microsoft.com/office/drawing/2016/SVG/main" r:embed="rId4"/>
+              </a:ext>
+            </a:extLst>
+          </a:blip>
+          <a:stretch>
+            <a:fillRect/>
+          </a:stretch>
+        </p:blipFill>
+        <p:spPr>
+          <a:xfrm>
+            <a:off x="11961528" y="3426432"/>
+            <a:ext cx="647241" cy="647241"/>
+          </a:xfrm>
+          <a:prstGeom prst="rect">
+            <a:avLst/>
+          </a:prstGeom>
+        </p:spPr>
+      </p:pic>
+      <p:pic>
+        <p:nvPicPr>
+          <p:cNvPr id="29" name="Gráfico 28" descr="Rosto sorridente sem preenchimento ">
+            <a:extLst>
+              <a:ext uri="{FF2B5EF4-FFF2-40B4-BE49-F238E27FC236}">
+                <a16:creationId xmlns:a16="http://schemas.microsoft.com/office/drawing/2014/main" id="{19B3DCB4-A744-41A9-9082-4FA04F7F8229}"/>
+              </a:ext>
+            </a:extLst>
+          </p:cNvPr>
+          <p:cNvPicPr>
+            <a:picLocks noChangeAspect="1"/>
+          </p:cNvPicPr>
+          <p:nvPr/>
+        </p:nvPicPr>
+        <p:blipFill>
+          <a:blip r:embed="rId5">
+            <a:extLst>
+              <a:ext uri="{28A0092B-C50C-407E-A947-70E740481C1C}">
+                <a14:useLocalDpi xmlns:a14="http://schemas.microsoft.com/office/drawing/2010/main" val="0"/>
+              </a:ext>
+              <a:ext uri="{96DAC541-7B7A-43D3-8B79-37D633B846F1}">
+                <asvg:svgBlip xmlns:asvg="http://schemas.microsoft.com/office/drawing/2016/SVG/main" r:embed="rId6"/>
+              </a:ext>
+            </a:extLst>
+          </a:blip>
+          <a:stretch>
+            <a:fillRect/>
+          </a:stretch>
+        </p:blipFill>
+        <p:spPr>
+          <a:xfrm>
+            <a:off x="5170966" y="3455127"/>
+            <a:ext cx="647241" cy="647241"/>
+          </a:xfrm>
+          <a:prstGeom prst="rect">
+            <a:avLst/>
+          </a:prstGeom>
+        </p:spPr>
+      </p:pic>
+      <p:sp>
+        <p:nvSpPr>
+          <p:cNvPr id="30" name="Retângulo 29">
+            <a:extLst>
+              <a:ext uri="{FF2B5EF4-FFF2-40B4-BE49-F238E27FC236}">
+                <a16:creationId xmlns:a16="http://schemas.microsoft.com/office/drawing/2014/main" id="{A54099A1-86BA-49DD-921E-A12E1EA75F22}"/>
+              </a:ext>
+            </a:extLst>
+          </p:cNvPr>
+          <p:cNvSpPr/>
+          <p:nvPr/>
+        </p:nvSpPr>
+        <p:spPr>
+          <a:xfrm>
+            <a:off x="248653" y="3295700"/>
+            <a:ext cx="2382248" cy="830997"/>
+          </a:xfrm>
+          <a:prstGeom prst="rect">
+            <a:avLst/>
+          </a:prstGeom>
+        </p:spPr>
+        <p:txBody>
+          <a:bodyPr wrap="square">
+            <a:spAutoFit/>
+          </a:bodyPr>
+          <a:lstStyle/>
+          <a:p>
+            <a:r>
+              <a:rPr lang="pt-BR" sz="2800" b="1" dirty="0">
+                <a:solidFill>
+                  <a:srgbClr val="E6005A"/>
+                </a:solidFill>
+                <a:latin typeface="Exo 2" panose="00000500000000000000" pitchFamily="50" charset="0"/>
+              </a:rPr>
+              <a:t>Sente</a:t>
+            </a:r>
+          </a:p>
+          <a:p>
+            <a:r>
+              <a:rPr lang="pt-BR" sz="2000" b="1" dirty="0">
+                <a:solidFill>
+                  <a:srgbClr val="E6005A"/>
+                </a:solidFill>
+                <a:latin typeface="Exo 2" panose="00000500000000000000" pitchFamily="50" charset="0"/>
+              </a:rPr>
+              <a:t>(dores do usuário) </a:t>
+            </a:r>
+          </a:p>
+        </p:txBody>
+      </p:sp>
+      <p:cxnSp>
+        <p:nvCxnSpPr>
+          <p:cNvPr id="31" name="Conector reto 30">
+            <a:extLst>
+              <a:ext uri="{FF2B5EF4-FFF2-40B4-BE49-F238E27FC236}">
+                <a16:creationId xmlns:a16="http://schemas.microsoft.com/office/drawing/2014/main" id="{CC0D5044-B87E-4741-83CC-572EC6DF96A2}"/>
+              </a:ext>
+            </a:extLst>
+          </p:cNvPr>
+          <p:cNvCxnSpPr/>
+          <p:nvPr/>
+        </p:nvCxnSpPr>
+        <p:spPr>
+          <a:xfrm>
+            <a:off x="248653" y="4320521"/>
+            <a:ext cx="12744000" cy="0"/>
+          </a:xfrm>
+          <a:prstGeom prst="line">
+            <a:avLst/>
+          </a:prstGeom>
+          <a:ln>
+            <a:solidFill>
+              <a:srgbClr val="32B9CD"/>
+            </a:solidFill>
+          </a:ln>
+        </p:spPr>
+        <p:style>
+          <a:lnRef idx="1">
+            <a:schemeClr val="accent1"/>
+          </a:lnRef>
+          <a:fillRef idx="0">
+            <a:schemeClr val="accent1"/>
+          </a:fillRef>
+          <a:effectRef idx="0">
+            <a:schemeClr val="accent1"/>
+          </a:effectRef>
+          <a:fontRef idx="minor">
+            <a:schemeClr val="tx1"/>
+          </a:fontRef>
+        </p:style>
+      </p:cxnSp>
+      <p:cxnSp>
+        <p:nvCxnSpPr>
+          <p:cNvPr id="33" name="Conector reto 32">
+            <a:extLst>
+              <a:ext uri="{FF2B5EF4-FFF2-40B4-BE49-F238E27FC236}">
+                <a16:creationId xmlns:a16="http://schemas.microsoft.com/office/drawing/2014/main" id="{9D1FDD8A-6877-49FB-A4A9-32172D6FE06F}"/>
+              </a:ext>
+            </a:extLst>
+          </p:cNvPr>
+          <p:cNvCxnSpPr/>
+          <p:nvPr/>
+        </p:nvCxnSpPr>
+        <p:spPr>
+          <a:xfrm>
+            <a:off x="248653" y="5507638"/>
+            <a:ext cx="12744000" cy="0"/>
+          </a:xfrm>
+          <a:prstGeom prst="line">
+            <a:avLst/>
+          </a:prstGeom>
+          <a:ln>
+            <a:solidFill>
+              <a:srgbClr val="32B9CD"/>
+            </a:solidFill>
+          </a:ln>
+        </p:spPr>
+        <p:style>
+          <a:lnRef idx="1">
+            <a:schemeClr val="accent1"/>
+          </a:lnRef>
+          <a:fillRef idx="0">
+            <a:schemeClr val="accent1"/>
+          </a:fillRef>
+          <a:effectRef idx="0">
+            <a:schemeClr val="accent1"/>
+          </a:effectRef>
+          <a:fontRef idx="minor">
+            <a:schemeClr val="tx1"/>
+          </a:fontRef>
+        </p:style>
+      </p:cxnSp>
+      <p:sp>
+        <p:nvSpPr>
+          <p:cNvPr id="34" name="Retângulo 33">
+            <a:extLst>
+              <a:ext uri="{FF2B5EF4-FFF2-40B4-BE49-F238E27FC236}">
+                <a16:creationId xmlns:a16="http://schemas.microsoft.com/office/drawing/2014/main" id="{65DFBC55-8446-4393-8E00-5D2F0A377509}"/>
+              </a:ext>
+            </a:extLst>
+          </p:cNvPr>
+          <p:cNvSpPr/>
+          <p:nvPr/>
+        </p:nvSpPr>
+        <p:spPr>
+          <a:xfrm>
+            <a:off x="248653" y="4417854"/>
+            <a:ext cx="2184972" cy="830997"/>
+          </a:xfrm>
+          <a:prstGeom prst="rect">
+            <a:avLst/>
+          </a:prstGeom>
+        </p:spPr>
+        <p:txBody>
+          <a:bodyPr wrap="square">
+            <a:spAutoFit/>
+          </a:bodyPr>
+          <a:lstStyle/>
+          <a:p>
+            <a:r>
+              <a:rPr lang="pt-BR" sz="2800" b="1" dirty="0">
+                <a:solidFill>
+                  <a:srgbClr val="E6005A"/>
+                </a:solidFill>
+                <a:latin typeface="Exo 2" panose="00000500000000000000" pitchFamily="50" charset="0"/>
+              </a:rPr>
+              <a:t>Pensa</a:t>
+            </a:r>
+          </a:p>
+          <a:p>
+            <a:r>
+              <a:rPr lang="pt-BR" sz="2000" b="1" dirty="0">
+                <a:solidFill>
+                  <a:srgbClr val="E6005A"/>
+                </a:solidFill>
+                <a:latin typeface="Exo 2" panose="00000500000000000000" pitchFamily="50" charset="0"/>
+              </a:rPr>
+              <a:t>(usuário) </a:t>
+            </a:r>
+          </a:p>
+        </p:txBody>
+      </p:sp>
+      <p:sp>
+        <p:nvSpPr>
+          <p:cNvPr id="36" name="Retângulo 35">
+            <a:extLst>
+              <a:ext uri="{FF2B5EF4-FFF2-40B4-BE49-F238E27FC236}">
+                <a16:creationId xmlns:a16="http://schemas.microsoft.com/office/drawing/2014/main" id="{5988A0C7-9A9A-45F9-B41F-429C2C02D082}"/>
+              </a:ext>
+            </a:extLst>
+          </p:cNvPr>
+          <p:cNvSpPr/>
+          <p:nvPr/>
+        </p:nvSpPr>
+        <p:spPr>
+          <a:xfrm>
+            <a:off x="260697" y="5512681"/>
+            <a:ext cx="2184972" cy="800219"/>
+          </a:xfrm>
+          <a:prstGeom prst="rect">
+            <a:avLst/>
+          </a:prstGeom>
+        </p:spPr>
+        <p:txBody>
+          <a:bodyPr wrap="square">
+            <a:spAutoFit/>
+          </a:bodyPr>
+          <a:lstStyle/>
+          <a:p>
+            <a:r>
+              <a:rPr lang="pt-BR" sz="2800" b="1" dirty="0">
+                <a:solidFill>
+                  <a:srgbClr val="E6005A"/>
+                </a:solidFill>
+                <a:latin typeface="Exo 2" panose="00000500000000000000" pitchFamily="50" charset="0"/>
+              </a:rPr>
+              <a:t>Canal</a:t>
+            </a:r>
+          </a:p>
+          <a:p>
+            <a:r>
+              <a:rPr lang="pt-BR" sz="1800" b="1" dirty="0">
+                <a:solidFill>
+                  <a:srgbClr val="E6005A"/>
+                </a:solidFill>
+                <a:latin typeface="Exo 2" panose="00000500000000000000" pitchFamily="50" charset="0"/>
+              </a:rPr>
+              <a:t>(ponto de contato) </a:t>
+            </a:r>
+          </a:p>
+        </p:txBody>
+      </p:sp>
+      <p:cxnSp>
+        <p:nvCxnSpPr>
+          <p:cNvPr id="37" name="Conector reto 36">
+            <a:extLst>
+              <a:ext uri="{FF2B5EF4-FFF2-40B4-BE49-F238E27FC236}">
+                <a16:creationId xmlns:a16="http://schemas.microsoft.com/office/drawing/2014/main" id="{465783DE-DC9B-4E81-A205-39F651C9CE0E}"/>
+              </a:ext>
+            </a:extLst>
+          </p:cNvPr>
+          <p:cNvCxnSpPr/>
+          <p:nvPr/>
+        </p:nvCxnSpPr>
+        <p:spPr>
+          <a:xfrm>
+            <a:off x="248653" y="6526315"/>
+            <a:ext cx="12744000" cy="0"/>
+          </a:xfrm>
+          <a:prstGeom prst="line">
+            <a:avLst/>
+          </a:prstGeom>
+          <a:ln>
+            <a:solidFill>
+              <a:srgbClr val="32B9CD"/>
+            </a:solidFill>
+          </a:ln>
+        </p:spPr>
+        <p:style>
+          <a:lnRef idx="1">
+            <a:schemeClr val="accent1"/>
+          </a:lnRef>
+          <a:fillRef idx="0">
+            <a:schemeClr val="accent1"/>
+          </a:fillRef>
+          <a:effectRef idx="0">
+            <a:schemeClr val="accent1"/>
+          </a:effectRef>
+          <a:fontRef idx="minor">
+            <a:schemeClr val="tx1"/>
+          </a:fontRef>
+        </p:style>
+      </p:cxnSp>
+      <p:pic>
+        <p:nvPicPr>
+          <p:cNvPr id="39" name="Gráfico 38" descr="Envelope">
+            <a:extLst>
+              <a:ext uri="{FF2B5EF4-FFF2-40B4-BE49-F238E27FC236}">
+                <a16:creationId xmlns:a16="http://schemas.microsoft.com/office/drawing/2014/main" id="{62A3CC72-CA54-4AF6-9589-41B8F7A3737B}"/>
+              </a:ext>
+            </a:extLst>
+          </p:cNvPr>
+          <p:cNvPicPr>
+            <a:picLocks noChangeAspect="1"/>
+          </p:cNvPicPr>
+          <p:nvPr/>
+        </p:nvPicPr>
+        <p:blipFill>
+          <a:blip r:embed="rId7">
+            <a:extLst>
+              <a:ext uri="{28A0092B-C50C-407E-A947-70E740481C1C}">
+                <a14:useLocalDpi xmlns:a14="http://schemas.microsoft.com/office/drawing/2010/main" val="0"/>
+              </a:ext>
+              <a:ext uri="{96DAC541-7B7A-43D3-8B79-37D633B846F1}">
+                <asvg:svgBlip xmlns:asvg="http://schemas.microsoft.com/office/drawing/2016/SVG/main" r:embed="rId8"/>
+              </a:ext>
+            </a:extLst>
+          </a:blip>
+          <a:stretch>
+            <a:fillRect/>
+          </a:stretch>
+        </p:blipFill>
+        <p:spPr>
+          <a:xfrm>
+            <a:off x="5103402" y="5616347"/>
+            <a:ext cx="914400" cy="914400"/>
+          </a:xfrm>
+          <a:prstGeom prst="rect">
+            <a:avLst/>
+          </a:prstGeom>
+        </p:spPr>
+      </p:pic>
+      <p:sp>
+        <p:nvSpPr>
+          <p:cNvPr id="50" name="Retângulo 49">
+            <a:extLst>
+              <a:ext uri="{FF2B5EF4-FFF2-40B4-BE49-F238E27FC236}">
+                <a16:creationId xmlns:a16="http://schemas.microsoft.com/office/drawing/2014/main" id="{9A498E02-A53D-43C5-8A8C-E911C378ACFE}"/>
+              </a:ext>
+            </a:extLst>
+          </p:cNvPr>
+          <p:cNvSpPr/>
+          <p:nvPr/>
+        </p:nvSpPr>
+        <p:spPr>
+          <a:xfrm>
+            <a:off x="256675" y="6555567"/>
+            <a:ext cx="2184972" cy="800219"/>
+          </a:xfrm>
+          <a:prstGeom prst="rect">
+            <a:avLst/>
+          </a:prstGeom>
+        </p:spPr>
+        <p:txBody>
+          <a:bodyPr wrap="square">
+            <a:spAutoFit/>
+          </a:bodyPr>
+          <a:lstStyle/>
+          <a:p>
+            <a:r>
+              <a:rPr lang="pt-BR" sz="2800" b="1" dirty="0">
+                <a:solidFill>
+                  <a:srgbClr val="E6005A"/>
+                </a:solidFill>
+                <a:latin typeface="Exo 2" panose="00000500000000000000" pitchFamily="50" charset="0"/>
+              </a:rPr>
+              <a:t>Proposta</a:t>
+            </a:r>
+          </a:p>
+          <a:p>
+            <a:r>
+              <a:rPr lang="pt-BR" sz="1800" b="1" dirty="0">
+                <a:solidFill>
+                  <a:srgbClr val="E6005A"/>
+                </a:solidFill>
+                <a:latin typeface="Exo 2" panose="00000500000000000000" pitchFamily="50" charset="0"/>
+              </a:rPr>
+              <a:t>(mudanças) </a:t>
+            </a:r>
+          </a:p>
+        </p:txBody>
+      </p:sp>
+      <p:sp>
+        <p:nvSpPr>
+          <p:cNvPr id="35" name="Retângulo 34">
+            <a:extLst>
+              <a:ext uri="{FF2B5EF4-FFF2-40B4-BE49-F238E27FC236}">
+                <a16:creationId xmlns:a16="http://schemas.microsoft.com/office/drawing/2014/main" id="{84D47ACE-B8C1-B242-A06B-3EBB376358DA}"/>
+              </a:ext>
+            </a:extLst>
+          </p:cNvPr>
+          <p:cNvSpPr/>
+          <p:nvPr/>
+        </p:nvSpPr>
+        <p:spPr>
+          <a:xfrm>
+            <a:off x="6600665" y="2334616"/>
+            <a:ext cx="2524060" cy="692497"/>
+          </a:xfrm>
+          <a:prstGeom prst="rect">
+            <a:avLst/>
+          </a:prstGeom>
+        </p:spPr>
+        <p:txBody>
+          <a:bodyPr wrap="square" lIns="91440" tIns="45720" rIns="91440" bIns="45720" anchor="t">
+            <a:spAutoFit/>
+          </a:bodyPr>
+          <a:lstStyle/>
+          <a:p>
+            <a:pPr marL="342900" indent="-342900">
+              <a:buFont typeface="Arial" panose="020B0604020202020204" pitchFamily="34" charset="0"/>
+              <a:buChar char="•"/>
+            </a:pPr>
+            <a:r>
+              <a:rPr lang="pt-BR" sz="1300" dirty="0">
+                <a:latin typeface="Exo 2"/>
+              </a:rPr>
+              <a:t>Inserir e-mail e senha</a:t>
+            </a:r>
+          </a:p>
+          <a:p>
+            <a:pPr marL="342900" indent="-342900">
+              <a:buFont typeface="Arial" panose="020B0604020202020204" pitchFamily="34" charset="0"/>
+              <a:buChar char="•"/>
+            </a:pPr>
+            <a:r>
+              <a:rPr lang="pt-BR" sz="1300" dirty="0">
+                <a:latin typeface="Exo 2"/>
+              </a:rPr>
+              <a:t>Ativa ou não, sistema de alerta para doações</a:t>
+            </a:r>
+          </a:p>
+        </p:txBody>
+      </p:sp>
+      <p:sp>
+        <p:nvSpPr>
+          <p:cNvPr id="38" name="Retângulo 37">
+            <a:extLst>
+              <a:ext uri="{FF2B5EF4-FFF2-40B4-BE49-F238E27FC236}">
+                <a16:creationId xmlns:a16="http://schemas.microsoft.com/office/drawing/2014/main" id="{6CB55844-76F7-CA4D-BADC-6C25EF3664B1}"/>
+              </a:ext>
+            </a:extLst>
+          </p:cNvPr>
+          <p:cNvSpPr/>
+          <p:nvPr/>
+        </p:nvSpPr>
+        <p:spPr>
+          <a:xfrm>
+            <a:off x="8918289" y="2355966"/>
+            <a:ext cx="2447055" cy="692497"/>
+          </a:xfrm>
+          <a:prstGeom prst="rect">
+            <a:avLst/>
+          </a:prstGeom>
+        </p:spPr>
+        <p:txBody>
+          <a:bodyPr wrap="square" lIns="91440" tIns="45720" rIns="91440" bIns="45720" anchor="t">
+            <a:spAutoFit/>
+          </a:bodyPr>
+          <a:lstStyle/>
+          <a:p>
+            <a:pPr marL="342900" indent="-342900">
+              <a:buFont typeface="Arial" panose="020B0604020202020204" pitchFamily="34" charset="0"/>
+              <a:buChar char="•"/>
+            </a:pPr>
+            <a:r>
+              <a:rPr lang="pt-BR" sz="1300" dirty="0">
+                <a:latin typeface="Exo 2"/>
+              </a:rPr>
+              <a:t>Ativa localização atual</a:t>
+            </a:r>
+          </a:p>
+          <a:p>
+            <a:pPr marL="342900" indent="-342900">
+              <a:buFont typeface="Arial" panose="020B0604020202020204" pitchFamily="34" charset="0"/>
+              <a:buChar char="•"/>
+            </a:pPr>
+            <a:r>
+              <a:rPr lang="pt-BR" sz="1300" dirty="0">
+                <a:latin typeface="Exo 2"/>
+              </a:rPr>
+              <a:t>Visualiza estoque de sangue próximos</a:t>
+            </a:r>
+          </a:p>
+        </p:txBody>
+      </p:sp>
+      <p:sp>
+        <p:nvSpPr>
+          <p:cNvPr id="40" name="Retângulo 39">
+            <a:extLst>
+              <a:ext uri="{FF2B5EF4-FFF2-40B4-BE49-F238E27FC236}">
+                <a16:creationId xmlns:a16="http://schemas.microsoft.com/office/drawing/2014/main" id="{62EC3F27-6761-A942-BBCF-12BA6CC0B725}"/>
+              </a:ext>
+            </a:extLst>
+          </p:cNvPr>
+          <p:cNvSpPr/>
+          <p:nvPr/>
+        </p:nvSpPr>
+        <p:spPr>
+          <a:xfrm>
+            <a:off x="11221310" y="2307411"/>
+            <a:ext cx="2114194" cy="692497"/>
+          </a:xfrm>
+          <a:prstGeom prst="rect">
+            <a:avLst/>
+          </a:prstGeom>
+        </p:spPr>
+        <p:txBody>
+          <a:bodyPr wrap="square" lIns="91440" tIns="45720" rIns="91440" bIns="45720" anchor="t">
+            <a:spAutoFit/>
+          </a:bodyPr>
+          <a:lstStyle/>
+          <a:p>
+            <a:pPr marL="342900" indent="-342900">
+              <a:buFont typeface="Arial" panose="020B0604020202020204" pitchFamily="34" charset="0"/>
+              <a:buChar char="•"/>
+            </a:pPr>
+            <a:r>
+              <a:rPr lang="pt-BR" sz="1300" dirty="0">
+                <a:latin typeface="Exo 2"/>
+              </a:rPr>
+              <a:t>O usuário poderá compartilhar nas redes sociais a escolha</a:t>
+            </a:r>
+          </a:p>
+        </p:txBody>
+      </p:sp>
+      <p:sp>
+        <p:nvSpPr>
+          <p:cNvPr id="42" name="Retângulo 41">
+            <a:extLst>
+              <a:ext uri="{FF2B5EF4-FFF2-40B4-BE49-F238E27FC236}">
+                <a16:creationId xmlns:a16="http://schemas.microsoft.com/office/drawing/2014/main" id="{699CAC9B-9865-3041-92D1-AA9C32D73498}"/>
+              </a:ext>
+            </a:extLst>
+          </p:cNvPr>
+          <p:cNvSpPr/>
+          <p:nvPr/>
+        </p:nvSpPr>
+        <p:spPr>
+          <a:xfrm>
+            <a:off x="6600665" y="4514030"/>
+            <a:ext cx="2343739" cy="692497"/>
+          </a:xfrm>
+          <a:prstGeom prst="rect">
+            <a:avLst/>
+          </a:prstGeom>
+        </p:spPr>
+        <p:txBody>
+          <a:bodyPr wrap="square" lIns="91440" tIns="45720" rIns="91440" bIns="45720" anchor="t">
+            <a:spAutoFit/>
+          </a:bodyPr>
+          <a:lstStyle/>
+          <a:p>
+            <a:pPr marL="342900" indent="-342900">
+              <a:buFont typeface="Arial" panose="020B0604020202020204" pitchFamily="34" charset="0"/>
+              <a:buChar char="•"/>
+            </a:pPr>
+            <a:r>
+              <a:rPr lang="pt-BR" sz="1300" dirty="0">
+                <a:latin typeface="Exo 2"/>
+              </a:rPr>
+              <a:t>Bacana! Posso ser avisado sem precisar verificar todos os dias</a:t>
+            </a:r>
+          </a:p>
+        </p:txBody>
+      </p:sp>
+      <p:sp>
+        <p:nvSpPr>
+          <p:cNvPr id="48" name="Retângulo 47">
+            <a:extLst>
+              <a:ext uri="{FF2B5EF4-FFF2-40B4-BE49-F238E27FC236}">
+                <a16:creationId xmlns:a16="http://schemas.microsoft.com/office/drawing/2014/main" id="{38FF2AFF-C42E-C347-9081-BA5248DA3E05}"/>
+              </a:ext>
+            </a:extLst>
+          </p:cNvPr>
+          <p:cNvSpPr/>
+          <p:nvPr/>
+        </p:nvSpPr>
+        <p:spPr>
+          <a:xfrm>
+            <a:off x="8997934" y="4510091"/>
+            <a:ext cx="1892707" cy="692497"/>
+          </a:xfrm>
+          <a:prstGeom prst="rect">
+            <a:avLst/>
+          </a:prstGeom>
+        </p:spPr>
+        <p:txBody>
+          <a:bodyPr wrap="square" lIns="91440" tIns="45720" rIns="91440" bIns="45720" anchor="t">
+            <a:spAutoFit/>
+          </a:bodyPr>
+          <a:lstStyle/>
+          <a:p>
+            <a:pPr marL="342900" indent="-342900">
+              <a:buFont typeface="Arial" panose="020B0604020202020204" pitchFamily="34" charset="0"/>
+              <a:buChar char="•"/>
+            </a:pPr>
+            <a:r>
+              <a:rPr lang="pt-BR" sz="1300" dirty="0">
+                <a:latin typeface="Exo 2"/>
+              </a:rPr>
+              <a:t>Posso ajudar quem mais precisa de maneira rápida</a:t>
+            </a:r>
+          </a:p>
+        </p:txBody>
+      </p:sp>
+      <p:sp>
+        <p:nvSpPr>
+          <p:cNvPr id="53" name="Retângulo 52">
+            <a:extLst>
+              <a:ext uri="{FF2B5EF4-FFF2-40B4-BE49-F238E27FC236}">
+                <a16:creationId xmlns:a16="http://schemas.microsoft.com/office/drawing/2014/main" id="{FEDF9B78-69B4-8440-8B44-3287AD29D514}"/>
+              </a:ext>
+            </a:extLst>
+          </p:cNvPr>
+          <p:cNvSpPr/>
+          <p:nvPr/>
+        </p:nvSpPr>
+        <p:spPr>
+          <a:xfrm>
+            <a:off x="11113031" y="4594569"/>
+            <a:ext cx="2072533" cy="492443"/>
+          </a:xfrm>
+          <a:prstGeom prst="rect">
+            <a:avLst/>
+          </a:prstGeom>
+        </p:spPr>
+        <p:txBody>
+          <a:bodyPr wrap="square" lIns="91440" tIns="45720" rIns="91440" bIns="45720" anchor="t">
+            <a:spAutoFit/>
+          </a:bodyPr>
+          <a:lstStyle/>
+          <a:p>
+            <a:pPr marL="342900" indent="-342900">
+              <a:buFont typeface="Arial" panose="020B0604020202020204" pitchFamily="34" charset="0"/>
+              <a:buChar char="•"/>
+            </a:pPr>
+            <a:r>
+              <a:rPr lang="pt-BR" sz="1300" dirty="0">
+                <a:latin typeface="Exo 2"/>
+              </a:rPr>
+              <a:t>Legal! Posso incentivar meus amigos com isso</a:t>
+            </a:r>
+          </a:p>
+        </p:txBody>
+      </p:sp>
+      <p:pic>
+        <p:nvPicPr>
+          <p:cNvPr id="56" name="Gráfico 55" descr="Envelope">
+            <a:extLst>
+              <a:ext uri="{FF2B5EF4-FFF2-40B4-BE49-F238E27FC236}">
+                <a16:creationId xmlns:a16="http://schemas.microsoft.com/office/drawing/2014/main" id="{88AFBA02-8919-384D-9834-D948C60F29A3}"/>
+              </a:ext>
+            </a:extLst>
+          </p:cNvPr>
+          <p:cNvPicPr>
+            <a:picLocks noChangeAspect="1"/>
+          </p:cNvPicPr>
+          <p:nvPr/>
+        </p:nvPicPr>
+        <p:blipFill>
+          <a:blip r:embed="rId7">
+            <a:extLst>
+              <a:ext uri="{28A0092B-C50C-407E-A947-70E740481C1C}">
+                <a14:useLocalDpi xmlns:a14="http://schemas.microsoft.com/office/drawing/2010/main" val="0"/>
+              </a:ext>
+              <a:ext uri="{96DAC541-7B7A-43D3-8B79-37D633B846F1}">
+                <asvg:svgBlip xmlns:asvg="http://schemas.microsoft.com/office/drawing/2016/SVG/main" r:embed="rId8"/>
+              </a:ext>
+            </a:extLst>
+          </a:blip>
+          <a:stretch>
+            <a:fillRect/>
+          </a:stretch>
+        </p:blipFill>
+        <p:spPr>
+          <a:xfrm>
+            <a:off x="7333924" y="5612337"/>
+            <a:ext cx="914400" cy="914400"/>
+          </a:xfrm>
+          <a:prstGeom prst="rect">
+            <a:avLst/>
+          </a:prstGeom>
+        </p:spPr>
+      </p:pic>
+      <p:pic>
+        <p:nvPicPr>
+          <p:cNvPr id="41" name="Gráfico 40" descr="Rosto sorridente sem preenchimento ">
+            <a:extLst>
+              <a:ext uri="{FF2B5EF4-FFF2-40B4-BE49-F238E27FC236}">
+                <a16:creationId xmlns:a16="http://schemas.microsoft.com/office/drawing/2014/main" id="{3B8EEBA3-161F-6644-86EB-4765E52CFEE3}"/>
+              </a:ext>
+            </a:extLst>
+          </p:cNvPr>
+          <p:cNvPicPr>
+            <a:picLocks noChangeAspect="1"/>
+          </p:cNvPicPr>
+          <p:nvPr/>
+        </p:nvPicPr>
+        <p:blipFill>
+          <a:blip r:embed="rId5">
+            <a:extLst>
+              <a:ext uri="{28A0092B-C50C-407E-A947-70E740481C1C}">
+                <a14:useLocalDpi xmlns:a14="http://schemas.microsoft.com/office/drawing/2010/main" val="0"/>
+              </a:ext>
+              <a:ext uri="{96DAC541-7B7A-43D3-8B79-37D633B846F1}">
+                <asvg:svgBlip xmlns:asvg="http://schemas.microsoft.com/office/drawing/2016/SVG/main" r:embed="rId6"/>
+              </a:ext>
+            </a:extLst>
+          </a:blip>
+          <a:stretch>
+            <a:fillRect/>
+          </a:stretch>
+        </p:blipFill>
+        <p:spPr>
+          <a:xfrm>
+            <a:off x="7454553" y="3422089"/>
+            <a:ext cx="647241" cy="647241"/>
+          </a:xfrm>
+          <a:prstGeom prst="rect">
+            <a:avLst/>
+          </a:prstGeom>
+        </p:spPr>
+      </p:pic>
+      <p:pic>
+        <p:nvPicPr>
+          <p:cNvPr id="43" name="Gráfico 42" descr="Rosto sorrindo sem preenchimento ">
+            <a:extLst>
+              <a:ext uri="{FF2B5EF4-FFF2-40B4-BE49-F238E27FC236}">
+                <a16:creationId xmlns:a16="http://schemas.microsoft.com/office/drawing/2014/main" id="{EB620387-BC03-C04F-A9EE-FC43D4C0A9DE}"/>
+              </a:ext>
+            </a:extLst>
+          </p:cNvPr>
+          <p:cNvPicPr>
+            <a:picLocks noChangeAspect="1"/>
+          </p:cNvPicPr>
+          <p:nvPr/>
+        </p:nvPicPr>
+        <p:blipFill>
+          <a:blip r:embed="rId3">
+            <a:extLst>
+              <a:ext uri="{28A0092B-C50C-407E-A947-70E740481C1C}">
+                <a14:useLocalDpi xmlns:a14="http://schemas.microsoft.com/office/drawing/2010/main" val="0"/>
+              </a:ext>
+              <a:ext uri="{96DAC541-7B7A-43D3-8B79-37D633B846F1}">
+                <asvg:svgBlip xmlns:asvg="http://schemas.microsoft.com/office/drawing/2016/SVG/main" r:embed="rId4"/>
+              </a:ext>
+            </a:extLst>
+          </a:blip>
+          <a:stretch>
+            <a:fillRect/>
+          </a:stretch>
+        </p:blipFill>
+        <p:spPr>
+          <a:xfrm>
+            <a:off x="9631115" y="3442920"/>
+            <a:ext cx="647241" cy="647241"/>
+          </a:xfrm>
+          <a:prstGeom prst="rect">
+            <a:avLst/>
+          </a:prstGeom>
+        </p:spPr>
+      </p:pic>
+      <p:pic>
+        <p:nvPicPr>
+          <p:cNvPr id="45" name="Gráfico 44" descr="Fala">
+            <a:extLst>
+              <a:ext uri="{FF2B5EF4-FFF2-40B4-BE49-F238E27FC236}">
+                <a16:creationId xmlns:a16="http://schemas.microsoft.com/office/drawing/2014/main" id="{88279770-2068-B349-A6E8-9C2BEC2B11D7}"/>
+              </a:ext>
+            </a:extLst>
+          </p:cNvPr>
+          <p:cNvPicPr>
+            <a:picLocks noChangeAspect="1"/>
+          </p:cNvPicPr>
+          <p:nvPr/>
+        </p:nvPicPr>
+        <p:blipFill>
+          <a:blip r:embed="rId9">
+            <a:extLst>
+              <a:ext uri="{28A0092B-C50C-407E-A947-70E740481C1C}">
+                <a14:useLocalDpi xmlns:a14="http://schemas.microsoft.com/office/drawing/2010/main" val="0"/>
+              </a:ext>
+              <a:ext uri="{96DAC541-7B7A-43D3-8B79-37D633B846F1}">
+                <asvg:svgBlip xmlns:asvg="http://schemas.microsoft.com/office/drawing/2016/SVG/main" r:embed="rId10"/>
+              </a:ext>
+            </a:extLst>
+          </a:blip>
+          <a:stretch>
+            <a:fillRect/>
+          </a:stretch>
+        </p:blipFill>
+        <p:spPr>
+          <a:xfrm>
+            <a:off x="11825309" y="5611058"/>
+            <a:ext cx="914400" cy="914400"/>
+          </a:xfrm>
+          <a:prstGeom prst="rect">
+            <a:avLst/>
+          </a:prstGeom>
+        </p:spPr>
+      </p:pic>
+      <p:sp>
+        <p:nvSpPr>
+          <p:cNvPr id="46" name="Retângulo 45">
+            <a:extLst>
+              <a:ext uri="{FF2B5EF4-FFF2-40B4-BE49-F238E27FC236}">
+                <a16:creationId xmlns:a16="http://schemas.microsoft.com/office/drawing/2014/main" id="{6EC6302A-726D-744D-B452-E19B4A706296}"/>
+              </a:ext>
+            </a:extLst>
+          </p:cNvPr>
+          <p:cNvSpPr/>
+          <p:nvPr/>
+        </p:nvSpPr>
+        <p:spPr>
+          <a:xfrm>
+            <a:off x="4557657" y="4512796"/>
+            <a:ext cx="2002715" cy="692497"/>
+          </a:xfrm>
+          <a:prstGeom prst="rect">
+            <a:avLst/>
+          </a:prstGeom>
+        </p:spPr>
+        <p:txBody>
+          <a:bodyPr wrap="square" lIns="91440" tIns="45720" rIns="91440" bIns="45720" anchor="t">
+            <a:spAutoFit/>
+          </a:bodyPr>
+          <a:lstStyle/>
+          <a:p>
+            <a:pPr marL="342900" indent="-342900">
+              <a:buFont typeface="Arial" panose="020B0604020202020204" pitchFamily="34" charset="0"/>
+              <a:buChar char="•"/>
+            </a:pPr>
+            <a:r>
+              <a:rPr lang="pt-BR" sz="1300" dirty="0">
+                <a:latin typeface="Exo 2"/>
+              </a:rPr>
+              <a:t>Me sinto seguro a doar após responder o questionário</a:t>
+            </a:r>
+          </a:p>
+        </p:txBody>
+      </p:sp>
+      <p:sp>
+        <p:nvSpPr>
+          <p:cNvPr id="44" name="Seta: Pentágono 43">
+            <a:extLst>
+              <a:ext uri="{FF2B5EF4-FFF2-40B4-BE49-F238E27FC236}">
+                <a16:creationId xmlns:a16="http://schemas.microsoft.com/office/drawing/2014/main" id="{EC0ECD08-F6D1-4B4C-9B6D-85B36D0A54BE}"/>
+              </a:ext>
+            </a:extLst>
+          </p:cNvPr>
+          <p:cNvSpPr/>
+          <p:nvPr/>
+        </p:nvSpPr>
+        <p:spPr>
+          <a:xfrm>
+            <a:off x="2425104" y="1350520"/>
+            <a:ext cx="1869566" cy="625642"/>
+          </a:xfrm>
+          <a:prstGeom prst="homePlate">
+            <a:avLst/>
+          </a:prstGeom>
+          <a:solidFill>
+            <a:srgbClr val="32B9CD"/>
+          </a:solidFill>
+          <a:ln>
+            <a:noFill/>
+          </a:ln>
+        </p:spPr>
+        <p:style>
+          <a:lnRef idx="2">
+            <a:schemeClr val="accent1">
+              <a:shade val="50000"/>
+            </a:schemeClr>
+          </a:lnRef>
+          <a:fillRef idx="1">
+            <a:schemeClr val="accent1"/>
+          </a:fillRef>
+          <a:effectRef idx="0">
+            <a:schemeClr val="accent1"/>
+          </a:effectRef>
+          <a:fontRef idx="minor">
+            <a:schemeClr val="lt1"/>
+          </a:fontRef>
+        </p:style>
+        <p:txBody>
+          <a:bodyPr lIns="91440" tIns="45720" rIns="91440" bIns="45720" rtlCol="0" anchor="ctr"/>
+          <a:lstStyle/>
+          <a:p>
+            <a:pPr algn="ctr"/>
+            <a:r>
+              <a:rPr lang="pt-BR" dirty="0"/>
+              <a:t>MANUAL</a:t>
+            </a:r>
+          </a:p>
+        </p:txBody>
+      </p:sp>
+      <p:sp>
+        <p:nvSpPr>
+          <p:cNvPr id="47" name="Retângulo 46">
+            <a:extLst>
+              <a:ext uri="{FF2B5EF4-FFF2-40B4-BE49-F238E27FC236}">
+                <a16:creationId xmlns:a16="http://schemas.microsoft.com/office/drawing/2014/main" id="{2C425C74-CBA9-44E2-968B-86DA8C93F593}"/>
+              </a:ext>
+            </a:extLst>
+          </p:cNvPr>
+          <p:cNvSpPr/>
+          <p:nvPr/>
+        </p:nvSpPr>
+        <p:spPr>
+          <a:xfrm>
+            <a:off x="2219269" y="2263211"/>
+            <a:ext cx="1792560" cy="692497"/>
+          </a:xfrm>
+          <a:prstGeom prst="rect">
+            <a:avLst/>
+          </a:prstGeom>
+        </p:spPr>
+        <p:txBody>
+          <a:bodyPr wrap="square" lIns="91440" tIns="45720" rIns="91440" bIns="45720" anchor="t">
+            <a:spAutoFit/>
+          </a:bodyPr>
+          <a:lstStyle/>
+          <a:p>
+            <a:pPr marL="342900" indent="-342900">
+              <a:buFont typeface="Arial" panose="020B0604020202020204" pitchFamily="34" charset="0"/>
+              <a:buChar char="•"/>
+            </a:pPr>
+            <a:r>
+              <a:rPr lang="pt-BR" sz="1300" dirty="0">
+                <a:latin typeface="Exo 2"/>
+              </a:rPr>
+              <a:t>Vai até o hemocentro por conta própria</a:t>
+            </a:r>
+          </a:p>
+        </p:txBody>
+      </p:sp>
+      <p:pic>
+        <p:nvPicPr>
+          <p:cNvPr id="49" name="Gráfico 1" descr="Rosto neutro sem preenchimento ">
+            <a:extLst>
+              <a:ext uri="{FF2B5EF4-FFF2-40B4-BE49-F238E27FC236}">
+                <a16:creationId xmlns:a16="http://schemas.microsoft.com/office/drawing/2014/main" id="{1E707C43-F151-4966-9617-D0D0CFC4C4FF}"/>
+              </a:ext>
+            </a:extLst>
+          </p:cNvPr>
+          <p:cNvPicPr>
+            <a:picLocks noChangeAspect="1"/>
+          </p:cNvPicPr>
+          <p:nvPr/>
+        </p:nvPicPr>
+        <p:blipFill>
+          <a:blip r:embed="rId11">
+            <a:extLst>
+              <a:ext uri="{28A0092B-C50C-407E-A947-70E740481C1C}">
+                <a14:useLocalDpi xmlns:a14="http://schemas.microsoft.com/office/drawing/2010/main" val="0"/>
+              </a:ext>
+              <a:ext uri="{96DAC541-7B7A-43D3-8B79-37D633B846F1}">
+                <asvg:svgBlip xmlns:asvg="http://schemas.microsoft.com/office/drawing/2016/SVG/main" r:embed="rId12"/>
+              </a:ext>
+            </a:extLst>
+          </a:blip>
+          <a:stretch>
+            <a:fillRect/>
+          </a:stretch>
+        </p:blipFill>
+        <p:spPr>
+          <a:xfrm>
+            <a:off x="2877241" y="3397870"/>
+            <a:ext cx="647241" cy="647241"/>
+          </a:xfrm>
+          <a:prstGeom prst="rect">
+            <a:avLst/>
+          </a:prstGeom>
+        </p:spPr>
+      </p:pic>
+      <p:sp>
+        <p:nvSpPr>
+          <p:cNvPr id="52" name="Retângulo 51">
+            <a:extLst>
+              <a:ext uri="{FF2B5EF4-FFF2-40B4-BE49-F238E27FC236}">
+                <a16:creationId xmlns:a16="http://schemas.microsoft.com/office/drawing/2014/main" id="{8797A261-93FF-4882-B0FB-5654FA232815}"/>
+              </a:ext>
+            </a:extLst>
+          </p:cNvPr>
+          <p:cNvSpPr/>
+          <p:nvPr/>
+        </p:nvSpPr>
+        <p:spPr>
+          <a:xfrm>
+            <a:off x="2330297" y="4487362"/>
+            <a:ext cx="2002715" cy="892552"/>
+          </a:xfrm>
+          <a:prstGeom prst="rect">
+            <a:avLst/>
+          </a:prstGeom>
+        </p:spPr>
+        <p:txBody>
+          <a:bodyPr wrap="square" lIns="91440" tIns="45720" rIns="91440" bIns="45720" anchor="t">
+            <a:spAutoFit/>
+          </a:bodyPr>
+          <a:lstStyle/>
+          <a:p>
+            <a:pPr marL="342900" indent="-342900">
+              <a:buFont typeface="Arial" panose="020B0604020202020204" pitchFamily="34" charset="0"/>
+              <a:buChar char="•"/>
+            </a:pPr>
+            <a:r>
+              <a:rPr lang="pt-BR" sz="1300" dirty="0">
+                <a:latin typeface="Exo 2"/>
+              </a:rPr>
+              <a:t>Não entendo se posso doar ou se precisam do meu sangue</a:t>
+            </a:r>
+          </a:p>
+        </p:txBody>
+      </p:sp>
+      <p:sp>
+        <p:nvSpPr>
+          <p:cNvPr id="54" name="Retângulo 53">
+            <a:extLst>
+              <a:ext uri="{FF2B5EF4-FFF2-40B4-BE49-F238E27FC236}">
+                <a16:creationId xmlns:a16="http://schemas.microsoft.com/office/drawing/2014/main" id="{C6E9FCA4-D23E-4792-9216-78D3EF794DA2}"/>
+              </a:ext>
+            </a:extLst>
+          </p:cNvPr>
+          <p:cNvSpPr/>
+          <p:nvPr/>
+        </p:nvSpPr>
+        <p:spPr>
+          <a:xfrm>
+            <a:off x="4554697" y="6609427"/>
+            <a:ext cx="2200728" cy="692497"/>
+          </a:xfrm>
+          <a:prstGeom prst="rect">
+            <a:avLst/>
+          </a:prstGeom>
+        </p:spPr>
+        <p:txBody>
+          <a:bodyPr wrap="square" lIns="91440" tIns="45720" rIns="91440" bIns="45720" anchor="t">
+            <a:spAutoFit/>
+          </a:bodyPr>
+          <a:lstStyle/>
+          <a:p>
+            <a:pPr marL="342900" indent="-342900">
+              <a:buFont typeface="Arial" panose="020B0604020202020204" pitchFamily="34" charset="0"/>
+              <a:buChar char="•"/>
+            </a:pPr>
+            <a:r>
+              <a:rPr lang="pt-BR" sz="1300" dirty="0">
+                <a:latin typeface="Exo 2"/>
+              </a:rPr>
+              <a:t>Questionário para informar o usuário sua condição de doador</a:t>
+            </a:r>
+          </a:p>
+        </p:txBody>
+      </p:sp>
+      <p:sp>
+        <p:nvSpPr>
+          <p:cNvPr id="55" name="Retângulo 54">
+            <a:extLst>
+              <a:ext uri="{FF2B5EF4-FFF2-40B4-BE49-F238E27FC236}">
+                <a16:creationId xmlns:a16="http://schemas.microsoft.com/office/drawing/2014/main" id="{53F780DB-1EDD-4FBF-8AFD-34B23E76F4D4}"/>
+              </a:ext>
+            </a:extLst>
+          </p:cNvPr>
+          <p:cNvSpPr/>
+          <p:nvPr/>
+        </p:nvSpPr>
+        <p:spPr>
+          <a:xfrm>
+            <a:off x="2195385" y="6609427"/>
+            <a:ext cx="2200728" cy="692497"/>
+          </a:xfrm>
+          <a:prstGeom prst="rect">
+            <a:avLst/>
+          </a:prstGeom>
+        </p:spPr>
+        <p:txBody>
+          <a:bodyPr wrap="square" lIns="91440" tIns="45720" rIns="91440" bIns="45720" anchor="t">
+            <a:spAutoFit/>
+          </a:bodyPr>
+          <a:lstStyle/>
+          <a:p>
+            <a:pPr marL="342900" indent="-342900">
+              <a:buFont typeface="Arial" panose="020B0604020202020204" pitchFamily="34" charset="0"/>
+              <a:buChar char="•"/>
+            </a:pPr>
+            <a:r>
+              <a:rPr lang="pt-BR" sz="1300" dirty="0">
+                <a:latin typeface="Exo 2"/>
+              </a:rPr>
+              <a:t>Ter um sistema que informa e incentiva uma doação inteligente</a:t>
+            </a:r>
+            <a:endParaRPr lang="pt-BR" sz="1300" dirty="0"/>
+          </a:p>
+        </p:txBody>
+      </p:sp>
+      <p:sp>
+        <p:nvSpPr>
+          <p:cNvPr id="57" name="Retângulo 56">
+            <a:extLst>
+              <a:ext uri="{FF2B5EF4-FFF2-40B4-BE49-F238E27FC236}">
+                <a16:creationId xmlns:a16="http://schemas.microsoft.com/office/drawing/2014/main" id="{DCA83EC6-351E-49C9-8A5B-56C00986B1B3}"/>
+              </a:ext>
+            </a:extLst>
+          </p:cNvPr>
+          <p:cNvSpPr/>
+          <p:nvPr/>
+        </p:nvSpPr>
+        <p:spPr>
+          <a:xfrm>
+            <a:off x="2222896" y="5473010"/>
+            <a:ext cx="2002715" cy="338554"/>
+          </a:xfrm>
+          <a:prstGeom prst="rect">
+            <a:avLst/>
+          </a:prstGeom>
+        </p:spPr>
+        <p:txBody>
+          <a:bodyPr wrap="square" lIns="91440" tIns="45720" rIns="91440" bIns="45720" anchor="t">
+            <a:spAutoFit/>
+          </a:bodyPr>
+          <a:lstStyle/>
+          <a:p>
+            <a:pPr marL="342900" indent="-342900">
+              <a:buFont typeface="Arial" panose="020B0604020202020204" pitchFamily="34" charset="0"/>
+              <a:buChar char="•"/>
+            </a:pPr>
+            <a:endParaRPr lang="pt-BR" sz="1600" dirty="0">
+              <a:latin typeface="Exo 2"/>
+            </a:endParaRPr>
+          </a:p>
+        </p:txBody>
+      </p:sp>
+      <p:pic>
+        <p:nvPicPr>
+          <p:cNvPr id="2" name="Gráfico 4" descr="Documento">
+            <a:extLst>
+              <a:ext uri="{FF2B5EF4-FFF2-40B4-BE49-F238E27FC236}">
+                <a16:creationId xmlns:a16="http://schemas.microsoft.com/office/drawing/2014/main" id="{AF9D4A78-8B66-4DAA-8FA4-013B407E568E}"/>
+              </a:ext>
+            </a:extLst>
+          </p:cNvPr>
+          <p:cNvPicPr>
+            <a:picLocks noChangeAspect="1"/>
+          </p:cNvPicPr>
+          <p:nvPr/>
+        </p:nvPicPr>
+        <p:blipFill>
+          <a:blip r:embed="rId13">
+            <a:extLst>
+              <a:ext uri="{96DAC541-7B7A-43D3-8B79-37D633B846F1}">
+                <asvg:svgBlip xmlns:asvg="http://schemas.microsoft.com/office/drawing/2016/SVG/main" r:embed="rId14"/>
+              </a:ext>
+            </a:extLst>
+          </a:blip>
+          <a:stretch>
+            <a:fillRect/>
+          </a:stretch>
+        </p:blipFill>
+        <p:spPr>
+          <a:xfrm>
+            <a:off x="2765024" y="5562372"/>
+            <a:ext cx="913949" cy="914400"/>
+          </a:xfrm>
+          <a:prstGeom prst="rect">
+            <a:avLst/>
+          </a:prstGeom>
+        </p:spPr>
+      </p:pic>
+      <p:pic>
+        <p:nvPicPr>
+          <p:cNvPr id="5" name="Gráfico 5" descr="Ponto de interrogação">
+            <a:extLst>
+              <a:ext uri="{FF2B5EF4-FFF2-40B4-BE49-F238E27FC236}">
+                <a16:creationId xmlns:a16="http://schemas.microsoft.com/office/drawing/2014/main" id="{12C0CA99-1687-4AEA-8DF2-B0C24C900095}"/>
+              </a:ext>
+            </a:extLst>
+          </p:cNvPr>
+          <p:cNvPicPr>
+            <a:picLocks noChangeAspect="1"/>
+          </p:cNvPicPr>
+          <p:nvPr/>
+        </p:nvPicPr>
+        <p:blipFill>
+          <a:blip r:embed="rId15">
+            <a:extLst>
+              <a:ext uri="{96DAC541-7B7A-43D3-8B79-37D633B846F1}">
+                <asvg:svgBlip xmlns:asvg="http://schemas.microsoft.com/office/drawing/2016/SVG/main" r:embed="rId16"/>
+              </a:ext>
+            </a:extLst>
+          </a:blip>
+          <a:stretch>
+            <a:fillRect/>
+          </a:stretch>
+        </p:blipFill>
+        <p:spPr>
+          <a:xfrm>
+            <a:off x="3385361" y="3298500"/>
+            <a:ext cx="418915" cy="441134"/>
+          </a:xfrm>
+          <a:prstGeom prst="rect">
+            <a:avLst/>
+          </a:prstGeom>
+        </p:spPr>
+      </p:pic>
+      <p:sp>
+        <p:nvSpPr>
+          <p:cNvPr id="58" name="Retângulo 57">
+            <a:extLst>
+              <a:ext uri="{FF2B5EF4-FFF2-40B4-BE49-F238E27FC236}">
+                <a16:creationId xmlns:a16="http://schemas.microsoft.com/office/drawing/2014/main" id="{3BDC690B-6720-4B4E-8AB1-28AFFDC119C4}"/>
+              </a:ext>
+            </a:extLst>
+          </p:cNvPr>
+          <p:cNvSpPr/>
+          <p:nvPr/>
+        </p:nvSpPr>
+        <p:spPr>
+          <a:xfrm>
+            <a:off x="6713986" y="6638842"/>
+            <a:ext cx="2200728" cy="692497"/>
+          </a:xfrm>
+          <a:prstGeom prst="rect">
+            <a:avLst/>
+          </a:prstGeom>
+        </p:spPr>
+        <p:txBody>
+          <a:bodyPr wrap="square" lIns="91440" tIns="45720" rIns="91440" bIns="45720" anchor="t">
+            <a:spAutoFit/>
+          </a:bodyPr>
+          <a:lstStyle/>
+          <a:p>
+            <a:pPr marL="342900" indent="-342900">
+              <a:buFont typeface="Arial" panose="020B0604020202020204" pitchFamily="34" charset="0"/>
+              <a:buChar char="•"/>
+            </a:pPr>
+            <a:r>
+              <a:rPr lang="pt-BR" sz="1300" dirty="0">
+                <a:latin typeface="Exo 2"/>
+              </a:rPr>
+              <a:t>Sistema para notificar usuários da necessidade do seu sangue</a:t>
+            </a:r>
+          </a:p>
+        </p:txBody>
+      </p:sp>
+      <p:sp>
+        <p:nvSpPr>
+          <p:cNvPr id="59" name="Retângulo 58">
+            <a:extLst>
+              <a:ext uri="{FF2B5EF4-FFF2-40B4-BE49-F238E27FC236}">
+                <a16:creationId xmlns:a16="http://schemas.microsoft.com/office/drawing/2014/main" id="{5163857D-FA59-4C0C-A20A-22FB1028A89E}"/>
+              </a:ext>
+            </a:extLst>
+          </p:cNvPr>
+          <p:cNvSpPr/>
+          <p:nvPr/>
+        </p:nvSpPr>
+        <p:spPr>
+          <a:xfrm>
+            <a:off x="8993256" y="6627587"/>
+            <a:ext cx="2288734" cy="692497"/>
+          </a:xfrm>
+          <a:prstGeom prst="rect">
+            <a:avLst/>
+          </a:prstGeom>
+        </p:spPr>
+        <p:txBody>
+          <a:bodyPr wrap="square" lIns="91440" tIns="45720" rIns="91440" bIns="45720" anchor="t">
+            <a:spAutoFit/>
+          </a:bodyPr>
+          <a:lstStyle/>
+          <a:p>
+            <a:pPr marL="342900" indent="-342900">
+              <a:buFont typeface="Arial" panose="020B0604020202020204" pitchFamily="34" charset="0"/>
+              <a:buChar char="•"/>
+            </a:pPr>
+            <a:r>
+              <a:rPr lang="pt-BR" sz="1300" dirty="0">
+                <a:latin typeface="Exo 2"/>
+              </a:rPr>
+              <a:t>O usuário conseguir visualizar os estoques próximos</a:t>
+            </a:r>
+          </a:p>
+        </p:txBody>
+      </p:sp>
+      <p:sp>
+        <p:nvSpPr>
+          <p:cNvPr id="60" name="Retângulo 59">
+            <a:extLst>
+              <a:ext uri="{FF2B5EF4-FFF2-40B4-BE49-F238E27FC236}">
+                <a16:creationId xmlns:a16="http://schemas.microsoft.com/office/drawing/2014/main" id="{72CA8C57-E7DE-4432-84C9-6276EA3C6A04}"/>
+              </a:ext>
+            </a:extLst>
+          </p:cNvPr>
+          <p:cNvSpPr/>
+          <p:nvPr/>
+        </p:nvSpPr>
+        <p:spPr>
+          <a:xfrm>
+            <a:off x="10986769" y="6530747"/>
+            <a:ext cx="2200728" cy="692497"/>
+          </a:xfrm>
+          <a:prstGeom prst="rect">
+            <a:avLst/>
+          </a:prstGeom>
+        </p:spPr>
+        <p:txBody>
+          <a:bodyPr wrap="square" lIns="91440" tIns="45720" rIns="91440" bIns="45720" anchor="t">
+            <a:spAutoFit/>
+          </a:bodyPr>
+          <a:lstStyle/>
+          <a:p>
+            <a:pPr marL="342900" indent="-342900">
+              <a:buFont typeface="Arial" panose="020B0604020202020204" pitchFamily="34" charset="0"/>
+              <a:buChar char="•"/>
+            </a:pPr>
+            <a:r>
+              <a:rPr lang="pt-BR" sz="1300" dirty="0">
+                <a:latin typeface="Exo 2"/>
+              </a:rPr>
+              <a:t>Compartilhar nas redes sociais para aumentar engajamento</a:t>
+            </a:r>
+          </a:p>
+        </p:txBody>
+      </p:sp>
+      <p:pic>
+        <p:nvPicPr>
+          <p:cNvPr id="51" name="Imagem 50" descr="Logotipo&#10;&#10;Descrição gerada automaticamente">
+            <a:extLst>
+              <a:ext uri="{FF2B5EF4-FFF2-40B4-BE49-F238E27FC236}">
+                <a16:creationId xmlns:a16="http://schemas.microsoft.com/office/drawing/2014/main" id="{1DE9F17B-70F8-4CEF-BA29-6A3C58A56529}"/>
+              </a:ext>
+            </a:extLst>
+          </p:cNvPr>
+          <p:cNvPicPr>
+            <a:picLocks noChangeAspect="1"/>
+          </p:cNvPicPr>
+          <p:nvPr/>
+        </p:nvPicPr>
+        <p:blipFill>
+          <a:blip r:embed="rId17" cstate="print">
             <a:extLst>
               <a:ext uri="{28A0092B-C50C-407E-A947-70E740481C1C}">
                 <a14:useLocalDpi xmlns:a14="http://schemas.microsoft.com/office/drawing/2010/main" val="0"/>
@@ -12230,46 +15555,10 @@
           </a:prstGeom>
         </p:spPr>
       </p:pic>
-      <p:pic>
-        <p:nvPicPr>
-          <p:cNvPr id="9" name="Imagem 8" descr="Interface gráfica do usuário, Aplicativo, Word&#10;&#10;Descrição gerada automaticamente">
-            <a:extLst>
-              <a:ext uri="{FF2B5EF4-FFF2-40B4-BE49-F238E27FC236}">
-                <a16:creationId xmlns:a16="http://schemas.microsoft.com/office/drawing/2014/main" id="{107EAFC2-629B-4E76-BB48-671074787A37}"/>
-              </a:ext>
-            </a:extLst>
-          </p:cNvPr>
-          <p:cNvPicPr>
-            <a:picLocks noChangeAspect="1"/>
-          </p:cNvPicPr>
-          <p:nvPr/>
-        </p:nvPicPr>
-        <p:blipFill>
-          <a:blip r:embed="rId3" cstate="print">
-            <a:extLst>
-              <a:ext uri="{28A0092B-C50C-407E-A947-70E740481C1C}">
-                <a14:useLocalDpi xmlns:a14="http://schemas.microsoft.com/office/drawing/2010/main" val="0"/>
-              </a:ext>
-            </a:extLst>
-          </a:blip>
-          <a:stretch>
-            <a:fillRect/>
-          </a:stretch>
-        </p:blipFill>
-        <p:spPr>
-          <a:xfrm>
-            <a:off x="1659708" y="872536"/>
-            <a:ext cx="9722182" cy="6578769"/>
-          </a:xfrm>
-          <a:prstGeom prst="rect">
-            <a:avLst/>
-          </a:prstGeom>
-        </p:spPr>
-      </p:pic>
     </p:spTree>
     <p:extLst>
       <p:ext uri="{BB962C8B-B14F-4D97-AF65-F5344CB8AC3E}">
-        <p14:creationId xmlns:p14="http://schemas.microsoft.com/office/powerpoint/2010/main" val="1887618719"/>
+        <p14:creationId xmlns:p14="http://schemas.microsoft.com/office/powerpoint/2010/main" val="1010721534"/>
       </p:ext>
     </p:extLst>
   </p:cSld>
@@ -12342,7 +15631,7 @@
           <a:p>
             <a:r>
               <a:rPr lang="pt-BR" dirty="0"/>
-              <a:t>7. </a:t>
+              <a:t>6. </a:t>
             </a:r>
             <a:r>
               <a:rPr lang="pt-BR" noProof="1"/>
@@ -12454,6 +15743,45 @@
           <a:chExt cx="0" cy="0"/>
         </a:xfrm>
       </p:grpSpPr>
+      <p:pic>
+        <p:nvPicPr>
+          <p:cNvPr id="12" name="Gráfico 11" descr="Rosto neutro sem preenchimento ">
+            <a:extLst>
+              <a:ext uri="{FF2B5EF4-FFF2-40B4-BE49-F238E27FC236}">
+                <a16:creationId xmlns:a16="http://schemas.microsoft.com/office/drawing/2014/main" id="{D6AE4F59-9C35-4782-BFF3-697D06530C1E}"/>
+              </a:ext>
+            </a:extLst>
+          </p:cNvPr>
+          <p:cNvPicPr>
+            <a:picLocks noChangeAspect="1"/>
+          </p:cNvPicPr>
+          <p:nvPr/>
+        </p:nvPicPr>
+        <p:blipFill>
+          <a:blip r:embed="rId3">
+            <a:extLst>
+              <a:ext uri="{28A0092B-C50C-407E-A947-70E740481C1C}">
+                <a14:useLocalDpi xmlns:a14="http://schemas.microsoft.com/office/drawing/2010/main" val="0"/>
+              </a:ext>
+              <a:ext uri="{96DAC541-7B7A-43D3-8B79-37D633B846F1}">
+                <asvg:svgBlip xmlns:asvg="http://schemas.microsoft.com/office/drawing/2016/SVG/main" r:embed="rId4"/>
+              </a:ext>
+            </a:extLst>
+          </a:blip>
+          <a:stretch>
+            <a:fillRect/>
+          </a:stretch>
+        </p:blipFill>
+        <p:spPr>
+          <a:xfrm>
+            <a:off x="3316858" y="3413329"/>
+            <a:ext cx="801861" cy="801861"/>
+          </a:xfrm>
+          <a:prstGeom prst="rect">
+            <a:avLst/>
+          </a:prstGeom>
+        </p:spPr>
+      </p:pic>
       <p:sp>
         <p:nvSpPr>
           <p:cNvPr id="3" name="Espaço Reservado para Número de Slide 2"/>
@@ -12500,22 +15828,1011 @@
           <a:p>
             <a:r>
               <a:rPr lang="pt-BR" dirty="0"/>
-              <a:t>8. </a:t>
+              <a:t>6.1 Jornada do Usuário (Administradora Hospitalar)</a:t>
+            </a:r>
+          </a:p>
+        </p:txBody>
+      </p:sp>
+      <p:sp>
+        <p:nvSpPr>
+          <p:cNvPr id="7" name="Seta: Pentágono 6">
+            <a:extLst>
+              <a:ext uri="{FF2B5EF4-FFF2-40B4-BE49-F238E27FC236}">
+                <a16:creationId xmlns:a16="http://schemas.microsoft.com/office/drawing/2014/main" id="{FFD3DC5B-CCF8-4D95-A962-9E9AD67FABBC}"/>
+              </a:ext>
+            </a:extLst>
+          </p:cNvPr>
+          <p:cNvSpPr/>
+          <p:nvPr/>
+        </p:nvSpPr>
+        <p:spPr>
+          <a:xfrm>
+            <a:off x="2630935" y="1085629"/>
+            <a:ext cx="2518611" cy="625642"/>
+          </a:xfrm>
+          <a:prstGeom prst="homePlate">
+            <a:avLst/>
+          </a:prstGeom>
+          <a:solidFill>
+            <a:srgbClr val="32B9CD"/>
+          </a:solidFill>
+          <a:ln>
+            <a:noFill/>
+          </a:ln>
+        </p:spPr>
+        <p:style>
+          <a:lnRef idx="2">
+            <a:schemeClr val="accent1">
+              <a:shade val="50000"/>
+            </a:schemeClr>
+          </a:lnRef>
+          <a:fillRef idx="1">
+            <a:schemeClr val="accent1"/>
+          </a:fillRef>
+          <a:effectRef idx="0">
+            <a:schemeClr val="accent1"/>
+          </a:effectRef>
+          <a:fontRef idx="minor">
+            <a:schemeClr val="lt1"/>
+          </a:fontRef>
+        </p:style>
+        <p:txBody>
+          <a:bodyPr rtlCol="0" anchor="ctr"/>
+          <a:lstStyle/>
+          <a:p>
+            <a:pPr algn="ctr"/>
+            <a:r>
+              <a:rPr lang="pt-BR" dirty="0"/>
+              <a:t>PROMOVER</a:t>
+            </a:r>
+          </a:p>
+          <a:p>
+            <a:pPr algn="ctr"/>
+            <a:r>
+              <a:rPr lang="pt-BR" dirty="0"/>
+              <a:t>DOAÇÃO</a:t>
+            </a:r>
+          </a:p>
+        </p:txBody>
+      </p:sp>
+      <p:sp>
+        <p:nvSpPr>
+          <p:cNvPr id="8" name="Seta: Pentágono 7">
+            <a:extLst>
+              <a:ext uri="{FF2B5EF4-FFF2-40B4-BE49-F238E27FC236}">
+                <a16:creationId xmlns:a16="http://schemas.microsoft.com/office/drawing/2014/main" id="{1246D602-D2E6-4673-951D-352CAEA74EC5}"/>
+              </a:ext>
+            </a:extLst>
+          </p:cNvPr>
+          <p:cNvSpPr/>
+          <p:nvPr/>
+        </p:nvSpPr>
+        <p:spPr>
+          <a:xfrm>
+            <a:off x="5171781" y="1085629"/>
+            <a:ext cx="2518611" cy="625642"/>
+          </a:xfrm>
+          <a:prstGeom prst="homePlate">
+            <a:avLst/>
+          </a:prstGeom>
+          <a:solidFill>
+            <a:srgbClr val="32B9CD"/>
+          </a:solidFill>
+          <a:ln>
+            <a:noFill/>
+          </a:ln>
+        </p:spPr>
+        <p:style>
+          <a:lnRef idx="2">
+            <a:schemeClr val="accent1">
+              <a:shade val="50000"/>
+            </a:schemeClr>
+          </a:lnRef>
+          <a:fillRef idx="1">
+            <a:schemeClr val="accent1"/>
+          </a:fillRef>
+          <a:effectRef idx="0">
+            <a:schemeClr val="accent1"/>
+          </a:effectRef>
+          <a:fontRef idx="minor">
+            <a:schemeClr val="lt1"/>
+          </a:fontRef>
+        </p:style>
+        <p:txBody>
+          <a:bodyPr rtlCol="0" anchor="ctr"/>
+          <a:lstStyle/>
+          <a:p>
+            <a:pPr algn="ctr"/>
+            <a:r>
+              <a:rPr lang="pt-BR" dirty="0"/>
+              <a:t>ATUALIZA ESTOQUE</a:t>
+            </a:r>
+          </a:p>
+        </p:txBody>
+      </p:sp>
+      <p:sp>
+        <p:nvSpPr>
+          <p:cNvPr id="9" name="Seta: Pentágono 8">
+            <a:extLst>
+              <a:ext uri="{FF2B5EF4-FFF2-40B4-BE49-F238E27FC236}">
+                <a16:creationId xmlns:a16="http://schemas.microsoft.com/office/drawing/2014/main" id="{A8CAF408-7AEF-46A5-BE2C-9BE73369B7E1}"/>
+              </a:ext>
+            </a:extLst>
+          </p:cNvPr>
+          <p:cNvSpPr/>
+          <p:nvPr/>
+        </p:nvSpPr>
+        <p:spPr>
+          <a:xfrm>
+            <a:off x="7712627" y="1085629"/>
+            <a:ext cx="2518611" cy="625642"/>
+          </a:xfrm>
+          <a:prstGeom prst="homePlate">
+            <a:avLst/>
+          </a:prstGeom>
+          <a:solidFill>
+            <a:srgbClr val="32B9CD"/>
+          </a:solidFill>
+          <a:ln>
+            <a:noFill/>
+          </a:ln>
+        </p:spPr>
+        <p:style>
+          <a:lnRef idx="2">
+            <a:schemeClr val="accent1">
+              <a:shade val="50000"/>
+            </a:schemeClr>
+          </a:lnRef>
+          <a:fillRef idx="1">
+            <a:schemeClr val="accent1"/>
+          </a:fillRef>
+          <a:effectRef idx="0">
+            <a:schemeClr val="accent1"/>
+          </a:effectRef>
+          <a:fontRef idx="minor">
+            <a:schemeClr val="lt1"/>
+          </a:fontRef>
+        </p:style>
+        <p:txBody>
+          <a:bodyPr rtlCol="0" anchor="ctr"/>
+          <a:lstStyle/>
+          <a:p>
+            <a:pPr algn="ctr"/>
+            <a:r>
+              <a:rPr lang="pt-BR" dirty="0"/>
+              <a:t>REALIZA TRIAGEM</a:t>
+            </a:r>
+          </a:p>
+        </p:txBody>
+      </p:sp>
+      <p:sp>
+        <p:nvSpPr>
+          <p:cNvPr id="10" name="Seta: Pentágono 9">
+            <a:extLst>
+              <a:ext uri="{FF2B5EF4-FFF2-40B4-BE49-F238E27FC236}">
+                <a16:creationId xmlns:a16="http://schemas.microsoft.com/office/drawing/2014/main" id="{2E5D830F-E594-4A4E-865A-ED3EF8AED2C7}"/>
+              </a:ext>
+            </a:extLst>
+          </p:cNvPr>
+          <p:cNvSpPr/>
+          <p:nvPr/>
+        </p:nvSpPr>
+        <p:spPr>
+          <a:xfrm>
+            <a:off x="10319469" y="1085629"/>
+            <a:ext cx="2518611" cy="625642"/>
+          </a:xfrm>
+          <a:prstGeom prst="homePlate">
+            <a:avLst/>
+          </a:prstGeom>
+          <a:solidFill>
+            <a:srgbClr val="32B9CD"/>
+          </a:solidFill>
+          <a:ln>
+            <a:noFill/>
+          </a:ln>
+        </p:spPr>
+        <p:style>
+          <a:lnRef idx="2">
+            <a:schemeClr val="accent1">
+              <a:shade val="50000"/>
+            </a:schemeClr>
+          </a:lnRef>
+          <a:fillRef idx="1">
+            <a:schemeClr val="accent1"/>
+          </a:fillRef>
+          <a:effectRef idx="0">
+            <a:schemeClr val="accent1"/>
+          </a:effectRef>
+          <a:fontRef idx="minor">
+            <a:schemeClr val="lt1"/>
+          </a:fontRef>
+        </p:style>
+        <p:txBody>
+          <a:bodyPr rtlCol="0" anchor="ctr"/>
+          <a:lstStyle/>
+          <a:p>
+            <a:pPr algn="ctr"/>
+            <a:r>
+              <a:rPr lang="pt-BR" dirty="0"/>
+              <a:t>COLETA O SANGUE</a:t>
+            </a:r>
+          </a:p>
+        </p:txBody>
+      </p:sp>
+      <p:cxnSp>
+        <p:nvCxnSpPr>
+          <p:cNvPr id="13" name="Conector reto 12">
+            <a:extLst>
+              <a:ext uri="{FF2B5EF4-FFF2-40B4-BE49-F238E27FC236}">
+                <a16:creationId xmlns:a16="http://schemas.microsoft.com/office/drawing/2014/main" id="{230C587B-167A-4046-8193-FE5D0F2BD5AD}"/>
+              </a:ext>
+            </a:extLst>
+          </p:cNvPr>
+          <p:cNvCxnSpPr/>
+          <p:nvPr/>
+        </p:nvCxnSpPr>
+        <p:spPr>
+          <a:xfrm>
+            <a:off x="248653" y="1888030"/>
+            <a:ext cx="12744000" cy="0"/>
+          </a:xfrm>
+          <a:prstGeom prst="line">
+            <a:avLst/>
+          </a:prstGeom>
+          <a:ln>
+            <a:solidFill>
+              <a:srgbClr val="32B9CD"/>
+            </a:solidFill>
+          </a:ln>
+        </p:spPr>
+        <p:style>
+          <a:lnRef idx="1">
+            <a:schemeClr val="accent1"/>
+          </a:lnRef>
+          <a:fillRef idx="0">
+            <a:schemeClr val="accent1"/>
+          </a:fillRef>
+          <a:effectRef idx="0">
+            <a:schemeClr val="accent1"/>
+          </a:effectRef>
+          <a:fontRef idx="minor">
+            <a:schemeClr val="tx1"/>
+          </a:fontRef>
+        </p:style>
+      </p:cxnSp>
+      <p:sp>
+        <p:nvSpPr>
+          <p:cNvPr id="14" name="Retângulo 13">
+            <a:extLst>
+              <a:ext uri="{FF2B5EF4-FFF2-40B4-BE49-F238E27FC236}">
+                <a16:creationId xmlns:a16="http://schemas.microsoft.com/office/drawing/2014/main" id="{C76ED18D-BAB8-4623-9F47-429CD0C89156}"/>
+              </a:ext>
+            </a:extLst>
+          </p:cNvPr>
+          <p:cNvSpPr/>
+          <p:nvPr/>
+        </p:nvSpPr>
+        <p:spPr>
+          <a:xfrm>
+            <a:off x="2599018" y="1875727"/>
+            <a:ext cx="2048752" cy="1492716"/>
+          </a:xfrm>
+          <a:prstGeom prst="rect">
+            <a:avLst/>
+          </a:prstGeom>
+        </p:spPr>
+        <p:txBody>
+          <a:bodyPr wrap="square">
+            <a:spAutoFit/>
+          </a:bodyPr>
+          <a:lstStyle/>
+          <a:p>
+            <a:pPr marL="342900" indent="-342900">
+              <a:buFont typeface="Arial" panose="020B0604020202020204" pitchFamily="34" charset="0"/>
+              <a:buChar char="•"/>
+            </a:pPr>
+            <a:r>
+              <a:rPr lang="pt-BR" sz="1300" dirty="0">
+                <a:latin typeface="Exo 2" panose="00000500000000000000" pitchFamily="50" charset="0"/>
+              </a:rPr>
+              <a:t>Faz campanhas para atingir mais pessoas</a:t>
+            </a:r>
+          </a:p>
+          <a:p>
+            <a:pPr marL="342900" indent="-342900">
+              <a:buFont typeface="Arial" panose="020B0604020202020204" pitchFamily="34" charset="0"/>
+              <a:buChar char="•"/>
+            </a:pPr>
+            <a:r>
+              <a:rPr lang="pt-BR" sz="1300" dirty="0">
+                <a:latin typeface="Exo 2" panose="00000500000000000000" pitchFamily="50" charset="0"/>
+              </a:rPr>
+              <a:t>Tenta conscientizar a população</a:t>
+            </a:r>
+          </a:p>
+          <a:p>
+            <a:pPr marL="342900" indent="-342900">
+              <a:buFont typeface="Arial" panose="020B0604020202020204" pitchFamily="34" charset="0"/>
+              <a:buChar char="•"/>
+            </a:pPr>
+            <a:r>
+              <a:rPr lang="pt-BR" sz="1300" dirty="0">
+                <a:latin typeface="Exo 2" panose="00000500000000000000" pitchFamily="50" charset="0"/>
+              </a:rPr>
+              <a:t>Oferecem recompensas para voluntários</a:t>
+            </a:r>
+          </a:p>
+        </p:txBody>
+      </p:sp>
+      <p:cxnSp>
+        <p:nvCxnSpPr>
+          <p:cNvPr id="15" name="Conector reto 14">
+            <a:extLst>
+              <a:ext uri="{FF2B5EF4-FFF2-40B4-BE49-F238E27FC236}">
+                <a16:creationId xmlns:a16="http://schemas.microsoft.com/office/drawing/2014/main" id="{E8282CFB-9587-4BFA-A168-54B336E1D1FD}"/>
+              </a:ext>
+            </a:extLst>
+          </p:cNvPr>
+          <p:cNvCxnSpPr/>
+          <p:nvPr/>
+        </p:nvCxnSpPr>
+        <p:spPr>
+          <a:xfrm>
+            <a:off x="248653" y="3322947"/>
+            <a:ext cx="12744000" cy="0"/>
+          </a:xfrm>
+          <a:prstGeom prst="line">
+            <a:avLst/>
+          </a:prstGeom>
+          <a:ln>
+            <a:solidFill>
+              <a:srgbClr val="32B9CD"/>
+            </a:solidFill>
+          </a:ln>
+        </p:spPr>
+        <p:style>
+          <a:lnRef idx="1">
+            <a:schemeClr val="accent1"/>
+          </a:lnRef>
+          <a:fillRef idx="0">
+            <a:schemeClr val="accent1"/>
+          </a:fillRef>
+          <a:effectRef idx="0">
+            <a:schemeClr val="accent1"/>
+          </a:effectRef>
+          <a:fontRef idx="minor">
+            <a:schemeClr val="tx1"/>
+          </a:fontRef>
+        </p:style>
+      </p:cxnSp>
+      <p:sp>
+        <p:nvSpPr>
+          <p:cNvPr id="17" name="Retângulo 16">
+            <a:extLst>
+              <a:ext uri="{FF2B5EF4-FFF2-40B4-BE49-F238E27FC236}">
+                <a16:creationId xmlns:a16="http://schemas.microsoft.com/office/drawing/2014/main" id="{E924F593-86B6-43D8-BBC2-C83416E7E647}"/>
+              </a:ext>
+            </a:extLst>
+          </p:cNvPr>
+          <p:cNvSpPr/>
+          <p:nvPr/>
+        </p:nvSpPr>
+        <p:spPr>
+          <a:xfrm>
+            <a:off x="248653" y="1152697"/>
+            <a:ext cx="2184972" cy="769441"/>
+          </a:xfrm>
+          <a:prstGeom prst="rect">
+            <a:avLst/>
+          </a:prstGeom>
+        </p:spPr>
+        <p:txBody>
+          <a:bodyPr wrap="square">
+            <a:spAutoFit/>
+          </a:bodyPr>
+          <a:lstStyle/>
+          <a:p>
+            <a:r>
+              <a:rPr lang="pt-BR" sz="2800" b="1" dirty="0">
+                <a:solidFill>
+                  <a:srgbClr val="E6005A"/>
+                </a:solidFill>
+                <a:latin typeface="Exo 2" panose="00000500000000000000" pitchFamily="50" charset="0"/>
+              </a:rPr>
+              <a:t>Fases </a:t>
             </a:r>
             <a:r>
-              <a:rPr lang="pt-BR" noProof="1"/>
-              <a:t>PM Canvas</a:t>
+              <a:rPr lang="pt-BR" sz="1600" b="1" dirty="0">
+                <a:solidFill>
+                  <a:srgbClr val="E6005A"/>
+                </a:solidFill>
+                <a:latin typeface="Exo 2" panose="00000500000000000000" pitchFamily="50" charset="0"/>
+              </a:rPr>
+              <a:t>(utilizador)</a:t>
             </a:r>
-            <a:endParaRPr lang="pt-BR" dirty="0"/>
+          </a:p>
+        </p:txBody>
+      </p:sp>
+      <p:sp>
+        <p:nvSpPr>
+          <p:cNvPr id="18" name="Retângulo 17">
+            <a:extLst>
+              <a:ext uri="{FF2B5EF4-FFF2-40B4-BE49-F238E27FC236}">
+                <a16:creationId xmlns:a16="http://schemas.microsoft.com/office/drawing/2014/main" id="{56D4EF9F-24DA-4535-8158-6E054700D6C9}"/>
+              </a:ext>
+            </a:extLst>
+          </p:cNvPr>
+          <p:cNvSpPr/>
+          <p:nvPr/>
+        </p:nvSpPr>
+        <p:spPr>
+          <a:xfrm>
+            <a:off x="248653" y="2163934"/>
+            <a:ext cx="2184972" cy="800219"/>
+          </a:xfrm>
+          <a:prstGeom prst="rect">
+            <a:avLst/>
+          </a:prstGeom>
+        </p:spPr>
+        <p:txBody>
+          <a:bodyPr wrap="square">
+            <a:spAutoFit/>
+          </a:bodyPr>
+          <a:lstStyle/>
+          <a:p>
+            <a:r>
+              <a:rPr lang="pt-BR" sz="2800" b="1" dirty="0">
+                <a:solidFill>
+                  <a:srgbClr val="E6005A"/>
+                </a:solidFill>
+                <a:latin typeface="Exo 2" panose="00000500000000000000" pitchFamily="50" charset="0"/>
+              </a:rPr>
+              <a:t>Faz</a:t>
+            </a:r>
+          </a:p>
+          <a:p>
+            <a:r>
+              <a:rPr lang="pt-BR" sz="1800" b="1" dirty="0">
+                <a:solidFill>
+                  <a:srgbClr val="E6005A"/>
+                </a:solidFill>
+                <a:latin typeface="Exo 2" panose="00000500000000000000" pitchFamily="50" charset="0"/>
+              </a:rPr>
+              <a:t>(ações do usuário) </a:t>
+            </a:r>
+          </a:p>
+        </p:txBody>
+      </p:sp>
+      <p:sp>
+        <p:nvSpPr>
+          <p:cNvPr id="30" name="Retângulo 29">
+            <a:extLst>
+              <a:ext uri="{FF2B5EF4-FFF2-40B4-BE49-F238E27FC236}">
+                <a16:creationId xmlns:a16="http://schemas.microsoft.com/office/drawing/2014/main" id="{A54099A1-86BA-49DD-921E-A12E1EA75F22}"/>
+              </a:ext>
+            </a:extLst>
+          </p:cNvPr>
+          <p:cNvSpPr/>
+          <p:nvPr/>
+        </p:nvSpPr>
+        <p:spPr>
+          <a:xfrm>
+            <a:off x="248653" y="3295700"/>
+            <a:ext cx="2382248" cy="830997"/>
+          </a:xfrm>
+          <a:prstGeom prst="rect">
+            <a:avLst/>
+          </a:prstGeom>
+        </p:spPr>
+        <p:txBody>
+          <a:bodyPr wrap="square">
+            <a:spAutoFit/>
+          </a:bodyPr>
+          <a:lstStyle/>
+          <a:p>
+            <a:r>
+              <a:rPr lang="pt-BR" sz="2800" b="1" dirty="0">
+                <a:solidFill>
+                  <a:srgbClr val="E6005A"/>
+                </a:solidFill>
+                <a:latin typeface="Exo 2" panose="00000500000000000000" pitchFamily="50" charset="0"/>
+              </a:rPr>
+              <a:t>Sente</a:t>
+            </a:r>
+          </a:p>
+          <a:p>
+            <a:r>
+              <a:rPr lang="pt-BR" sz="2000" b="1" dirty="0">
+                <a:solidFill>
+                  <a:srgbClr val="E6005A"/>
+                </a:solidFill>
+                <a:latin typeface="Exo 2" panose="00000500000000000000" pitchFamily="50" charset="0"/>
+              </a:rPr>
+              <a:t>(dores do usuário) </a:t>
+            </a:r>
+          </a:p>
+        </p:txBody>
+      </p:sp>
+      <p:cxnSp>
+        <p:nvCxnSpPr>
+          <p:cNvPr id="31" name="Conector reto 30">
+            <a:extLst>
+              <a:ext uri="{FF2B5EF4-FFF2-40B4-BE49-F238E27FC236}">
+                <a16:creationId xmlns:a16="http://schemas.microsoft.com/office/drawing/2014/main" id="{CC0D5044-B87E-4741-83CC-572EC6DF96A2}"/>
+              </a:ext>
+            </a:extLst>
+          </p:cNvPr>
+          <p:cNvCxnSpPr/>
+          <p:nvPr/>
+        </p:nvCxnSpPr>
+        <p:spPr>
+          <a:xfrm>
+            <a:off x="248653" y="4320521"/>
+            <a:ext cx="12744000" cy="0"/>
+          </a:xfrm>
+          <a:prstGeom prst="line">
+            <a:avLst/>
+          </a:prstGeom>
+          <a:ln>
+            <a:solidFill>
+              <a:srgbClr val="32B9CD"/>
+            </a:solidFill>
+          </a:ln>
+        </p:spPr>
+        <p:style>
+          <a:lnRef idx="1">
+            <a:schemeClr val="accent1"/>
+          </a:lnRef>
+          <a:fillRef idx="0">
+            <a:schemeClr val="accent1"/>
+          </a:fillRef>
+          <a:effectRef idx="0">
+            <a:schemeClr val="accent1"/>
+          </a:effectRef>
+          <a:fontRef idx="minor">
+            <a:schemeClr val="tx1"/>
+          </a:fontRef>
+        </p:style>
+      </p:cxnSp>
+      <p:sp>
+        <p:nvSpPr>
+          <p:cNvPr id="32" name="Retângulo 31">
+            <a:extLst>
+              <a:ext uri="{FF2B5EF4-FFF2-40B4-BE49-F238E27FC236}">
+                <a16:creationId xmlns:a16="http://schemas.microsoft.com/office/drawing/2014/main" id="{057FCB7D-5B0A-4D23-AEF9-7F2AA1E30C76}"/>
+              </a:ext>
+            </a:extLst>
+          </p:cNvPr>
+          <p:cNvSpPr/>
+          <p:nvPr/>
+        </p:nvSpPr>
+        <p:spPr>
+          <a:xfrm>
+            <a:off x="2604175" y="4566880"/>
+            <a:ext cx="2430379" cy="692497"/>
+          </a:xfrm>
+          <a:prstGeom prst="rect">
+            <a:avLst/>
+          </a:prstGeom>
+        </p:spPr>
+        <p:txBody>
+          <a:bodyPr wrap="square">
+            <a:spAutoFit/>
+          </a:bodyPr>
+          <a:lstStyle/>
+          <a:p>
+            <a:pPr marL="342900" indent="-342900">
+              <a:buFont typeface="Arial" panose="020B0604020202020204" pitchFamily="34" charset="0"/>
+              <a:buChar char="•"/>
+            </a:pPr>
+            <a:r>
+              <a:rPr lang="pt-BR" sz="1300" dirty="0">
+                <a:latin typeface="Exo 2" panose="00000500000000000000" pitchFamily="50" charset="0"/>
+              </a:rPr>
+              <a:t>As pessoas não entendem a importância da doação de sangue</a:t>
+            </a:r>
+          </a:p>
+        </p:txBody>
+      </p:sp>
+      <p:cxnSp>
+        <p:nvCxnSpPr>
+          <p:cNvPr id="33" name="Conector reto 32">
+            <a:extLst>
+              <a:ext uri="{FF2B5EF4-FFF2-40B4-BE49-F238E27FC236}">
+                <a16:creationId xmlns:a16="http://schemas.microsoft.com/office/drawing/2014/main" id="{9D1FDD8A-6877-49FB-A4A9-32172D6FE06F}"/>
+              </a:ext>
+            </a:extLst>
+          </p:cNvPr>
+          <p:cNvCxnSpPr/>
+          <p:nvPr/>
+        </p:nvCxnSpPr>
+        <p:spPr>
+          <a:xfrm>
+            <a:off x="248653" y="5541029"/>
+            <a:ext cx="12744000" cy="0"/>
+          </a:xfrm>
+          <a:prstGeom prst="line">
+            <a:avLst/>
+          </a:prstGeom>
+          <a:ln>
+            <a:solidFill>
+              <a:srgbClr val="32B9CD"/>
+            </a:solidFill>
+          </a:ln>
+        </p:spPr>
+        <p:style>
+          <a:lnRef idx="1">
+            <a:schemeClr val="accent1"/>
+          </a:lnRef>
+          <a:fillRef idx="0">
+            <a:schemeClr val="accent1"/>
+          </a:fillRef>
+          <a:effectRef idx="0">
+            <a:schemeClr val="accent1"/>
+          </a:effectRef>
+          <a:fontRef idx="minor">
+            <a:schemeClr val="tx1"/>
+          </a:fontRef>
+        </p:style>
+      </p:cxnSp>
+      <p:sp>
+        <p:nvSpPr>
+          <p:cNvPr id="34" name="Retângulo 33">
+            <a:extLst>
+              <a:ext uri="{FF2B5EF4-FFF2-40B4-BE49-F238E27FC236}">
+                <a16:creationId xmlns:a16="http://schemas.microsoft.com/office/drawing/2014/main" id="{65DFBC55-8446-4393-8E00-5D2F0A377509}"/>
+              </a:ext>
+            </a:extLst>
+          </p:cNvPr>
+          <p:cNvSpPr/>
+          <p:nvPr/>
+        </p:nvSpPr>
+        <p:spPr>
+          <a:xfrm>
+            <a:off x="248653" y="4417854"/>
+            <a:ext cx="2184972" cy="830997"/>
+          </a:xfrm>
+          <a:prstGeom prst="rect">
+            <a:avLst/>
+          </a:prstGeom>
+        </p:spPr>
+        <p:txBody>
+          <a:bodyPr wrap="square">
+            <a:spAutoFit/>
+          </a:bodyPr>
+          <a:lstStyle/>
+          <a:p>
+            <a:r>
+              <a:rPr lang="pt-BR" sz="2800" b="1" dirty="0">
+                <a:solidFill>
+                  <a:srgbClr val="E6005A"/>
+                </a:solidFill>
+                <a:latin typeface="Exo 2" panose="00000500000000000000" pitchFamily="50" charset="0"/>
+              </a:rPr>
+              <a:t>Pensa</a:t>
+            </a:r>
+          </a:p>
+          <a:p>
+            <a:r>
+              <a:rPr lang="pt-BR" sz="2000" b="1" dirty="0">
+                <a:solidFill>
+                  <a:srgbClr val="E6005A"/>
+                </a:solidFill>
+                <a:latin typeface="Exo 2" panose="00000500000000000000" pitchFamily="50" charset="0"/>
+              </a:rPr>
+              <a:t>(usuário) </a:t>
+            </a:r>
+          </a:p>
+        </p:txBody>
+      </p:sp>
+      <p:sp>
+        <p:nvSpPr>
+          <p:cNvPr id="36" name="Retângulo 35">
+            <a:extLst>
+              <a:ext uri="{FF2B5EF4-FFF2-40B4-BE49-F238E27FC236}">
+                <a16:creationId xmlns:a16="http://schemas.microsoft.com/office/drawing/2014/main" id="{5988A0C7-9A9A-45F9-B41F-429C2C02D082}"/>
+              </a:ext>
+            </a:extLst>
+          </p:cNvPr>
+          <p:cNvSpPr/>
+          <p:nvPr/>
+        </p:nvSpPr>
+        <p:spPr>
+          <a:xfrm>
+            <a:off x="248653" y="5633149"/>
+            <a:ext cx="2184972" cy="800219"/>
+          </a:xfrm>
+          <a:prstGeom prst="rect">
+            <a:avLst/>
+          </a:prstGeom>
+        </p:spPr>
+        <p:txBody>
+          <a:bodyPr wrap="square">
+            <a:spAutoFit/>
+          </a:bodyPr>
+          <a:lstStyle/>
+          <a:p>
+            <a:r>
+              <a:rPr lang="pt-BR" sz="2800" b="1" dirty="0">
+                <a:solidFill>
+                  <a:srgbClr val="E6005A"/>
+                </a:solidFill>
+                <a:latin typeface="Exo 2" panose="00000500000000000000" pitchFamily="50" charset="0"/>
+              </a:rPr>
+              <a:t>Canal</a:t>
+            </a:r>
+          </a:p>
+          <a:p>
+            <a:r>
+              <a:rPr lang="pt-BR" sz="1800" b="1" dirty="0">
+                <a:solidFill>
+                  <a:srgbClr val="E6005A"/>
+                </a:solidFill>
+                <a:latin typeface="Exo 2" panose="00000500000000000000" pitchFamily="50" charset="0"/>
+              </a:rPr>
+              <a:t>(ponto de contato) </a:t>
+            </a:r>
+          </a:p>
+        </p:txBody>
+      </p:sp>
+      <p:cxnSp>
+        <p:nvCxnSpPr>
+          <p:cNvPr id="37" name="Conector reto 36">
+            <a:extLst>
+              <a:ext uri="{FF2B5EF4-FFF2-40B4-BE49-F238E27FC236}">
+                <a16:creationId xmlns:a16="http://schemas.microsoft.com/office/drawing/2014/main" id="{465783DE-DC9B-4E81-A205-39F651C9CE0E}"/>
+              </a:ext>
+            </a:extLst>
+          </p:cNvPr>
+          <p:cNvCxnSpPr/>
+          <p:nvPr/>
+        </p:nvCxnSpPr>
+        <p:spPr>
+          <a:xfrm>
+            <a:off x="248653" y="6526315"/>
+            <a:ext cx="12744000" cy="0"/>
+          </a:xfrm>
+          <a:prstGeom prst="line">
+            <a:avLst/>
+          </a:prstGeom>
+          <a:ln>
+            <a:solidFill>
+              <a:srgbClr val="32B9CD"/>
+            </a:solidFill>
+          </a:ln>
+        </p:spPr>
+        <p:style>
+          <a:lnRef idx="1">
+            <a:schemeClr val="accent1"/>
+          </a:lnRef>
+          <a:fillRef idx="0">
+            <a:schemeClr val="accent1"/>
+          </a:fillRef>
+          <a:effectRef idx="0">
+            <a:schemeClr val="accent1"/>
+          </a:effectRef>
+          <a:fontRef idx="minor">
+            <a:schemeClr val="tx1"/>
+          </a:fontRef>
+        </p:style>
+      </p:cxnSp>
+      <p:sp>
+        <p:nvSpPr>
+          <p:cNvPr id="50" name="Retângulo 49">
+            <a:extLst>
+              <a:ext uri="{FF2B5EF4-FFF2-40B4-BE49-F238E27FC236}">
+                <a16:creationId xmlns:a16="http://schemas.microsoft.com/office/drawing/2014/main" id="{9A498E02-A53D-43C5-8A8C-E911C378ACFE}"/>
+              </a:ext>
+            </a:extLst>
+          </p:cNvPr>
+          <p:cNvSpPr/>
+          <p:nvPr/>
+        </p:nvSpPr>
+        <p:spPr>
+          <a:xfrm>
+            <a:off x="256675" y="6555567"/>
+            <a:ext cx="2184972" cy="800219"/>
+          </a:xfrm>
+          <a:prstGeom prst="rect">
+            <a:avLst/>
+          </a:prstGeom>
+        </p:spPr>
+        <p:txBody>
+          <a:bodyPr wrap="square">
+            <a:spAutoFit/>
+          </a:bodyPr>
+          <a:lstStyle/>
+          <a:p>
+            <a:r>
+              <a:rPr lang="pt-BR" sz="2800" b="1" dirty="0">
+                <a:solidFill>
+                  <a:srgbClr val="E6005A"/>
+                </a:solidFill>
+                <a:latin typeface="Exo 2" panose="00000500000000000000" pitchFamily="50" charset="0"/>
+              </a:rPr>
+              <a:t>Proposta</a:t>
+            </a:r>
+          </a:p>
+          <a:p>
+            <a:r>
+              <a:rPr lang="pt-BR" sz="1800" b="1" dirty="0">
+                <a:solidFill>
+                  <a:srgbClr val="E6005A"/>
+                </a:solidFill>
+                <a:latin typeface="Exo 2" panose="00000500000000000000" pitchFamily="50" charset="0"/>
+              </a:rPr>
+              <a:t>(mudanças) </a:t>
+            </a:r>
+          </a:p>
+        </p:txBody>
+      </p:sp>
+      <p:sp>
+        <p:nvSpPr>
+          <p:cNvPr id="51" name="Retângulo 50">
+            <a:extLst>
+              <a:ext uri="{FF2B5EF4-FFF2-40B4-BE49-F238E27FC236}">
+                <a16:creationId xmlns:a16="http://schemas.microsoft.com/office/drawing/2014/main" id="{C8A70B33-92D8-4986-AA19-E48CE787D15D}"/>
+              </a:ext>
+            </a:extLst>
+          </p:cNvPr>
+          <p:cNvSpPr/>
+          <p:nvPr/>
+        </p:nvSpPr>
+        <p:spPr>
+          <a:xfrm>
+            <a:off x="2630901" y="6832463"/>
+            <a:ext cx="2426760" cy="492443"/>
+          </a:xfrm>
+          <a:prstGeom prst="rect">
+            <a:avLst/>
+          </a:prstGeom>
+        </p:spPr>
+        <p:txBody>
+          <a:bodyPr wrap="square">
+            <a:spAutoFit/>
+          </a:bodyPr>
+          <a:lstStyle/>
+          <a:p>
+            <a:pPr marL="342900" indent="-342900">
+              <a:buFont typeface="Arial" panose="020B0604020202020204" pitchFamily="34" charset="0"/>
+              <a:buChar char="•"/>
+            </a:pPr>
+            <a:r>
+              <a:rPr lang="pt-BR" sz="1300" dirty="0">
+                <a:latin typeface="Exo 2" panose="00000500000000000000" pitchFamily="50" charset="0"/>
+              </a:rPr>
+              <a:t>Ter um sistema para facilitar a busca de doadores</a:t>
+            </a:r>
+          </a:p>
+        </p:txBody>
+      </p:sp>
+      <p:sp>
+        <p:nvSpPr>
+          <p:cNvPr id="2" name="Retângulo 1">
+            <a:extLst>
+              <a:ext uri="{FF2B5EF4-FFF2-40B4-BE49-F238E27FC236}">
+                <a16:creationId xmlns:a16="http://schemas.microsoft.com/office/drawing/2014/main" id="{EBC020F3-E856-4E10-98C7-44CD896FD8CB}"/>
+              </a:ext>
+            </a:extLst>
+          </p:cNvPr>
+          <p:cNvSpPr/>
+          <p:nvPr/>
+        </p:nvSpPr>
+        <p:spPr>
+          <a:xfrm>
+            <a:off x="5149512" y="2108189"/>
+            <a:ext cx="2518611" cy="692497"/>
+          </a:xfrm>
+          <a:prstGeom prst="rect">
+            <a:avLst/>
+          </a:prstGeom>
+        </p:spPr>
+        <p:txBody>
+          <a:bodyPr wrap="square">
+            <a:spAutoFit/>
+          </a:bodyPr>
+          <a:lstStyle/>
+          <a:p>
+            <a:pPr marL="342900" indent="-342900">
+              <a:buFont typeface="Arial" panose="020B0604020202020204" pitchFamily="34" charset="0"/>
+              <a:buChar char="•"/>
+            </a:pPr>
+            <a:r>
+              <a:rPr lang="pt-BR" sz="1300" dirty="0">
+                <a:latin typeface="Exo 2" panose="00000500000000000000" pitchFamily="50" charset="0"/>
+              </a:rPr>
+              <a:t>Atualiza as quantidades de cada tipo sanguíneo no aplicativo</a:t>
+            </a:r>
+          </a:p>
+        </p:txBody>
+      </p:sp>
+      <p:sp>
+        <p:nvSpPr>
+          <p:cNvPr id="5" name="Retângulo 4">
+            <a:extLst>
+              <a:ext uri="{FF2B5EF4-FFF2-40B4-BE49-F238E27FC236}">
+                <a16:creationId xmlns:a16="http://schemas.microsoft.com/office/drawing/2014/main" id="{F39F15B6-A583-462E-96AF-05C1C0B9D7DA}"/>
+              </a:ext>
+            </a:extLst>
+          </p:cNvPr>
+          <p:cNvSpPr/>
+          <p:nvPr/>
+        </p:nvSpPr>
+        <p:spPr>
+          <a:xfrm>
+            <a:off x="7712627" y="2122814"/>
+            <a:ext cx="2518611" cy="492443"/>
+          </a:xfrm>
+          <a:prstGeom prst="rect">
+            <a:avLst/>
+          </a:prstGeom>
+        </p:spPr>
+        <p:txBody>
+          <a:bodyPr wrap="square">
+            <a:spAutoFit/>
+          </a:bodyPr>
+          <a:lstStyle/>
+          <a:p>
+            <a:pPr marL="342900" indent="-342900">
+              <a:buFont typeface="Arial" panose="020B0604020202020204" pitchFamily="34" charset="0"/>
+              <a:buChar char="•"/>
+            </a:pPr>
+            <a:r>
+              <a:rPr lang="pt-BR" sz="1300" dirty="0">
+                <a:latin typeface="Exo 2" panose="00000500000000000000" pitchFamily="50" charset="0"/>
+              </a:rPr>
+              <a:t>Verifica se o voluntário é realmente apto para doar</a:t>
+            </a:r>
+          </a:p>
+        </p:txBody>
+      </p:sp>
+      <p:sp>
+        <p:nvSpPr>
+          <p:cNvPr id="6" name="Retângulo 5">
+            <a:extLst>
+              <a:ext uri="{FF2B5EF4-FFF2-40B4-BE49-F238E27FC236}">
+                <a16:creationId xmlns:a16="http://schemas.microsoft.com/office/drawing/2014/main" id="{56E0C76E-1B89-49D6-857C-54ADD3DE5D24}"/>
+              </a:ext>
+            </a:extLst>
+          </p:cNvPr>
+          <p:cNvSpPr/>
+          <p:nvPr/>
+        </p:nvSpPr>
+        <p:spPr>
+          <a:xfrm>
+            <a:off x="10319470" y="2166807"/>
+            <a:ext cx="2518611" cy="492443"/>
+          </a:xfrm>
+          <a:prstGeom prst="rect">
+            <a:avLst/>
+          </a:prstGeom>
+        </p:spPr>
+        <p:txBody>
+          <a:bodyPr wrap="square">
+            <a:spAutoFit/>
+          </a:bodyPr>
+          <a:lstStyle/>
+          <a:p>
+            <a:pPr marL="342900" indent="-342900">
+              <a:buFont typeface="Arial" panose="020B0604020202020204" pitchFamily="34" charset="0"/>
+              <a:buChar char="•"/>
+            </a:pPr>
+            <a:r>
+              <a:rPr lang="pt-BR" sz="1300" dirty="0">
+                <a:latin typeface="Exo 2" panose="00000500000000000000" pitchFamily="50" charset="0"/>
+              </a:rPr>
+              <a:t>Se o voluntário for apto, o sangue é coletado</a:t>
+            </a:r>
           </a:p>
         </p:txBody>
       </p:sp>
       <p:pic>
         <p:nvPicPr>
-          <p:cNvPr id="7" name="Imagem 6" descr="Logotipo&#10;&#10;Descrição gerada automaticamente">
+          <p:cNvPr id="19" name="Gráfico 18" descr="Rosto sorrindo sem preenchimento ">
             <a:extLst>
               <a:ext uri="{FF2B5EF4-FFF2-40B4-BE49-F238E27FC236}">
-                <a16:creationId xmlns:a16="http://schemas.microsoft.com/office/drawing/2014/main" id="{68014229-FA21-4D93-8CEB-1C05B66B2FA1}"/>
+                <a16:creationId xmlns:a16="http://schemas.microsoft.com/office/drawing/2014/main" id="{607AC642-95F7-4D20-8BC9-86C1FCF8E400}"/>
               </a:ext>
             </a:extLst>
           </p:cNvPr>
@@ -12525,10 +16842,13 @@
           <p:nvPr/>
         </p:nvPicPr>
         <p:blipFill>
-          <a:blip r:embed="rId2" cstate="print">
+          <a:blip r:embed="rId5">
             <a:extLst>
               <a:ext uri="{28A0092B-C50C-407E-A947-70E740481C1C}">
                 <a14:useLocalDpi xmlns:a14="http://schemas.microsoft.com/office/drawing/2010/main" val="0"/>
+              </a:ext>
+              <a:ext uri="{96DAC541-7B7A-43D3-8B79-37D633B846F1}">
+                <asvg:svgBlip xmlns:asvg="http://schemas.microsoft.com/office/drawing/2016/SVG/main" r:embed="rId6"/>
               </a:ext>
             </a:extLst>
           </a:blip>
@@ -12538,8 +16858,164 @@
         </p:blipFill>
         <p:spPr>
           <a:xfrm>
-            <a:off x="12440520" y="132773"/>
-            <a:ext cx="793604" cy="943445"/>
+            <a:off x="11271890" y="3396225"/>
+            <a:ext cx="801862" cy="801862"/>
+          </a:xfrm>
+          <a:prstGeom prst="rect">
+            <a:avLst/>
+          </a:prstGeom>
+        </p:spPr>
+      </p:pic>
+      <p:sp>
+        <p:nvSpPr>
+          <p:cNvPr id="21" name="Retângulo 20">
+            <a:extLst>
+              <a:ext uri="{FF2B5EF4-FFF2-40B4-BE49-F238E27FC236}">
+                <a16:creationId xmlns:a16="http://schemas.microsoft.com/office/drawing/2014/main" id="{B9215075-CD7C-4D9F-86A6-28F130C88D34}"/>
+              </a:ext>
+            </a:extLst>
+          </p:cNvPr>
+          <p:cNvSpPr/>
+          <p:nvPr/>
+        </p:nvSpPr>
+        <p:spPr>
+          <a:xfrm>
+            <a:off x="5171781" y="4557231"/>
+            <a:ext cx="2430379" cy="692497"/>
+          </a:xfrm>
+          <a:prstGeom prst="rect">
+            <a:avLst/>
+          </a:prstGeom>
+        </p:spPr>
+        <p:txBody>
+          <a:bodyPr wrap="square">
+            <a:spAutoFit/>
+          </a:bodyPr>
+          <a:lstStyle/>
+          <a:p>
+            <a:pPr marL="342900" indent="-342900">
+              <a:buFont typeface="Arial" panose="020B0604020202020204" pitchFamily="34" charset="0"/>
+              <a:buChar char="•"/>
+            </a:pPr>
+            <a:r>
+              <a:rPr lang="pt-BR" sz="1300" dirty="0">
+                <a:latin typeface="Exo 2" panose="00000500000000000000" pitchFamily="50" charset="0"/>
+              </a:rPr>
+              <a:t>Que bacana, o aplicativo já vai fazer a promoção para mim. </a:t>
+            </a:r>
+          </a:p>
+        </p:txBody>
+      </p:sp>
+      <p:sp>
+        <p:nvSpPr>
+          <p:cNvPr id="23" name="Retângulo 22">
+            <a:extLst>
+              <a:ext uri="{FF2B5EF4-FFF2-40B4-BE49-F238E27FC236}">
+                <a16:creationId xmlns:a16="http://schemas.microsoft.com/office/drawing/2014/main" id="{FEBFBCEC-D358-4CE7-9653-5877D4BB4DB2}"/>
+              </a:ext>
+            </a:extLst>
+          </p:cNvPr>
+          <p:cNvSpPr/>
+          <p:nvPr/>
+        </p:nvSpPr>
+        <p:spPr>
+          <a:xfrm>
+            <a:off x="7712627" y="4557230"/>
+            <a:ext cx="2430379" cy="692497"/>
+          </a:xfrm>
+          <a:prstGeom prst="rect">
+            <a:avLst/>
+          </a:prstGeom>
+        </p:spPr>
+        <p:txBody>
+          <a:bodyPr wrap="square">
+            <a:spAutoFit/>
+          </a:bodyPr>
+          <a:lstStyle/>
+          <a:p>
+            <a:pPr marL="342900" indent="-342900">
+              <a:buFont typeface="Arial" panose="020B0604020202020204" pitchFamily="34" charset="0"/>
+              <a:buChar char="•"/>
+            </a:pPr>
+            <a:r>
+              <a:rPr lang="pt-BR" sz="1300" dirty="0">
+                <a:latin typeface="Exo 2" panose="00000500000000000000" pitchFamily="50" charset="0"/>
+              </a:rPr>
+              <a:t>Os voluntários estão sendo mais informados sobre os requisitos.</a:t>
+            </a:r>
+          </a:p>
+        </p:txBody>
+      </p:sp>
+      <p:sp>
+        <p:nvSpPr>
+          <p:cNvPr id="25" name="Retângulo 24">
+            <a:extLst>
+              <a:ext uri="{FF2B5EF4-FFF2-40B4-BE49-F238E27FC236}">
+                <a16:creationId xmlns:a16="http://schemas.microsoft.com/office/drawing/2014/main" id="{ABA9B4D6-0978-4922-8298-9A007031E5CA}"/>
+              </a:ext>
+            </a:extLst>
+          </p:cNvPr>
+          <p:cNvSpPr/>
+          <p:nvPr/>
+        </p:nvSpPr>
+        <p:spPr>
+          <a:xfrm>
+            <a:off x="10231238" y="4555744"/>
+            <a:ext cx="2430379" cy="692497"/>
+          </a:xfrm>
+          <a:prstGeom prst="rect">
+            <a:avLst/>
+          </a:prstGeom>
+        </p:spPr>
+        <p:txBody>
+          <a:bodyPr wrap="square">
+            <a:spAutoFit/>
+          </a:bodyPr>
+          <a:lstStyle/>
+          <a:p>
+            <a:pPr marL="342900" indent="-342900">
+              <a:buFont typeface="Arial" panose="020B0604020202020204" pitchFamily="34" charset="0"/>
+              <a:buChar char="•"/>
+            </a:pPr>
+            <a:r>
+              <a:rPr lang="pt-BR" sz="1300" dirty="0">
+                <a:latin typeface="Exo 2" panose="00000500000000000000" pitchFamily="50" charset="0"/>
+              </a:rPr>
+              <a:t>Nosso banco de sangue está com o estoque maior e mais equilibrado</a:t>
+            </a:r>
+          </a:p>
+        </p:txBody>
+      </p:sp>
+      <p:pic>
+        <p:nvPicPr>
+          <p:cNvPr id="20" name="Imagem 19">
+            <a:extLst>
+              <a:ext uri="{FF2B5EF4-FFF2-40B4-BE49-F238E27FC236}">
+                <a16:creationId xmlns:a16="http://schemas.microsoft.com/office/drawing/2014/main" id="{0A64089D-E207-4DFB-9F5F-AFA73A03D1CC}"/>
+              </a:ext>
+            </a:extLst>
+          </p:cNvPr>
+          <p:cNvPicPr>
+            <a:picLocks noChangeAspect="1"/>
+          </p:cNvPicPr>
+          <p:nvPr/>
+        </p:nvPicPr>
+        <p:blipFill>
+          <a:blip r:embed="rId7" cstate="print">
+            <a:extLst>
+              <a:ext uri="{28A0092B-C50C-407E-A947-70E740481C1C}">
+                <a14:useLocalDpi xmlns:a14="http://schemas.microsoft.com/office/drawing/2010/main" val="0"/>
+              </a:ext>
+            </a:extLst>
+          </a:blip>
+          <a:stretch>
+            <a:fillRect/>
+          </a:stretch>
+        </p:blipFill>
+        <p:spPr>
+          <a:xfrm>
+            <a:off x="3316858" y="5701089"/>
+            <a:ext cx="566985" cy="566985"/>
           </a:xfrm>
           <a:prstGeom prst="rect">
             <a:avLst/>
@@ -12548,10 +17024,10 @@
       </p:pic>
       <p:pic>
         <p:nvPicPr>
-          <p:cNvPr id="6" name="Imagem 5" descr="Calendário&#10;&#10;Descrição gerada automaticamente">
+          <p:cNvPr id="27" name="Gráfico 26" descr="Rosto sorridente sem preenchimento ">
             <a:extLst>
               <a:ext uri="{FF2B5EF4-FFF2-40B4-BE49-F238E27FC236}">
-                <a16:creationId xmlns:a16="http://schemas.microsoft.com/office/drawing/2014/main" id="{C097042D-C927-44AC-A565-839E27146816}"/>
+                <a16:creationId xmlns:a16="http://schemas.microsoft.com/office/drawing/2014/main" id="{66DA8D96-33E0-4B63-A731-762D1ADCE868}"/>
               </a:ext>
             </a:extLst>
           </p:cNvPr>
@@ -12561,10 +17037,13 @@
           <p:nvPr/>
         </p:nvPicPr>
         <p:blipFill>
-          <a:blip r:embed="rId3" cstate="print">
+          <a:blip r:embed="rId8">
             <a:extLst>
               <a:ext uri="{28A0092B-C50C-407E-A947-70E740481C1C}">
                 <a14:useLocalDpi xmlns:a14="http://schemas.microsoft.com/office/drawing/2010/main" val="0"/>
+              </a:ext>
+              <a:ext uri="{96DAC541-7B7A-43D3-8B79-37D633B846F1}">
+                <asvg:svgBlip xmlns:asvg="http://schemas.microsoft.com/office/drawing/2016/SVG/main" r:embed="rId9"/>
               </a:ext>
             </a:extLst>
           </a:blip>
@@ -12574,8 +17053,239 @@
         </p:blipFill>
         <p:spPr>
           <a:xfrm>
-            <a:off x="2184972" y="700650"/>
-            <a:ext cx="9403252" cy="6860613"/>
+            <a:off x="5982651" y="3377833"/>
+            <a:ext cx="801862" cy="801862"/>
+          </a:xfrm>
+          <a:prstGeom prst="rect">
+            <a:avLst/>
+          </a:prstGeom>
+        </p:spPr>
+      </p:pic>
+      <p:sp>
+        <p:nvSpPr>
+          <p:cNvPr id="29" name="Retângulo 28">
+            <a:extLst>
+              <a:ext uri="{FF2B5EF4-FFF2-40B4-BE49-F238E27FC236}">
+                <a16:creationId xmlns:a16="http://schemas.microsoft.com/office/drawing/2014/main" id="{27FACEB5-7223-43CF-ABC3-7E5AE0F416E1}"/>
+              </a:ext>
+            </a:extLst>
+          </p:cNvPr>
+          <p:cNvSpPr/>
+          <p:nvPr/>
+        </p:nvSpPr>
+        <p:spPr>
+          <a:xfrm>
+            <a:off x="5170202" y="6825165"/>
+            <a:ext cx="2426760" cy="492443"/>
+          </a:xfrm>
+          <a:prstGeom prst="rect">
+            <a:avLst/>
+          </a:prstGeom>
+        </p:spPr>
+        <p:txBody>
+          <a:bodyPr wrap="square">
+            <a:spAutoFit/>
+          </a:bodyPr>
+          <a:lstStyle/>
+          <a:p>
+            <a:pPr marL="342900" indent="-342900">
+              <a:buFont typeface="Arial" panose="020B0604020202020204" pitchFamily="34" charset="0"/>
+              <a:buChar char="•"/>
+            </a:pPr>
+            <a:r>
+              <a:rPr lang="pt-BR" sz="1300" dirty="0">
+                <a:latin typeface="Exo 2" panose="00000500000000000000" pitchFamily="50" charset="0"/>
+              </a:rPr>
+              <a:t>Mostrar o estoque para os doadores</a:t>
+            </a:r>
+          </a:p>
+        </p:txBody>
+      </p:sp>
+      <p:pic>
+        <p:nvPicPr>
+          <p:cNvPr id="35" name="Gráfico 34" descr="Rosto sorridente sem preenchimento ">
+            <a:extLst>
+              <a:ext uri="{FF2B5EF4-FFF2-40B4-BE49-F238E27FC236}">
+                <a16:creationId xmlns:a16="http://schemas.microsoft.com/office/drawing/2014/main" id="{FD0268BD-6BC1-46D9-B4CB-F35F0AD011A8}"/>
+              </a:ext>
+            </a:extLst>
+          </p:cNvPr>
+          <p:cNvPicPr>
+            <a:picLocks noChangeAspect="1"/>
+          </p:cNvPicPr>
+          <p:nvPr/>
+        </p:nvPicPr>
+        <p:blipFill>
+          <a:blip r:embed="rId8">
+            <a:extLst>
+              <a:ext uri="{28A0092B-C50C-407E-A947-70E740481C1C}">
+                <a14:useLocalDpi xmlns:a14="http://schemas.microsoft.com/office/drawing/2010/main" val="0"/>
+              </a:ext>
+              <a:ext uri="{96DAC541-7B7A-43D3-8B79-37D633B846F1}">
+                <asvg:svgBlip xmlns:asvg="http://schemas.microsoft.com/office/drawing/2016/SVG/main" r:embed="rId9"/>
+              </a:ext>
+            </a:extLst>
+          </a:blip>
+          <a:stretch>
+            <a:fillRect/>
+          </a:stretch>
+        </p:blipFill>
+        <p:spPr>
+          <a:xfrm>
+            <a:off x="8627271" y="3395742"/>
+            <a:ext cx="801861" cy="801861"/>
+          </a:xfrm>
+          <a:prstGeom prst="rect">
+            <a:avLst/>
+          </a:prstGeom>
+        </p:spPr>
+      </p:pic>
+      <p:sp>
+        <p:nvSpPr>
+          <p:cNvPr id="38" name="Retângulo 37">
+            <a:extLst>
+              <a:ext uri="{FF2B5EF4-FFF2-40B4-BE49-F238E27FC236}">
+                <a16:creationId xmlns:a16="http://schemas.microsoft.com/office/drawing/2014/main" id="{715112F1-B19E-4FD8-A803-1F2D8A713E42}"/>
+              </a:ext>
+            </a:extLst>
+          </p:cNvPr>
+          <p:cNvSpPr/>
+          <p:nvPr/>
+        </p:nvSpPr>
+        <p:spPr>
+          <a:xfrm>
+            <a:off x="7576271" y="6836401"/>
+            <a:ext cx="2746818" cy="492443"/>
+          </a:xfrm>
+          <a:prstGeom prst="rect">
+            <a:avLst/>
+          </a:prstGeom>
+        </p:spPr>
+        <p:txBody>
+          <a:bodyPr wrap="square">
+            <a:spAutoFit/>
+          </a:bodyPr>
+          <a:lstStyle/>
+          <a:p>
+            <a:pPr marL="342900" indent="-342900">
+              <a:buFont typeface="Arial" panose="020B0604020202020204" pitchFamily="34" charset="0"/>
+              <a:buChar char="•"/>
+            </a:pPr>
+            <a:r>
+              <a:rPr lang="pt-BR" sz="1300" dirty="0">
+                <a:latin typeface="Exo 2" panose="00000500000000000000" pitchFamily="50" charset="0"/>
+              </a:rPr>
+              <a:t>Disponibilizar questionário para saber se o voluntário é apto</a:t>
+            </a:r>
+          </a:p>
+        </p:txBody>
+      </p:sp>
+      <p:sp>
+        <p:nvSpPr>
+          <p:cNvPr id="16" name="Retângulo 15">
+            <a:extLst>
+              <a:ext uri="{FF2B5EF4-FFF2-40B4-BE49-F238E27FC236}">
+                <a16:creationId xmlns:a16="http://schemas.microsoft.com/office/drawing/2014/main" id="{27A7F4A6-C73C-4280-ACC4-0B93AFC29B44}"/>
+              </a:ext>
+            </a:extLst>
+          </p:cNvPr>
+          <p:cNvSpPr/>
+          <p:nvPr/>
+        </p:nvSpPr>
+        <p:spPr>
+          <a:xfrm>
+            <a:off x="10143006" y="6570082"/>
+            <a:ext cx="2746818" cy="892552"/>
+          </a:xfrm>
+          <a:prstGeom prst="rect">
+            <a:avLst/>
+          </a:prstGeom>
+        </p:spPr>
+        <p:txBody>
+          <a:bodyPr wrap="square">
+            <a:spAutoFit/>
+          </a:bodyPr>
+          <a:lstStyle/>
+          <a:p>
+            <a:pPr marL="342900" indent="-342900">
+              <a:buFont typeface="Arial" panose="020B0604020202020204" pitchFamily="34" charset="0"/>
+              <a:buChar char="•"/>
+            </a:pPr>
+            <a:r>
+              <a:rPr lang="pt-BR" sz="1300" dirty="0">
+                <a:latin typeface="Exo 2" panose="00000500000000000000" pitchFamily="50" charset="0"/>
+              </a:rPr>
+              <a:t>Encontrar pessoas que querem doar e mostrar a elas os hospitais que precisam do seu tipo sanguíneo</a:t>
+            </a:r>
+          </a:p>
+        </p:txBody>
+      </p:sp>
+      <p:pic>
+        <p:nvPicPr>
+          <p:cNvPr id="41" name="Imagem 40" descr="Fundo preto com letras brancas&#10;&#10;Descrição gerada automaticamente">
+            <a:extLst>
+              <a:ext uri="{FF2B5EF4-FFF2-40B4-BE49-F238E27FC236}">
+                <a16:creationId xmlns:a16="http://schemas.microsoft.com/office/drawing/2014/main" id="{B93A88A6-438F-4A48-90AC-0F10AC0DD5ED}"/>
+              </a:ext>
+            </a:extLst>
+          </p:cNvPr>
+          <p:cNvPicPr>
+            <a:picLocks noChangeAspect="1"/>
+          </p:cNvPicPr>
+          <p:nvPr/>
+        </p:nvPicPr>
+        <p:blipFill>
+          <a:blip r:embed="rId10" cstate="print">
+            <a:extLst>
+              <a:ext uri="{28A0092B-C50C-407E-A947-70E740481C1C}">
+                <a14:useLocalDpi xmlns:a14="http://schemas.microsoft.com/office/drawing/2010/main" val="0"/>
+              </a:ext>
+            </a:extLst>
+          </a:blip>
+          <a:stretch>
+            <a:fillRect/>
+          </a:stretch>
+        </p:blipFill>
+        <p:spPr>
+          <a:xfrm>
+            <a:off x="8695494" y="5701089"/>
+            <a:ext cx="566985" cy="566985"/>
+          </a:xfrm>
+          <a:prstGeom prst="rect">
+            <a:avLst/>
+          </a:prstGeom>
+        </p:spPr>
+      </p:pic>
+      <p:pic>
+        <p:nvPicPr>
+          <p:cNvPr id="39" name="Imagem 38" descr="Logotipo&#10;&#10;Descrição gerada automaticamente">
+            <a:extLst>
+              <a:ext uri="{FF2B5EF4-FFF2-40B4-BE49-F238E27FC236}">
+                <a16:creationId xmlns:a16="http://schemas.microsoft.com/office/drawing/2014/main" id="{384FD3DE-D789-4308-997C-9184DE9E6559}"/>
+              </a:ext>
+            </a:extLst>
+          </p:cNvPr>
+          <p:cNvPicPr>
+            <a:picLocks noChangeAspect="1"/>
+          </p:cNvPicPr>
+          <p:nvPr/>
+        </p:nvPicPr>
+        <p:blipFill>
+          <a:blip r:embed="rId11" cstate="print">
+            <a:extLst>
+              <a:ext uri="{28A0092B-C50C-407E-A947-70E740481C1C}">
+                <a14:useLocalDpi xmlns:a14="http://schemas.microsoft.com/office/drawing/2010/main" val="0"/>
+              </a:ext>
+            </a:extLst>
+          </a:blip>
+          <a:stretch>
+            <a:fillRect/>
+          </a:stretch>
+        </p:blipFill>
+        <p:spPr>
+          <a:xfrm>
+            <a:off x="12493022" y="87299"/>
+            <a:ext cx="793604" cy="943445"/>
           </a:xfrm>
           <a:prstGeom prst="rect">
             <a:avLst/>
@@ -12585,7 +17295,7 @@
     </p:spTree>
     <p:extLst>
       <p:ext uri="{BB962C8B-B14F-4D97-AF65-F5344CB8AC3E}">
-        <p14:creationId xmlns:p14="http://schemas.microsoft.com/office/powerpoint/2010/main" val="4161354521"/>
+        <p14:creationId xmlns:p14="http://schemas.microsoft.com/office/powerpoint/2010/main" val="4163373410"/>
       </p:ext>
     </p:extLst>
   </p:cSld>
@@ -13728,15 +18438,6 @@
 </file>
 
 <file path=customXml/item1.xml><?xml version="1.0" encoding="utf-8"?>
-<?mso-contentType ?>
-<FormTemplates xmlns="http://schemas.microsoft.com/sharepoint/v3/contenttype/forms">
-  <Display>DocumentLibraryForm</Display>
-  <Edit>DocumentLibraryForm</Edit>
-  <New>DocumentLibraryForm</New>
-</FormTemplates>
-</file>
-
-<file path=customXml/item2.xml><?xml version="1.0" encoding="utf-8"?>
 <ct:contentTypeSchema xmlns:ct="http://schemas.microsoft.com/office/2006/metadata/contentType" xmlns:ma="http://schemas.microsoft.com/office/2006/metadata/properties/metaAttributes" ct:_="" ma:_="" ma:contentTypeName="Document" ma:contentTypeID="0x0101001132905C37EA9847A7207C4BBCCCD8F4" ma:contentTypeVersion="13" ma:contentTypeDescription="Create a new document." ma:contentTypeScope="" ma:versionID="0fa59793b99d27e1e0b856ab72ac2f0d">
   <xsd:schema xmlns:xsd="http://www.w3.org/2001/XMLSchema" xmlns:xs="http://www.w3.org/2001/XMLSchema" xmlns:p="http://schemas.microsoft.com/office/2006/metadata/properties" xmlns:ns3="4327b14a-fe89-488e-9f6d-9658cacf372b" xmlns:ns4="bbcd8c33-6940-4d4c-a587-bbc736ca1e4d" targetNamespace="http://schemas.microsoft.com/office/2006/metadata/properties" ma:root="true" ma:fieldsID="01494effa1b4414faf4d9851fe547c93" ns3:_="" ns4:_="">
     <xsd:import namespace="4327b14a-fe89-488e-9f6d-9658cacf372b"/>
@@ -13959,6 +18660,15 @@
 </ct:contentTypeSchema>
 </file>
 
+<file path=customXml/item2.xml><?xml version="1.0" encoding="utf-8"?>
+<?mso-contentType ?>
+<FormTemplates xmlns="http://schemas.microsoft.com/sharepoint/v3/contenttype/forms">
+  <Display>DocumentLibraryForm</Display>
+  <Edit>DocumentLibraryForm</Edit>
+  <New>DocumentLibraryForm</New>
+</FormTemplates>
+</file>
+
 <file path=customXml/item3.xml><?xml version="1.0" encoding="utf-8"?>
 <p:properties xmlns:p="http://schemas.microsoft.com/office/2006/metadata/properties" xmlns:xsi="http://www.w3.org/2001/XMLSchema-instance" xmlns:pc="http://schemas.microsoft.com/office/infopath/2007/PartnerControls">
   <documentManagement/>
@@ -13966,14 +18676,6 @@
 </file>
 
 <file path=customXml/itemProps1.xml><?xml version="1.0" encoding="utf-8"?>
-<ds:datastoreItem xmlns:ds="http://schemas.openxmlformats.org/officeDocument/2006/customXml" ds:itemID="{C5C26249-539D-4496-936B-3CD83A43905E}">
-  <ds:schemaRefs>
-    <ds:schemaRef ds:uri="http://schemas.microsoft.com/sharepoint/v3/contenttype/forms"/>
-  </ds:schemaRefs>
-</ds:datastoreItem>
-</file>
-
-<file path=customXml/itemProps2.xml><?xml version="1.0" encoding="utf-8"?>
 <ds:datastoreItem xmlns:ds="http://schemas.openxmlformats.org/officeDocument/2006/customXml" ds:itemID="{6DE4A8B5-68AC-4B03-B2A1-E04BE1806673}">
   <ds:schemaRefs>
     <ds:schemaRef ds:uri="http://schemas.microsoft.com/office/2006/metadata/contentType"/>
@@ -13988,6 +18690,14 @@
     <ds:schemaRef ds:uri="http://purl.org/dc/elements/1.1/"/>
     <ds:schemaRef ds:uri="http://purl.org/dc/terms/"/>
     <ds:schemaRef ds:uri="http://schemas.microsoft.com/internal/obd"/>
+  </ds:schemaRefs>
+</ds:datastoreItem>
+</file>
+
+<file path=customXml/itemProps2.xml><?xml version="1.0" encoding="utf-8"?>
+<ds:datastoreItem xmlns:ds="http://schemas.openxmlformats.org/officeDocument/2006/customXml" ds:itemID="{C5C26249-539D-4496-936B-3CD83A43905E}">
+  <ds:schemaRefs>
+    <ds:schemaRef ds:uri="http://schemas.microsoft.com/sharepoint/v3/contenttype/forms"/>
   </ds:schemaRefs>
 </ds:datastoreItem>
 </file>

--- a/Blood4Life/4 Semestre/Sprint 1/Documentação/PPT/Apresentacao4ADSA_Sprint1_Blood4life.pptx
+++ b/Blood4Life/4 Semestre/Sprint 1/Documentação/PPT/Apresentacao4ADSA_Sprint1_Blood4life.pptx
@@ -15679,10 +15679,10 @@
       </p:pic>
       <p:pic>
         <p:nvPicPr>
-          <p:cNvPr id="5" name="Imagem 4" descr="Interface gráfica do usuário, Aplicativo, Word&#10;&#10;Descrição gerada automaticamente">
+          <p:cNvPr id="11" name="Imagem 10" descr="Interface gráfica do usuário, Aplicativo, Word&#10;&#10;Descrição gerada automaticamente">
             <a:extLst>
               <a:ext uri="{FF2B5EF4-FFF2-40B4-BE49-F238E27FC236}">
-                <a16:creationId xmlns:a16="http://schemas.microsoft.com/office/drawing/2014/main" id="{653358F9-4B77-483D-9960-BD64DC2B913C}"/>
+                <a16:creationId xmlns:a16="http://schemas.microsoft.com/office/drawing/2014/main" id="{C4D2AF64-0BE6-48B7-8F1F-CD14AB2F50FD}"/>
               </a:ext>
             </a:extLst>
           </p:cNvPr>
@@ -15705,8 +15705,8 @@
         </p:blipFill>
         <p:spPr>
           <a:xfrm>
-            <a:off x="1750979" y="873867"/>
-            <a:ext cx="9672340" cy="6545042"/>
+            <a:off x="1756583" y="732706"/>
+            <a:ext cx="9612144" cy="6504309"/>
           </a:xfrm>
           <a:prstGeom prst="rect">
             <a:avLst/>
@@ -18438,6 +18438,15 @@
 </file>
 
 <file path=customXml/item1.xml><?xml version="1.0" encoding="utf-8"?>
+<?mso-contentType ?>
+<FormTemplates xmlns="http://schemas.microsoft.com/sharepoint/v3/contenttype/forms">
+  <Display>DocumentLibraryForm</Display>
+  <Edit>DocumentLibraryForm</Edit>
+  <New>DocumentLibraryForm</New>
+</FormTemplates>
+</file>
+
+<file path=customXml/item2.xml><?xml version="1.0" encoding="utf-8"?>
 <ct:contentTypeSchema xmlns:ct="http://schemas.microsoft.com/office/2006/metadata/contentType" xmlns:ma="http://schemas.microsoft.com/office/2006/metadata/properties/metaAttributes" ct:_="" ma:_="" ma:contentTypeName="Document" ma:contentTypeID="0x0101001132905C37EA9847A7207C4BBCCCD8F4" ma:contentTypeVersion="13" ma:contentTypeDescription="Create a new document." ma:contentTypeScope="" ma:versionID="0fa59793b99d27e1e0b856ab72ac2f0d">
   <xsd:schema xmlns:xsd="http://www.w3.org/2001/XMLSchema" xmlns:xs="http://www.w3.org/2001/XMLSchema" xmlns:p="http://schemas.microsoft.com/office/2006/metadata/properties" xmlns:ns3="4327b14a-fe89-488e-9f6d-9658cacf372b" xmlns:ns4="bbcd8c33-6940-4d4c-a587-bbc736ca1e4d" targetNamespace="http://schemas.microsoft.com/office/2006/metadata/properties" ma:root="true" ma:fieldsID="01494effa1b4414faf4d9851fe547c93" ns3:_="" ns4:_="">
     <xsd:import namespace="4327b14a-fe89-488e-9f6d-9658cacf372b"/>
@@ -18660,15 +18669,6 @@
 </ct:contentTypeSchema>
 </file>
 
-<file path=customXml/item2.xml><?xml version="1.0" encoding="utf-8"?>
-<?mso-contentType ?>
-<FormTemplates xmlns="http://schemas.microsoft.com/sharepoint/v3/contenttype/forms">
-  <Display>DocumentLibraryForm</Display>
-  <Edit>DocumentLibraryForm</Edit>
-  <New>DocumentLibraryForm</New>
-</FormTemplates>
-</file>
-
 <file path=customXml/item3.xml><?xml version="1.0" encoding="utf-8"?>
 <p:properties xmlns:p="http://schemas.microsoft.com/office/2006/metadata/properties" xmlns:xsi="http://www.w3.org/2001/XMLSchema-instance" xmlns:pc="http://schemas.microsoft.com/office/infopath/2007/PartnerControls">
   <documentManagement/>
@@ -18676,6 +18676,14 @@
 </file>
 
 <file path=customXml/itemProps1.xml><?xml version="1.0" encoding="utf-8"?>
+<ds:datastoreItem xmlns:ds="http://schemas.openxmlformats.org/officeDocument/2006/customXml" ds:itemID="{C5C26249-539D-4496-936B-3CD83A43905E}">
+  <ds:schemaRefs>
+    <ds:schemaRef ds:uri="http://schemas.microsoft.com/sharepoint/v3/contenttype/forms"/>
+  </ds:schemaRefs>
+</ds:datastoreItem>
+</file>
+
+<file path=customXml/itemProps2.xml><?xml version="1.0" encoding="utf-8"?>
 <ds:datastoreItem xmlns:ds="http://schemas.openxmlformats.org/officeDocument/2006/customXml" ds:itemID="{6DE4A8B5-68AC-4B03-B2A1-E04BE1806673}">
   <ds:schemaRefs>
     <ds:schemaRef ds:uri="http://schemas.microsoft.com/office/2006/metadata/contentType"/>
@@ -18690,14 +18698,6 @@
     <ds:schemaRef ds:uri="http://purl.org/dc/elements/1.1/"/>
     <ds:schemaRef ds:uri="http://purl.org/dc/terms/"/>
     <ds:schemaRef ds:uri="http://schemas.microsoft.com/internal/obd"/>
-  </ds:schemaRefs>
-</ds:datastoreItem>
-</file>
-
-<file path=customXml/itemProps2.xml><?xml version="1.0" encoding="utf-8"?>
-<ds:datastoreItem xmlns:ds="http://schemas.openxmlformats.org/officeDocument/2006/customXml" ds:itemID="{C5C26249-539D-4496-936B-3CD83A43905E}">
-  <ds:schemaRefs>
-    <ds:schemaRef ds:uri="http://schemas.microsoft.com/sharepoint/v3/contenttype/forms"/>
   </ds:schemaRefs>
 </ds:datastoreItem>
 </file>

--- a/Blood4Life/4 Semestre/Sprint 1/Documentação/PPT/Apresentacao4ADSA_Sprint1_Blood4life.pptx
+++ b/Blood4Life/4 Semestre/Sprint 1/Documentação/PPT/Apresentacao4ADSA_Sprint1_Blood4life.pptx
@@ -23,9 +23,9 @@
     <p:sldId id="644" r:id="rId14"/>
     <p:sldId id="636" r:id="rId15"/>
     <p:sldId id="638" r:id="rId16"/>
-    <p:sldId id="640" r:id="rId17"/>
-    <p:sldId id="641" r:id="rId18"/>
-    <p:sldId id="637" r:id="rId19"/>
+    <p:sldId id="637" r:id="rId17"/>
+    <p:sldId id="640" r:id="rId18"/>
+    <p:sldId id="641" r:id="rId19"/>
     <p:sldId id="645" r:id="rId20"/>
     <p:sldId id="628" r:id="rId21"/>
   </p:sldIdLst>
@@ -1110,7 +1110,7 @@
             <a:fld id="{75B3645A-D0AE-4F6E-A17E-E0036A9041AF}" type="slidenum">
               <a:rPr lang="pt-BR" smtClean="0"/>
               <a:pPr/>
-              <a:t>14</a:t>
+              <a:t>12</a:t>
             </a:fld>
             <a:endParaRPr lang="pt-BR"/>
           </a:p>
@@ -10385,7 +10385,7 @@
           <a:p>
             <a:r>
               <a:rPr lang="pt-BR" dirty="0"/>
-              <a:t>10. Modelagem de Dados</a:t>
+              <a:t>9. Sketches de tela</a:t>
             </a:r>
           </a:p>
         </p:txBody>
@@ -10405,7 +10405,7 @@
           <p:nvPr/>
         </p:nvPicPr>
         <p:blipFill>
-          <a:blip r:embed="rId2" cstate="print">
+          <a:blip r:embed="rId3" cstate="print">
             <a:extLst>
               <a:ext uri="{28A0092B-C50C-407E-A947-70E740481C1C}">
                 <a14:useLocalDpi xmlns:a14="http://schemas.microsoft.com/office/drawing/2010/main" val="0"/>
@@ -10428,44 +10428,54 @@
       </p:pic>
       <p:pic>
         <p:nvPicPr>
-          <p:cNvPr id="5" name="Imagem 4" descr="Diagrama&#10;&#10;Descrição gerada automaticamente">
+          <p:cNvPr id="1026" name="Picture 2" descr="Figma fundo png &amp; imagem png - Figma Logotipo da Ação E do Brinquedo de  Figuras figura Modelo Max Factory - outros png transparente grátis">
+            <a:hlinkClick r:id="rId4"/>
             <a:extLst>
               <a:ext uri="{FF2B5EF4-FFF2-40B4-BE49-F238E27FC236}">
-                <a16:creationId xmlns:a16="http://schemas.microsoft.com/office/drawing/2014/main" id="{FA0F511A-64EC-4197-BF0D-316F1C78F38E}"/>
+                <a16:creationId xmlns:a16="http://schemas.microsoft.com/office/drawing/2014/main" id="{6E2CB523-312F-4381-90DE-7227554ACB9D}"/>
               </a:ext>
             </a:extLst>
           </p:cNvPr>
           <p:cNvPicPr>
-            <a:picLocks noChangeAspect="1"/>
+            <a:picLocks noChangeAspect="1" noChangeArrowheads="1"/>
           </p:cNvPicPr>
           <p:nvPr/>
         </p:nvPicPr>
-        <p:blipFill>
-          <a:blip r:embed="rId3">
+        <p:blipFill rotWithShape="1">
+          <a:blip r:embed="rId5">
             <a:extLst>
               <a:ext uri="{28A0092B-C50C-407E-A947-70E740481C1C}">
                 <a14:useLocalDpi xmlns:a14="http://schemas.microsoft.com/office/drawing/2010/main" val="0"/>
               </a:ext>
             </a:extLst>
           </a:blip>
-          <a:stretch>
-            <a:fillRect/>
-          </a:stretch>
+          <a:srcRect l="7732" t="6640" r="7204" b="9736"/>
+          <a:stretch/>
         </p:blipFill>
-        <p:spPr>
+        <p:spPr bwMode="auto">
           <a:xfrm>
-            <a:off x="3626636" y="963048"/>
-            <a:ext cx="6038850" cy="6200775"/>
+            <a:off x="5174166" y="1873405"/>
+            <a:ext cx="2631688" cy="2587110"/>
           </a:xfrm>
           <a:prstGeom prst="rect">
             <a:avLst/>
           </a:prstGeom>
+          <a:noFill/>
+          <a:extLst>
+            <a:ext uri="{909E8E84-426E-40DD-AFC4-6F175D3DCCD1}">
+              <a14:hiddenFill xmlns:a14="http://schemas.microsoft.com/office/drawing/2010/main">
+                <a:solidFill>
+                  <a:srgbClr val="FFFFFF"/>
+                </a:solidFill>
+              </a14:hiddenFill>
+            </a:ext>
+          </a:extLst>
         </p:spPr>
       </p:pic>
     </p:spTree>
     <p:extLst>
       <p:ext uri="{BB962C8B-B14F-4D97-AF65-F5344CB8AC3E}">
-        <p14:creationId xmlns:p14="http://schemas.microsoft.com/office/powerpoint/2010/main" val="1674088965"/>
+        <p14:creationId xmlns:p14="http://schemas.microsoft.com/office/powerpoint/2010/main" val="1405223462"/>
       </p:ext>
     </p:extLst>
   </p:cSld>
@@ -10516,6 +10526,159 @@
                 <a:defRPr/>
               </a:pPr>
               <a:t>13</a:t>
+            </a:fld>
+            <a:endParaRPr lang="pt-BR" sz="880" dirty="0"/>
+          </a:p>
+        </p:txBody>
+      </p:sp>
+      <p:sp>
+        <p:nvSpPr>
+          <p:cNvPr id="4" name="Espaço Reservado para Texto 3"/>
+          <p:cNvSpPr>
+            <a:spLocks noGrp="1"/>
+          </p:cNvSpPr>
+          <p:nvPr>
+            <p:ph type="body" sz="quarter" idx="13"/>
+          </p:nvPr>
+        </p:nvSpPr>
+        <p:spPr/>
+        <p:txBody>
+          <a:bodyPr/>
+          <a:lstStyle/>
+          <a:p>
+            <a:r>
+              <a:rPr lang="pt-BR" dirty="0"/>
+              <a:t>10. Modelagem de Dados</a:t>
+            </a:r>
+          </a:p>
+        </p:txBody>
+      </p:sp>
+      <p:pic>
+        <p:nvPicPr>
+          <p:cNvPr id="7" name="Imagem 6" descr="Logotipo&#10;&#10;Descrição gerada automaticamente">
+            <a:extLst>
+              <a:ext uri="{FF2B5EF4-FFF2-40B4-BE49-F238E27FC236}">
+                <a16:creationId xmlns:a16="http://schemas.microsoft.com/office/drawing/2014/main" id="{68014229-FA21-4D93-8CEB-1C05B66B2FA1}"/>
+              </a:ext>
+            </a:extLst>
+          </p:cNvPr>
+          <p:cNvPicPr>
+            <a:picLocks noChangeAspect="1"/>
+          </p:cNvPicPr>
+          <p:nvPr/>
+        </p:nvPicPr>
+        <p:blipFill>
+          <a:blip r:embed="rId2" cstate="print">
+            <a:extLst>
+              <a:ext uri="{28A0092B-C50C-407E-A947-70E740481C1C}">
+                <a14:useLocalDpi xmlns:a14="http://schemas.microsoft.com/office/drawing/2010/main" val="0"/>
+              </a:ext>
+            </a:extLst>
+          </a:blip>
+          <a:stretch>
+            <a:fillRect/>
+          </a:stretch>
+        </p:blipFill>
+        <p:spPr>
+          <a:xfrm>
+            <a:off x="12440520" y="132773"/>
+            <a:ext cx="793604" cy="943445"/>
+          </a:xfrm>
+          <a:prstGeom prst="rect">
+            <a:avLst/>
+          </a:prstGeom>
+        </p:spPr>
+      </p:pic>
+      <p:pic>
+        <p:nvPicPr>
+          <p:cNvPr id="5" name="Imagem 4" descr="Diagrama&#10;&#10;Descrição gerada automaticamente">
+            <a:extLst>
+              <a:ext uri="{FF2B5EF4-FFF2-40B4-BE49-F238E27FC236}">
+                <a16:creationId xmlns:a16="http://schemas.microsoft.com/office/drawing/2014/main" id="{FA0F511A-64EC-4197-BF0D-316F1C78F38E}"/>
+              </a:ext>
+            </a:extLst>
+          </p:cNvPr>
+          <p:cNvPicPr>
+            <a:picLocks noChangeAspect="1"/>
+          </p:cNvPicPr>
+          <p:nvPr/>
+        </p:nvPicPr>
+        <p:blipFill>
+          <a:blip r:embed="rId3">
+            <a:extLst>
+              <a:ext uri="{28A0092B-C50C-407E-A947-70E740481C1C}">
+                <a14:useLocalDpi xmlns:a14="http://schemas.microsoft.com/office/drawing/2010/main" val="0"/>
+              </a:ext>
+            </a:extLst>
+          </a:blip>
+          <a:stretch>
+            <a:fillRect/>
+          </a:stretch>
+        </p:blipFill>
+        <p:spPr>
+          <a:xfrm>
+            <a:off x="3626636" y="963048"/>
+            <a:ext cx="6038850" cy="6200775"/>
+          </a:xfrm>
+          <a:prstGeom prst="rect">
+            <a:avLst/>
+          </a:prstGeom>
+        </p:spPr>
+      </p:pic>
+    </p:spTree>
+    <p:extLst>
+      <p:ext uri="{BB962C8B-B14F-4D97-AF65-F5344CB8AC3E}">
+        <p14:creationId xmlns:p14="http://schemas.microsoft.com/office/powerpoint/2010/main" val="1674088965"/>
+      </p:ext>
+    </p:extLst>
+  </p:cSld>
+  <p:clrMapOvr>
+    <a:masterClrMapping/>
+  </p:clrMapOvr>
+</p:sld>
+</file>
+
+<file path=ppt/slides/slide14.xml><?xml version="1.0" encoding="utf-8"?>
+<p:sld xmlns:a="http://schemas.openxmlformats.org/drawingml/2006/main" xmlns:r="http://schemas.openxmlformats.org/officeDocument/2006/relationships" xmlns:p="http://schemas.openxmlformats.org/presentationml/2006/main">
+  <p:cSld>
+    <p:spTree>
+      <p:nvGrpSpPr>
+        <p:cNvPr id="1" name=""/>
+        <p:cNvGrpSpPr/>
+        <p:nvPr/>
+      </p:nvGrpSpPr>
+      <p:grpSpPr>
+        <a:xfrm>
+          <a:off x="0" y="0"/>
+          <a:ext cx="0" cy="0"/>
+          <a:chOff x="0" y="0"/>
+          <a:chExt cx="0" cy="0"/>
+        </a:xfrm>
+      </p:grpSpPr>
+      <p:sp>
+        <p:nvSpPr>
+          <p:cNvPr id="3" name="Espaço Reservado para Número de Slide 2"/>
+          <p:cNvSpPr>
+            <a:spLocks noGrp="1"/>
+          </p:cNvSpPr>
+          <p:nvPr>
+            <p:ph type="sldNum" sz="quarter" idx="4"/>
+          </p:nvPr>
+        </p:nvSpPr>
+        <p:spPr/>
+        <p:txBody>
+          <a:bodyPr/>
+          <a:lstStyle/>
+          <a:p>
+            <a:pPr>
+              <a:defRPr/>
+            </a:pPr>
+            <a:fld id="{B66251D2-9488-44CD-87B4-F793A73C4A01}" type="slidenum">
+              <a:rPr lang="pt-BR" smtClean="0"/>
+              <a:pPr>
+                <a:defRPr/>
+              </a:pPr>
+              <a:t>14</a:t>
             </a:fld>
             <a:endParaRPr lang="pt-BR" sz="880" dirty="0"/>
           </a:p>
@@ -11737,169 +11900,6 @@
 </p:sld>
 </file>
 
-<file path=ppt/slides/slide14.xml><?xml version="1.0" encoding="utf-8"?>
-<p:sld xmlns:a="http://schemas.openxmlformats.org/drawingml/2006/main" xmlns:r="http://schemas.openxmlformats.org/officeDocument/2006/relationships" xmlns:p="http://schemas.openxmlformats.org/presentationml/2006/main">
-  <p:cSld>
-    <p:spTree>
-      <p:nvGrpSpPr>
-        <p:cNvPr id="1" name=""/>
-        <p:cNvGrpSpPr/>
-        <p:nvPr/>
-      </p:nvGrpSpPr>
-      <p:grpSpPr>
-        <a:xfrm>
-          <a:off x="0" y="0"/>
-          <a:ext cx="0" cy="0"/>
-          <a:chOff x="0" y="0"/>
-          <a:chExt cx="0" cy="0"/>
-        </a:xfrm>
-      </p:grpSpPr>
-      <p:sp>
-        <p:nvSpPr>
-          <p:cNvPr id="3" name="Espaço Reservado para Número de Slide 2"/>
-          <p:cNvSpPr>
-            <a:spLocks noGrp="1"/>
-          </p:cNvSpPr>
-          <p:nvPr>
-            <p:ph type="sldNum" sz="quarter" idx="4"/>
-          </p:nvPr>
-        </p:nvSpPr>
-        <p:spPr/>
-        <p:txBody>
-          <a:bodyPr/>
-          <a:lstStyle/>
-          <a:p>
-            <a:pPr>
-              <a:defRPr/>
-            </a:pPr>
-            <a:fld id="{B66251D2-9488-44CD-87B4-F793A73C4A01}" type="slidenum">
-              <a:rPr lang="pt-BR" smtClean="0"/>
-              <a:pPr>
-                <a:defRPr/>
-              </a:pPr>
-              <a:t>14</a:t>
-            </a:fld>
-            <a:endParaRPr lang="pt-BR" sz="880" dirty="0"/>
-          </a:p>
-        </p:txBody>
-      </p:sp>
-      <p:sp>
-        <p:nvSpPr>
-          <p:cNvPr id="4" name="Espaço Reservado para Texto 3"/>
-          <p:cNvSpPr>
-            <a:spLocks noGrp="1"/>
-          </p:cNvSpPr>
-          <p:nvPr>
-            <p:ph type="body" sz="quarter" idx="13"/>
-          </p:nvPr>
-        </p:nvSpPr>
-        <p:spPr/>
-        <p:txBody>
-          <a:bodyPr/>
-          <a:lstStyle/>
-          <a:p>
-            <a:r>
-              <a:rPr lang="pt-BR" dirty="0"/>
-              <a:t>12. Sketches de tela</a:t>
-            </a:r>
-          </a:p>
-        </p:txBody>
-      </p:sp>
-      <p:pic>
-        <p:nvPicPr>
-          <p:cNvPr id="7" name="Imagem 6" descr="Logotipo&#10;&#10;Descrição gerada automaticamente">
-            <a:extLst>
-              <a:ext uri="{FF2B5EF4-FFF2-40B4-BE49-F238E27FC236}">
-                <a16:creationId xmlns:a16="http://schemas.microsoft.com/office/drawing/2014/main" id="{68014229-FA21-4D93-8CEB-1C05B66B2FA1}"/>
-              </a:ext>
-            </a:extLst>
-          </p:cNvPr>
-          <p:cNvPicPr>
-            <a:picLocks noChangeAspect="1"/>
-          </p:cNvPicPr>
-          <p:nvPr/>
-        </p:nvPicPr>
-        <p:blipFill>
-          <a:blip r:embed="rId3" cstate="print">
-            <a:extLst>
-              <a:ext uri="{28A0092B-C50C-407E-A947-70E740481C1C}">
-                <a14:useLocalDpi xmlns:a14="http://schemas.microsoft.com/office/drawing/2010/main" val="0"/>
-              </a:ext>
-            </a:extLst>
-          </a:blip>
-          <a:stretch>
-            <a:fillRect/>
-          </a:stretch>
-        </p:blipFill>
-        <p:spPr>
-          <a:xfrm>
-            <a:off x="12440520" y="132773"/>
-            <a:ext cx="793604" cy="943445"/>
-          </a:xfrm>
-          <a:prstGeom prst="rect">
-            <a:avLst/>
-          </a:prstGeom>
-        </p:spPr>
-      </p:pic>
-      <p:pic>
-        <p:nvPicPr>
-          <p:cNvPr id="1026" name="Picture 2" descr="Figma fundo png &amp; imagem png - Figma Logotipo da Ação E do Brinquedo de  Figuras figura Modelo Max Factory - outros png transparente grátis">
-            <a:hlinkClick r:id="rId4"/>
-            <a:extLst>
-              <a:ext uri="{FF2B5EF4-FFF2-40B4-BE49-F238E27FC236}">
-                <a16:creationId xmlns:a16="http://schemas.microsoft.com/office/drawing/2014/main" id="{6E2CB523-312F-4381-90DE-7227554ACB9D}"/>
-              </a:ext>
-            </a:extLst>
-          </p:cNvPr>
-          <p:cNvPicPr>
-            <a:picLocks noChangeAspect="1" noChangeArrowheads="1"/>
-          </p:cNvPicPr>
-          <p:nvPr/>
-        </p:nvPicPr>
-        <p:blipFill rotWithShape="1">
-          <a:blip r:embed="rId5">
-            <a:extLst>
-              <a:ext uri="{28A0092B-C50C-407E-A947-70E740481C1C}">
-                <a14:useLocalDpi xmlns:a14="http://schemas.microsoft.com/office/drawing/2010/main" val="0"/>
-              </a:ext>
-            </a:extLst>
-          </a:blip>
-          <a:srcRect l="7732" t="6640" r="7204" b="9736"/>
-          <a:stretch/>
-        </p:blipFill>
-        <p:spPr bwMode="auto">
-          <a:xfrm>
-            <a:off x="5174166" y="1873405"/>
-            <a:ext cx="2631688" cy="2587110"/>
-          </a:xfrm>
-          <a:prstGeom prst="rect">
-            <a:avLst/>
-          </a:prstGeom>
-          <a:noFill/>
-          <a:extLst>
-            <a:ext uri="{909E8E84-426E-40DD-AFC4-6F175D3DCCD1}">
-              <a14:hiddenFill xmlns:a14="http://schemas.microsoft.com/office/drawing/2010/main">
-                <a:solidFill>
-                  <a:srgbClr val="FFFFFF"/>
-                </a:solidFill>
-              </a14:hiddenFill>
-            </a:ext>
-          </a:extLst>
-        </p:spPr>
-      </p:pic>
-    </p:spTree>
-    <p:extLst>
-      <p:ext uri="{BB962C8B-B14F-4D97-AF65-F5344CB8AC3E}">
-        <p14:creationId xmlns:p14="http://schemas.microsoft.com/office/powerpoint/2010/main" val="1405223462"/>
-      </p:ext>
-    </p:extLst>
-  </p:cSld>
-  <p:clrMapOvr>
-    <a:masterClrMapping/>
-  </p:clrMapOvr>
-</p:sld>
-</file>
-
 <file path=ppt/slides/slide15.xml><?xml version="1.0" encoding="utf-8"?>
 <p:sld xmlns:a="http://schemas.openxmlformats.org/drawingml/2006/main" xmlns:r="http://schemas.openxmlformats.org/officeDocument/2006/relationships" xmlns:p="http://schemas.openxmlformats.org/presentationml/2006/main">
   <p:cSld>
@@ -11963,7 +11963,7 @@
           <a:p>
             <a:r>
               <a:rPr lang="pt-BR" dirty="0"/>
-              <a:t>13. Demonstração AWS</a:t>
+              <a:t>12. Demonstração AWS</a:t>
             </a:r>
           </a:p>
         </p:txBody>
@@ -18438,15 +18438,6 @@
 </file>
 
 <file path=customXml/item1.xml><?xml version="1.0" encoding="utf-8"?>
-<?mso-contentType ?>
-<FormTemplates xmlns="http://schemas.microsoft.com/sharepoint/v3/contenttype/forms">
-  <Display>DocumentLibraryForm</Display>
-  <Edit>DocumentLibraryForm</Edit>
-  <New>DocumentLibraryForm</New>
-</FormTemplates>
-</file>
-
-<file path=customXml/item2.xml><?xml version="1.0" encoding="utf-8"?>
 <ct:contentTypeSchema xmlns:ct="http://schemas.microsoft.com/office/2006/metadata/contentType" xmlns:ma="http://schemas.microsoft.com/office/2006/metadata/properties/metaAttributes" ct:_="" ma:_="" ma:contentTypeName="Document" ma:contentTypeID="0x0101001132905C37EA9847A7207C4BBCCCD8F4" ma:contentTypeVersion="13" ma:contentTypeDescription="Create a new document." ma:contentTypeScope="" ma:versionID="0fa59793b99d27e1e0b856ab72ac2f0d">
   <xsd:schema xmlns:xsd="http://www.w3.org/2001/XMLSchema" xmlns:xs="http://www.w3.org/2001/XMLSchema" xmlns:p="http://schemas.microsoft.com/office/2006/metadata/properties" xmlns:ns3="4327b14a-fe89-488e-9f6d-9658cacf372b" xmlns:ns4="bbcd8c33-6940-4d4c-a587-bbc736ca1e4d" targetNamespace="http://schemas.microsoft.com/office/2006/metadata/properties" ma:root="true" ma:fieldsID="01494effa1b4414faf4d9851fe547c93" ns3:_="" ns4:_="">
     <xsd:import namespace="4327b14a-fe89-488e-9f6d-9658cacf372b"/>
@@ -18669,6 +18660,15 @@
 </ct:contentTypeSchema>
 </file>
 
+<file path=customXml/item2.xml><?xml version="1.0" encoding="utf-8"?>
+<?mso-contentType ?>
+<FormTemplates xmlns="http://schemas.microsoft.com/sharepoint/v3/contenttype/forms">
+  <Display>DocumentLibraryForm</Display>
+  <Edit>DocumentLibraryForm</Edit>
+  <New>DocumentLibraryForm</New>
+</FormTemplates>
+</file>
+
 <file path=customXml/item3.xml><?xml version="1.0" encoding="utf-8"?>
 <p:properties xmlns:p="http://schemas.microsoft.com/office/2006/metadata/properties" xmlns:xsi="http://www.w3.org/2001/XMLSchema-instance" xmlns:pc="http://schemas.microsoft.com/office/infopath/2007/PartnerControls">
   <documentManagement/>
@@ -18676,14 +18676,6 @@
 </file>
 
 <file path=customXml/itemProps1.xml><?xml version="1.0" encoding="utf-8"?>
-<ds:datastoreItem xmlns:ds="http://schemas.openxmlformats.org/officeDocument/2006/customXml" ds:itemID="{C5C26249-539D-4496-936B-3CD83A43905E}">
-  <ds:schemaRefs>
-    <ds:schemaRef ds:uri="http://schemas.microsoft.com/sharepoint/v3/contenttype/forms"/>
-  </ds:schemaRefs>
-</ds:datastoreItem>
-</file>
-
-<file path=customXml/itemProps2.xml><?xml version="1.0" encoding="utf-8"?>
 <ds:datastoreItem xmlns:ds="http://schemas.openxmlformats.org/officeDocument/2006/customXml" ds:itemID="{6DE4A8B5-68AC-4B03-B2A1-E04BE1806673}">
   <ds:schemaRefs>
     <ds:schemaRef ds:uri="http://schemas.microsoft.com/office/2006/metadata/contentType"/>
@@ -18698,6 +18690,14 @@
     <ds:schemaRef ds:uri="http://purl.org/dc/elements/1.1/"/>
     <ds:schemaRef ds:uri="http://purl.org/dc/terms/"/>
     <ds:schemaRef ds:uri="http://schemas.microsoft.com/internal/obd"/>
+  </ds:schemaRefs>
+</ds:datastoreItem>
+</file>
+
+<file path=customXml/itemProps2.xml><?xml version="1.0" encoding="utf-8"?>
+<ds:datastoreItem xmlns:ds="http://schemas.openxmlformats.org/officeDocument/2006/customXml" ds:itemID="{C5C26249-539D-4496-936B-3CD83A43905E}">
+  <ds:schemaRefs>
+    <ds:schemaRef ds:uri="http://schemas.microsoft.com/sharepoint/v3/contenttype/forms"/>
   </ds:schemaRefs>
 </ds:datastoreItem>
 </file>
